--- a/Custom Validator & Directive.pptx
+++ b/Custom Validator & Directive.pptx
@@ -4,22 +4,23 @@
   <p:sldMasterIdLst>
     <p:sldMasterId id="2147483648" r:id="rId2"/>
   </p:sldMasterIdLst>
+  <p:notesMasterIdLst>
+    <p:notesMasterId r:id="rId16"/>
+  </p:notesMasterIdLst>
   <p:sldIdLst>
     <p:sldId id="256" r:id="rId3"/>
-    <p:sldId id="270" r:id="rId4"/>
-    <p:sldId id="271" r:id="rId5"/>
-    <p:sldId id="258" r:id="rId6"/>
-    <p:sldId id="259" r:id="rId7"/>
-    <p:sldId id="260" r:id="rId8"/>
-    <p:sldId id="261" r:id="rId9"/>
-    <p:sldId id="262" r:id="rId10"/>
-    <p:sldId id="264" r:id="rId11"/>
-    <p:sldId id="266" r:id="rId12"/>
-    <p:sldId id="265" r:id="rId13"/>
-    <p:sldId id="267" r:id="rId14"/>
-    <p:sldId id="268" r:id="rId15"/>
-    <p:sldId id="263" r:id="rId16"/>
-    <p:sldId id="272" r:id="rId17"/>
+    <p:sldId id="271" r:id="rId4"/>
+    <p:sldId id="258" r:id="rId5"/>
+    <p:sldId id="259" r:id="rId6"/>
+    <p:sldId id="260" r:id="rId7"/>
+    <p:sldId id="261" r:id="rId8"/>
+    <p:sldId id="262" r:id="rId9"/>
+    <p:sldId id="264" r:id="rId10"/>
+    <p:sldId id="266" r:id="rId11"/>
+    <p:sldId id="265" r:id="rId12"/>
+    <p:sldId id="267" r:id="rId13"/>
+    <p:sldId id="268" r:id="rId14"/>
+    <p:sldId id="272" r:id="rId15"/>
   </p:sldIdLst>
   <p:sldSz cx="12192000" cy="6858000"/>
   <p:notesSz cx="6858000" cy="9144000"/>
@@ -171,6 +172,440 @@
 </p:cmLst>
 </file>
 
+<file path=ppt/notesMasters/notesMaster1.xml><?xml version="1.0" encoding="utf-8"?>
+<p:notesMaster xmlns:a="http://schemas.openxmlformats.org/drawingml/2006/main" xmlns:r="http://schemas.openxmlformats.org/officeDocument/2006/relationships" xmlns:p="http://schemas.openxmlformats.org/presentationml/2006/main">
+  <p:cSld>
+    <p:bg>
+      <p:bgRef idx="1001">
+        <a:schemeClr val="bg1"/>
+      </p:bgRef>
+    </p:bg>
+    <p:spTree>
+      <p:nvGrpSpPr>
+        <p:cNvPr id="1" name=""/>
+        <p:cNvGrpSpPr/>
+        <p:nvPr/>
+      </p:nvGrpSpPr>
+      <p:grpSpPr>
+        <a:xfrm>
+          <a:off x="0" y="0"/>
+          <a:ext cx="0" cy="0"/>
+          <a:chOff x="0" y="0"/>
+          <a:chExt cx="0" cy="0"/>
+        </a:xfrm>
+      </p:grpSpPr>
+      <p:sp>
+        <p:nvSpPr>
+          <p:cNvPr id="2" name="Header Placeholder 1"/>
+          <p:cNvSpPr>
+            <a:spLocks noGrp="1"/>
+          </p:cNvSpPr>
+          <p:nvPr>
+            <p:ph type="hdr" sz="quarter"/>
+          </p:nvPr>
+        </p:nvSpPr>
+        <p:spPr>
+          <a:xfrm>
+            <a:off x="0" y="0"/>
+            <a:ext cx="2971800" cy="458788"/>
+          </a:xfrm>
+          <a:prstGeom prst="rect">
+            <a:avLst/>
+          </a:prstGeom>
+        </p:spPr>
+        <p:txBody>
+          <a:bodyPr vert="horz" lIns="91440" tIns="45720" rIns="91440" bIns="45720" rtlCol="0"/>
+          <a:lstStyle>
+            <a:lvl1pPr algn="l">
+              <a:defRPr sz="1200"/>
+            </a:lvl1pPr>
+          </a:lstStyle>
+          <a:p>
+            <a:endParaRPr lang="en-AU"/>
+          </a:p>
+        </p:txBody>
+      </p:sp>
+      <p:sp>
+        <p:nvSpPr>
+          <p:cNvPr id="3" name="Date Placeholder 2"/>
+          <p:cNvSpPr>
+            <a:spLocks noGrp="1"/>
+          </p:cNvSpPr>
+          <p:nvPr>
+            <p:ph type="dt" idx="1"/>
+          </p:nvPr>
+        </p:nvSpPr>
+        <p:spPr>
+          <a:xfrm>
+            <a:off x="3884613" y="0"/>
+            <a:ext cx="2971800" cy="458788"/>
+          </a:xfrm>
+          <a:prstGeom prst="rect">
+            <a:avLst/>
+          </a:prstGeom>
+        </p:spPr>
+        <p:txBody>
+          <a:bodyPr vert="horz" lIns="91440" tIns="45720" rIns="91440" bIns="45720" rtlCol="0"/>
+          <a:lstStyle>
+            <a:lvl1pPr algn="r">
+              <a:defRPr sz="1200"/>
+            </a:lvl1pPr>
+          </a:lstStyle>
+          <a:p>
+            <a:fld id="{EE109A66-D011-40DD-AD8B-04F92BD515AF}" type="datetimeFigureOut">
+              <a:rPr lang="en-AU" smtClean="0"/>
+              <a:t>7/10/2017</a:t>
+            </a:fld>
+            <a:endParaRPr lang="en-AU"/>
+          </a:p>
+        </p:txBody>
+      </p:sp>
+      <p:sp>
+        <p:nvSpPr>
+          <p:cNvPr id="4" name="Slide Image Placeholder 3"/>
+          <p:cNvSpPr>
+            <a:spLocks noGrp="1" noRot="1" noChangeAspect="1"/>
+          </p:cNvSpPr>
+          <p:nvPr>
+            <p:ph type="sldImg" idx="2"/>
+          </p:nvPr>
+        </p:nvSpPr>
+        <p:spPr>
+          <a:xfrm>
+            <a:off x="685800" y="1143000"/>
+            <a:ext cx="5486400" cy="3086100"/>
+          </a:xfrm>
+          <a:prstGeom prst="rect">
+            <a:avLst/>
+          </a:prstGeom>
+          <a:noFill/>
+          <a:ln w="12700">
+            <a:solidFill>
+              <a:prstClr val="black"/>
+            </a:solidFill>
+          </a:ln>
+        </p:spPr>
+        <p:txBody>
+          <a:bodyPr vert="horz" lIns="91440" tIns="45720" rIns="91440" bIns="45720" rtlCol="0" anchor="ctr"/>
+          <a:lstStyle/>
+          <a:p>
+            <a:endParaRPr lang="en-AU"/>
+          </a:p>
+        </p:txBody>
+      </p:sp>
+      <p:sp>
+        <p:nvSpPr>
+          <p:cNvPr id="5" name="Notes Placeholder 4"/>
+          <p:cNvSpPr>
+            <a:spLocks noGrp="1"/>
+          </p:cNvSpPr>
+          <p:nvPr>
+            <p:ph type="body" sz="quarter" idx="3"/>
+          </p:nvPr>
+        </p:nvSpPr>
+        <p:spPr>
+          <a:xfrm>
+            <a:off x="685800" y="4400550"/>
+            <a:ext cx="5486400" cy="3600450"/>
+          </a:xfrm>
+          <a:prstGeom prst="rect">
+            <a:avLst/>
+          </a:prstGeom>
+        </p:spPr>
+        <p:txBody>
+          <a:bodyPr vert="horz" lIns="91440" tIns="45720" rIns="91440" bIns="45720" rtlCol="0"/>
+          <a:lstStyle/>
+          <a:p>
+            <a:pPr lvl="0"/>
+            <a:r>
+              <a:rPr lang="en-US" smtClean="0"/>
+              <a:t>Click to edit Master text styles</a:t>
+            </a:r>
+          </a:p>
+          <a:p>
+            <a:pPr lvl="1"/>
+            <a:r>
+              <a:rPr lang="en-US" smtClean="0"/>
+              <a:t>Second level</a:t>
+            </a:r>
+          </a:p>
+          <a:p>
+            <a:pPr lvl="2"/>
+            <a:r>
+              <a:rPr lang="en-US" smtClean="0"/>
+              <a:t>Third level</a:t>
+            </a:r>
+          </a:p>
+          <a:p>
+            <a:pPr lvl="3"/>
+            <a:r>
+              <a:rPr lang="en-US" smtClean="0"/>
+              <a:t>Fourth level</a:t>
+            </a:r>
+          </a:p>
+          <a:p>
+            <a:pPr lvl="4"/>
+            <a:r>
+              <a:rPr lang="en-US" smtClean="0"/>
+              <a:t>Fifth level</a:t>
+            </a:r>
+            <a:endParaRPr lang="en-AU"/>
+          </a:p>
+        </p:txBody>
+      </p:sp>
+      <p:sp>
+        <p:nvSpPr>
+          <p:cNvPr id="6" name="Footer Placeholder 5"/>
+          <p:cNvSpPr>
+            <a:spLocks noGrp="1"/>
+          </p:cNvSpPr>
+          <p:nvPr>
+            <p:ph type="ftr" sz="quarter" idx="4"/>
+          </p:nvPr>
+        </p:nvSpPr>
+        <p:spPr>
+          <a:xfrm>
+            <a:off x="0" y="8685213"/>
+            <a:ext cx="2971800" cy="458787"/>
+          </a:xfrm>
+          <a:prstGeom prst="rect">
+            <a:avLst/>
+          </a:prstGeom>
+        </p:spPr>
+        <p:txBody>
+          <a:bodyPr vert="horz" lIns="91440" tIns="45720" rIns="91440" bIns="45720" rtlCol="0" anchor="b"/>
+          <a:lstStyle>
+            <a:lvl1pPr algn="l">
+              <a:defRPr sz="1200"/>
+            </a:lvl1pPr>
+          </a:lstStyle>
+          <a:p>
+            <a:endParaRPr lang="en-AU"/>
+          </a:p>
+        </p:txBody>
+      </p:sp>
+      <p:sp>
+        <p:nvSpPr>
+          <p:cNvPr id="7" name="Slide Number Placeholder 6"/>
+          <p:cNvSpPr>
+            <a:spLocks noGrp="1"/>
+          </p:cNvSpPr>
+          <p:nvPr>
+            <p:ph type="sldNum" sz="quarter" idx="5"/>
+          </p:nvPr>
+        </p:nvSpPr>
+        <p:spPr>
+          <a:xfrm>
+            <a:off x="3884613" y="8685213"/>
+            <a:ext cx="2971800" cy="458787"/>
+          </a:xfrm>
+          <a:prstGeom prst="rect">
+            <a:avLst/>
+          </a:prstGeom>
+        </p:spPr>
+        <p:txBody>
+          <a:bodyPr vert="horz" lIns="91440" tIns="45720" rIns="91440" bIns="45720" rtlCol="0" anchor="b"/>
+          <a:lstStyle>
+            <a:lvl1pPr algn="r">
+              <a:defRPr sz="1200"/>
+            </a:lvl1pPr>
+          </a:lstStyle>
+          <a:p>
+            <a:fld id="{20A6ABF7-261A-4575-8C7D-9B9AF175AAB7}" type="slidenum">
+              <a:rPr lang="en-AU" smtClean="0"/>
+              <a:t>‹#›</a:t>
+            </a:fld>
+            <a:endParaRPr lang="en-AU"/>
+          </a:p>
+        </p:txBody>
+      </p:sp>
+    </p:spTree>
+    <p:extLst>
+      <p:ext uri="{BB962C8B-B14F-4D97-AF65-F5344CB8AC3E}">
+        <p14:creationId xmlns:p14="http://schemas.microsoft.com/office/powerpoint/2010/main" val="729777936"/>
+      </p:ext>
+    </p:extLst>
+  </p:cSld>
+  <p:clrMap bg1="lt1" tx1="dk1" bg2="lt2" tx2="dk2" accent1="accent1" accent2="accent2" accent3="accent3" accent4="accent4" accent5="accent5" accent6="accent6" hlink="hlink" folHlink="folHlink"/>
+  <p:notesStyle>
+    <a:lvl1pPr marL="0" algn="l" defTabSz="914400" rtl="0" eaLnBrk="1" latinLnBrk="0" hangingPunct="1">
+      <a:defRPr sz="1200" kern="1200">
+        <a:solidFill>
+          <a:schemeClr val="tx1"/>
+        </a:solidFill>
+        <a:latin typeface="+mn-lt"/>
+        <a:ea typeface="+mn-ea"/>
+        <a:cs typeface="+mn-cs"/>
+      </a:defRPr>
+    </a:lvl1pPr>
+    <a:lvl2pPr marL="457200" algn="l" defTabSz="914400" rtl="0" eaLnBrk="1" latinLnBrk="0" hangingPunct="1">
+      <a:defRPr sz="1200" kern="1200">
+        <a:solidFill>
+          <a:schemeClr val="tx1"/>
+        </a:solidFill>
+        <a:latin typeface="+mn-lt"/>
+        <a:ea typeface="+mn-ea"/>
+        <a:cs typeface="+mn-cs"/>
+      </a:defRPr>
+    </a:lvl2pPr>
+    <a:lvl3pPr marL="914400" algn="l" defTabSz="914400" rtl="0" eaLnBrk="1" latinLnBrk="0" hangingPunct="1">
+      <a:defRPr sz="1200" kern="1200">
+        <a:solidFill>
+          <a:schemeClr val="tx1"/>
+        </a:solidFill>
+        <a:latin typeface="+mn-lt"/>
+        <a:ea typeface="+mn-ea"/>
+        <a:cs typeface="+mn-cs"/>
+      </a:defRPr>
+    </a:lvl3pPr>
+    <a:lvl4pPr marL="1371600" algn="l" defTabSz="914400" rtl="0" eaLnBrk="1" latinLnBrk="0" hangingPunct="1">
+      <a:defRPr sz="1200" kern="1200">
+        <a:solidFill>
+          <a:schemeClr val="tx1"/>
+        </a:solidFill>
+        <a:latin typeface="+mn-lt"/>
+        <a:ea typeface="+mn-ea"/>
+        <a:cs typeface="+mn-cs"/>
+      </a:defRPr>
+    </a:lvl4pPr>
+    <a:lvl5pPr marL="1828800" algn="l" defTabSz="914400" rtl="0" eaLnBrk="1" latinLnBrk="0" hangingPunct="1">
+      <a:defRPr sz="1200" kern="1200">
+        <a:solidFill>
+          <a:schemeClr val="tx1"/>
+        </a:solidFill>
+        <a:latin typeface="+mn-lt"/>
+        <a:ea typeface="+mn-ea"/>
+        <a:cs typeface="+mn-cs"/>
+      </a:defRPr>
+    </a:lvl5pPr>
+    <a:lvl6pPr marL="2286000" algn="l" defTabSz="914400" rtl="0" eaLnBrk="1" latinLnBrk="0" hangingPunct="1">
+      <a:defRPr sz="1200" kern="1200">
+        <a:solidFill>
+          <a:schemeClr val="tx1"/>
+        </a:solidFill>
+        <a:latin typeface="+mn-lt"/>
+        <a:ea typeface="+mn-ea"/>
+        <a:cs typeface="+mn-cs"/>
+      </a:defRPr>
+    </a:lvl6pPr>
+    <a:lvl7pPr marL="2743200" algn="l" defTabSz="914400" rtl="0" eaLnBrk="1" latinLnBrk="0" hangingPunct="1">
+      <a:defRPr sz="1200" kern="1200">
+        <a:solidFill>
+          <a:schemeClr val="tx1"/>
+        </a:solidFill>
+        <a:latin typeface="+mn-lt"/>
+        <a:ea typeface="+mn-ea"/>
+        <a:cs typeface="+mn-cs"/>
+      </a:defRPr>
+    </a:lvl7pPr>
+    <a:lvl8pPr marL="3200400" algn="l" defTabSz="914400" rtl="0" eaLnBrk="1" latinLnBrk="0" hangingPunct="1">
+      <a:defRPr sz="1200" kern="1200">
+        <a:solidFill>
+          <a:schemeClr val="tx1"/>
+        </a:solidFill>
+        <a:latin typeface="+mn-lt"/>
+        <a:ea typeface="+mn-ea"/>
+        <a:cs typeface="+mn-cs"/>
+      </a:defRPr>
+    </a:lvl8pPr>
+    <a:lvl9pPr marL="3657600" algn="l" defTabSz="914400" rtl="0" eaLnBrk="1" latinLnBrk="0" hangingPunct="1">
+      <a:defRPr sz="1200" kern="1200">
+        <a:solidFill>
+          <a:schemeClr val="tx1"/>
+        </a:solidFill>
+        <a:latin typeface="+mn-lt"/>
+        <a:ea typeface="+mn-ea"/>
+        <a:cs typeface="+mn-cs"/>
+      </a:defRPr>
+    </a:lvl9pPr>
+  </p:notesStyle>
+</p:notesMaster>
+</file>
+
+<file path=ppt/notesSlides/notesSlide1.xml><?xml version="1.0" encoding="utf-8"?>
+<p:notes xmlns:a="http://schemas.openxmlformats.org/drawingml/2006/main" xmlns:r="http://schemas.openxmlformats.org/officeDocument/2006/relationships" xmlns:p="http://schemas.openxmlformats.org/presentationml/2006/main">
+  <p:cSld>
+    <p:spTree>
+      <p:nvGrpSpPr>
+        <p:cNvPr id="1" name=""/>
+        <p:cNvGrpSpPr/>
+        <p:nvPr/>
+      </p:nvGrpSpPr>
+      <p:grpSpPr>
+        <a:xfrm>
+          <a:off x="0" y="0"/>
+          <a:ext cx="0" cy="0"/>
+          <a:chOff x="0" y="0"/>
+          <a:chExt cx="0" cy="0"/>
+        </a:xfrm>
+      </p:grpSpPr>
+      <p:sp>
+        <p:nvSpPr>
+          <p:cNvPr id="2" name="Slide Image Placeholder 1"/>
+          <p:cNvSpPr>
+            <a:spLocks noGrp="1" noRot="1" noChangeAspect="1"/>
+          </p:cNvSpPr>
+          <p:nvPr>
+            <p:ph type="sldImg"/>
+          </p:nvPr>
+        </p:nvSpPr>
+        <p:spPr/>
+      </p:sp>
+      <p:sp>
+        <p:nvSpPr>
+          <p:cNvPr id="3" name="Notes Placeholder 2"/>
+          <p:cNvSpPr>
+            <a:spLocks noGrp="1"/>
+          </p:cNvSpPr>
+          <p:nvPr>
+            <p:ph type="body" idx="1"/>
+          </p:nvPr>
+        </p:nvSpPr>
+        <p:spPr/>
+        <p:txBody>
+          <a:bodyPr/>
+          <a:lstStyle/>
+          <a:p>
+            <a:endParaRPr lang="en-AU"/>
+          </a:p>
+        </p:txBody>
+      </p:sp>
+      <p:sp>
+        <p:nvSpPr>
+          <p:cNvPr id="4" name="Slide Number Placeholder 3"/>
+          <p:cNvSpPr>
+            <a:spLocks noGrp="1"/>
+          </p:cNvSpPr>
+          <p:nvPr>
+            <p:ph type="sldNum" sz="quarter" idx="10"/>
+          </p:nvPr>
+        </p:nvSpPr>
+        <p:spPr/>
+        <p:txBody>
+          <a:bodyPr/>
+          <a:lstStyle/>
+          <a:p>
+            <a:fld id="{20A6ABF7-261A-4575-8C7D-9B9AF175AAB7}" type="slidenum">
+              <a:rPr lang="en-AU" smtClean="0"/>
+              <a:t>1</a:t>
+            </a:fld>
+            <a:endParaRPr lang="en-AU"/>
+          </a:p>
+        </p:txBody>
+      </p:sp>
+    </p:spTree>
+    <p:extLst>
+      <p:ext uri="{BB962C8B-B14F-4D97-AF65-F5344CB8AC3E}">
+        <p14:creationId xmlns:p14="http://schemas.microsoft.com/office/powerpoint/2010/main" val="2164776457"/>
+      </p:ext>
+    </p:extLst>
+  </p:cSld>
+  <p:clrMapOvr>
+    <a:masterClrMapping/>
+  </p:clrMapOvr>
+</p:notes>
+</file>
+
 <file path=ppt/slideLayouts/slideLayout1.xml><?xml version="1.0" encoding="utf-8"?>
 <p:sldLayout xmlns:a="http://schemas.openxmlformats.org/drawingml/2006/main" xmlns:r="http://schemas.openxmlformats.org/officeDocument/2006/relationships" xmlns:p="http://schemas.openxmlformats.org/presentationml/2006/main" showMasterSp="0" type="title" preserve="1">
   <p:cSld name="Title Slide">
@@ -345,9 +780,9 @@
           <a:bodyPr/>
           <a:lstStyle/>
           <a:p>
-            <a:fld id="{96DFF08F-DC6B-4601-B491-B0F83F6DD2DA}" type="datetimeFigureOut">
-              <a:rPr lang="en-US" dirty="0"/>
-              <a:t>10/2/2017</a:t>
+            <a:fld id="{E8537BA8-6A8F-4130-83C4-4F82A5AD1C67}" type="datetime1">
+              <a:rPr lang="en-US" smtClean="0"/>
+              <a:t>10/7/2017</a:t>
             </a:fld>
             <a:endParaRPr lang="en-US" dirty="0"/>
           </a:p>
@@ -510,9 +945,9 @@
           <a:bodyPr/>
           <a:lstStyle/>
           <a:p>
-            <a:fld id="{96DFF08F-DC6B-4601-B491-B0F83F6DD2DA}" type="datetimeFigureOut">
-              <a:rPr lang="en-US" dirty="0"/>
-              <a:t>10/2/2017</a:t>
+            <a:fld id="{6748436A-B790-4851-BD44-7ECED3ADBB3C}" type="datetime1">
+              <a:rPr lang="en-US" smtClean="0"/>
+              <a:t>10/7/2017</a:t>
             </a:fld>
             <a:endParaRPr lang="en-US" dirty="0"/>
           </a:p>
@@ -728,9 +1163,9 @@
           <a:bodyPr/>
           <a:lstStyle/>
           <a:p>
-            <a:fld id="{96DFF08F-DC6B-4601-B491-B0F83F6DD2DA}" type="datetimeFigureOut">
-              <a:rPr lang="en-US" dirty="0"/>
-              <a:t>10/2/2017</a:t>
+            <a:fld id="{BE9AA015-55B8-4A2B-8A6B-CF101FF90EF7}" type="datetime1">
+              <a:rPr lang="en-US" smtClean="0"/>
+              <a:t>10/7/2017</a:t>
             </a:fld>
             <a:endParaRPr lang="en-US" dirty="0"/>
           </a:p>
@@ -903,9 +1338,9 @@
           <a:bodyPr/>
           <a:lstStyle/>
           <a:p>
-            <a:fld id="{96DFF08F-DC6B-4601-B491-B0F83F6DD2DA}" type="datetimeFigureOut">
-              <a:rPr lang="en-US" dirty="0"/>
-              <a:t>10/2/2017</a:t>
+            <a:fld id="{9A8B12E1-1130-4BBF-B584-0ADF5964A8B3}" type="datetime1">
+              <a:rPr lang="en-US" smtClean="0"/>
+              <a:t>10/7/2017</a:t>
             </a:fld>
             <a:endParaRPr lang="en-US" dirty="0"/>
           </a:p>
@@ -1204,10 +1639,9 @@
             </a:lvl1pPr>
           </a:lstStyle>
           <a:p>
-            <a:fld id="{96DFF08F-DC6B-4601-B491-B0F83F6DD2DA}" type="datetimeFigureOut">
-              <a:rPr lang="en-US" dirty="0"/>
-              <a:pPr/>
-              <a:t>10/2/2017</a:t>
+            <a:fld id="{92A3A080-08D4-4491-8B19-B23336A173C2}" type="datetime1">
+              <a:rPr lang="en-US" smtClean="0"/>
+              <a:t>10/7/2017</a:t>
             </a:fld>
             <a:endParaRPr lang="en-US" dirty="0"/>
           </a:p>
@@ -1505,9 +1939,9 @@
           <a:bodyPr/>
           <a:lstStyle/>
           <a:p>
-            <a:fld id="{96DFF08F-DC6B-4601-B491-B0F83F6DD2DA}" type="datetimeFigureOut">
-              <a:rPr lang="en-US" dirty="0"/>
-              <a:t>10/2/2017</a:t>
+            <a:fld id="{C5AD1B90-CA4C-467D-B721-481A4F0E7945}" type="datetime1">
+              <a:rPr lang="en-US" smtClean="0"/>
+              <a:t>10/7/2017</a:t>
             </a:fld>
             <a:endParaRPr lang="en-US" dirty="0"/>
           </a:p>
@@ -1922,9 +2356,9 @@
           <a:bodyPr/>
           <a:lstStyle/>
           <a:p>
-            <a:fld id="{96DFF08F-DC6B-4601-B491-B0F83F6DD2DA}" type="datetimeFigureOut">
-              <a:rPr lang="en-US" dirty="0"/>
-              <a:t>10/2/2017</a:t>
+            <a:fld id="{D47C2297-E751-4F08-8EB8-7656A210BE26}" type="datetime1">
+              <a:rPr lang="en-US" smtClean="0"/>
+              <a:t>10/7/2017</a:t>
             </a:fld>
             <a:endParaRPr lang="en-US" dirty="0"/>
           </a:p>
@@ -2035,9 +2469,9 @@
           <a:bodyPr/>
           <a:lstStyle/>
           <a:p>
-            <a:fld id="{96DFF08F-DC6B-4601-B491-B0F83F6DD2DA}" type="datetimeFigureOut">
-              <a:rPr lang="en-US" dirty="0"/>
-              <a:t>10/2/2017</a:t>
+            <a:fld id="{5CE70E67-5149-47C5-BAE4-E4AC4511191B}" type="datetime1">
+              <a:rPr lang="en-US" smtClean="0"/>
+              <a:t>10/7/2017</a:t>
             </a:fld>
             <a:endParaRPr lang="en-US" dirty="0"/>
           </a:p>
@@ -2125,9 +2559,9 @@
           <a:bodyPr/>
           <a:lstStyle/>
           <a:p>
-            <a:fld id="{96DFF08F-DC6B-4601-B491-B0F83F6DD2DA}" type="datetimeFigureOut">
-              <a:rPr lang="en-US" dirty="0"/>
-              <a:t>10/2/2017</a:t>
+            <a:fld id="{146EAA39-025D-4779-9805-3BB8C9483DA8}" type="datetime1">
+              <a:rPr lang="en-US" smtClean="0"/>
+              <a:t>10/7/2017</a:t>
             </a:fld>
             <a:endParaRPr lang="en-US" dirty="0"/>
           </a:p>
@@ -2393,9 +2827,9 @@
           <a:bodyPr/>
           <a:lstStyle/>
           <a:p>
-            <a:fld id="{96DFF08F-DC6B-4601-B491-B0F83F6DD2DA}" type="datetimeFigureOut">
-              <a:rPr lang="en-US" dirty="0"/>
-              <a:t>10/2/2017</a:t>
+            <a:fld id="{FC81F383-D035-4A34-B5B8-C5BBA644D78D}" type="datetime1">
+              <a:rPr lang="en-US" smtClean="0"/>
+              <a:t>10/7/2017</a:t>
             </a:fld>
             <a:endParaRPr lang="en-US" dirty="0"/>
           </a:p>
@@ -2653,9 +3087,9 @@
           <a:bodyPr/>
           <a:lstStyle/>
           <a:p>
-            <a:fld id="{96DFF08F-DC6B-4601-B491-B0F83F6DD2DA}" type="datetimeFigureOut">
-              <a:rPr lang="en-US" dirty="0"/>
-              <a:t>10/2/2017</a:t>
+            <a:fld id="{2B3B2E31-5EC0-459C-AAB3-A562F1CDFAA3}" type="datetime1">
+              <a:rPr lang="en-US" smtClean="0"/>
+              <a:t>10/7/2017</a:t>
             </a:fld>
             <a:endParaRPr lang="en-US" dirty="0"/>
           </a:p>
@@ -2897,10 +3331,9 @@
             </a:lvl1pPr>
           </a:lstStyle>
           <a:p>
-            <a:fld id="{96DFF08F-DC6B-4601-B491-B0F83F6DD2DA}" type="datetimeFigureOut">
-              <a:rPr lang="en-US" dirty="0"/>
-              <a:pPr/>
-              <a:t>10/2/2017</a:t>
+            <a:fld id="{CB85F239-AFD7-4D60-9835-27F1985ACEE8}" type="datetime1">
+              <a:rPr lang="en-US" smtClean="0"/>
+              <a:t>10/7/2017</a:t>
             </a:fld>
             <a:endParaRPr lang="en-US" dirty="0"/>
           </a:p>
@@ -2997,6 +3430,7 @@
     <p:sldLayoutId id="2147483658" r:id="rId10"/>
     <p:sldLayoutId id="2147483659" r:id="rId11"/>
   </p:sldLayoutIdLst>
+  <p:hf hdr="0" ftr="0" dt="0"/>
   <p:txStyles>
     <p:titleStyle>
       <a:lvl1pPr algn="l" defTabSz="914400" rtl="0" eaLnBrk="1" latinLnBrk="0" hangingPunct="1">
@@ -3409,8 +3843,16 @@
           <a:lstStyle/>
           <a:p>
             <a:r>
+              <a:rPr lang="en-AU" sz="3600" b="1" smtClean="0"/>
+              <a:t>Timmy </a:t>
+            </a:r>
+            <a:r>
+              <a:rPr lang="en-AU" sz="3600" b="1" smtClean="0"/>
+              <a:t>K Tom</a:t>
+            </a:r>
+            <a:r>
               <a:rPr lang="en-AU" sz="3600" b="1" dirty="0" smtClean="0"/>
-              <a:t>Timmy Tom</a:t>
+              <a:t/>
             </a:r>
             <a:br>
               <a:rPr lang="en-AU" sz="3600" b="1" dirty="0" smtClean="0"/>
@@ -3439,7 +3881,7 @@
           <p:nvPr/>
         </p:nvPicPr>
         <p:blipFill>
-          <a:blip r:embed="rId2"/>
+          <a:blip r:embed="rId3"/>
           <a:stretch>
             <a:fillRect/>
           </a:stretch>
@@ -3454,6 +3896,34 @@
           </a:prstGeom>
         </p:spPr>
       </p:pic>
+      <p:sp>
+        <p:nvSpPr>
+          <p:cNvPr id="5" name="Slide Number Placeholder 4"/>
+          <p:cNvSpPr>
+            <a:spLocks noGrp="1"/>
+          </p:cNvSpPr>
+          <p:nvPr>
+            <p:ph type="sldNum" sz="quarter" idx="12"/>
+          </p:nvPr>
+        </p:nvSpPr>
+        <p:spPr>
+          <a:xfrm>
+            <a:off x="12000046" y="6384323"/>
+            <a:ext cx="191953" cy="365125"/>
+          </a:xfrm>
+        </p:spPr>
+        <p:txBody>
+          <a:bodyPr/>
+          <a:lstStyle/>
+          <a:p>
+            <a:fld id="{4FAB73BC-B049-4115-A692-8D63A059BFB8}" type="slidenum">
+              <a:rPr lang="en-US" smtClean="0"/>
+              <a:t>1</a:t>
+            </a:fld>
+            <a:endParaRPr lang="en-US" dirty="0"/>
+          </a:p>
+        </p:txBody>
+      </p:sp>
     </p:spTree>
     <p:extLst>
       <p:ext uri="{BB962C8B-B14F-4D97-AF65-F5344CB8AC3E}">
@@ -3515,11 +3985,4199 @@
           <a:p>
             <a:r>
               <a:rPr lang="en-AU" sz="2800" b="1" dirty="0" smtClean="0"/>
-              <a:t>Custom </a:t>
+              <a:t>Custom Directive using Custom Validator </a:t>
             </a:r>
             <a:r>
               <a:rPr lang="en-AU" sz="2800" b="1" dirty="0" smtClean="0"/>
-              <a:t>Directive using Custom Validator without dependency</a:t>
+              <a:t>with </a:t>
+            </a:r>
+            <a:r>
+              <a:rPr lang="en-AU" sz="2800" b="1" dirty="0" smtClean="0"/>
+              <a:t>dependency</a:t>
+            </a:r>
+            <a:endParaRPr lang="en-AU" sz="2800" b="1" dirty="0"/>
+          </a:p>
+        </p:txBody>
+      </p:sp>
+      <p:pic>
+        <p:nvPicPr>
+          <p:cNvPr id="5" name="Picture 4"/>
+          <p:cNvPicPr>
+            <a:picLocks noChangeAspect="1"/>
+          </p:cNvPicPr>
+          <p:nvPr/>
+        </p:nvPicPr>
+        <p:blipFill>
+          <a:blip r:embed="rId2"/>
+          <a:stretch>
+            <a:fillRect/>
+          </a:stretch>
+        </p:blipFill>
+        <p:spPr>
+          <a:xfrm>
+            <a:off x="306345" y="937826"/>
+            <a:ext cx="8267700" cy="2000250"/>
+          </a:xfrm>
+          <a:prstGeom prst="rect">
+            <a:avLst/>
+          </a:prstGeom>
+        </p:spPr>
+      </p:pic>
+      <p:pic>
+        <p:nvPicPr>
+          <p:cNvPr id="6" name="Picture 5"/>
+          <p:cNvPicPr>
+            <a:picLocks noChangeAspect="1"/>
+          </p:cNvPicPr>
+          <p:nvPr/>
+        </p:nvPicPr>
+        <p:blipFill>
+          <a:blip r:embed="rId3"/>
+          <a:stretch>
+            <a:fillRect/>
+          </a:stretch>
+        </p:blipFill>
+        <p:spPr>
+          <a:xfrm>
+            <a:off x="306345" y="3615124"/>
+            <a:ext cx="9344025" cy="2609850"/>
+          </a:xfrm>
+          <a:prstGeom prst="rect">
+            <a:avLst/>
+          </a:prstGeom>
+        </p:spPr>
+      </p:pic>
+      <p:sp>
+        <p:nvSpPr>
+          <p:cNvPr id="7" name="TextBox 6"/>
+          <p:cNvSpPr txBox="1"/>
+          <p:nvPr/>
+        </p:nvSpPr>
+        <p:spPr>
+          <a:xfrm>
+            <a:off x="9473514" y="1200268"/>
+            <a:ext cx="2224216" cy="369332"/>
+          </a:xfrm>
+          <a:prstGeom prst="rect">
+            <a:avLst/>
+          </a:prstGeom>
+          <a:noFill/>
+        </p:spPr>
+        <p:txBody>
+          <a:bodyPr wrap="square" rtlCol="0">
+            <a:spAutoFit/>
+          </a:bodyPr>
+          <a:lstStyle/>
+          <a:p>
+            <a:r>
+              <a:rPr lang="en-AU" dirty="0" smtClean="0"/>
+              <a:t>Single value</a:t>
+            </a:r>
+            <a:endParaRPr lang="en-AU" dirty="0"/>
+          </a:p>
+        </p:txBody>
+      </p:sp>
+      <p:cxnSp>
+        <p:nvCxnSpPr>
+          <p:cNvPr id="9" name="Straight Arrow Connector 8"/>
+          <p:cNvCxnSpPr>
+            <a:stCxn id="7" idx="1"/>
+          </p:cNvCxnSpPr>
+          <p:nvPr/>
+        </p:nvCxnSpPr>
+        <p:spPr>
+          <a:xfrm flipH="1">
+            <a:off x="6755027" y="1384934"/>
+            <a:ext cx="2718487" cy="847520"/>
+          </a:xfrm>
+          <a:prstGeom prst="straightConnector1">
+            <a:avLst/>
+          </a:prstGeom>
+          <a:ln>
+            <a:solidFill>
+              <a:srgbClr val="FF0000"/>
+            </a:solidFill>
+            <a:tailEnd type="triangle"/>
+          </a:ln>
+        </p:spPr>
+        <p:style>
+          <a:lnRef idx="1">
+            <a:schemeClr val="accent1"/>
+          </a:lnRef>
+          <a:fillRef idx="0">
+            <a:schemeClr val="accent1"/>
+          </a:fillRef>
+          <a:effectRef idx="0">
+            <a:schemeClr val="accent1"/>
+          </a:effectRef>
+          <a:fontRef idx="minor">
+            <a:schemeClr val="tx1"/>
+          </a:fontRef>
+        </p:style>
+      </p:cxnSp>
+      <p:cxnSp>
+        <p:nvCxnSpPr>
+          <p:cNvPr id="11" name="Straight Connector 10"/>
+          <p:cNvCxnSpPr/>
+          <p:nvPr/>
+        </p:nvCxnSpPr>
+        <p:spPr>
+          <a:xfrm>
+            <a:off x="4324865" y="2520778"/>
+            <a:ext cx="2932670" cy="0"/>
+          </a:xfrm>
+          <a:prstGeom prst="line">
+            <a:avLst/>
+          </a:prstGeom>
+          <a:ln w="25400"/>
+        </p:spPr>
+        <p:style>
+          <a:lnRef idx="1">
+            <a:schemeClr val="accent1"/>
+          </a:lnRef>
+          <a:fillRef idx="0">
+            <a:schemeClr val="accent1"/>
+          </a:fillRef>
+          <a:effectRef idx="0">
+            <a:schemeClr val="accent1"/>
+          </a:effectRef>
+          <a:fontRef idx="minor">
+            <a:schemeClr val="tx1"/>
+          </a:fontRef>
+        </p:style>
+      </p:cxnSp>
+      <p:sp>
+        <p:nvSpPr>
+          <p:cNvPr id="12" name="TextBox 11"/>
+          <p:cNvSpPr txBox="1"/>
+          <p:nvPr/>
+        </p:nvSpPr>
+        <p:spPr>
+          <a:xfrm>
+            <a:off x="10007600" y="3430458"/>
+            <a:ext cx="1930400" cy="369332"/>
+          </a:xfrm>
+          <a:prstGeom prst="rect">
+            <a:avLst/>
+          </a:prstGeom>
+          <a:noFill/>
+        </p:spPr>
+        <p:txBody>
+          <a:bodyPr wrap="square" rtlCol="0">
+            <a:spAutoFit/>
+          </a:bodyPr>
+          <a:lstStyle/>
+          <a:p>
+            <a:r>
+              <a:rPr lang="en-AU" dirty="0" smtClean="0"/>
+              <a:t>Multiple value</a:t>
+            </a:r>
+            <a:endParaRPr lang="en-AU" dirty="0"/>
+          </a:p>
+        </p:txBody>
+      </p:sp>
+      <p:cxnSp>
+        <p:nvCxnSpPr>
+          <p:cNvPr id="14" name="Straight Arrow Connector 13"/>
+          <p:cNvCxnSpPr>
+            <a:stCxn id="12" idx="1"/>
+          </p:cNvCxnSpPr>
+          <p:nvPr/>
+        </p:nvCxnSpPr>
+        <p:spPr>
+          <a:xfrm flipH="1">
+            <a:off x="7355840" y="3615124"/>
+            <a:ext cx="2651760" cy="713036"/>
+          </a:xfrm>
+          <a:prstGeom prst="straightConnector1">
+            <a:avLst/>
+          </a:prstGeom>
+          <a:ln>
+            <a:solidFill>
+              <a:srgbClr val="C00000"/>
+            </a:solidFill>
+            <a:tailEnd type="triangle"/>
+          </a:ln>
+        </p:spPr>
+        <p:style>
+          <a:lnRef idx="1">
+            <a:schemeClr val="accent1"/>
+          </a:lnRef>
+          <a:fillRef idx="0">
+            <a:schemeClr val="accent1"/>
+          </a:fillRef>
+          <a:effectRef idx="0">
+            <a:schemeClr val="accent1"/>
+          </a:effectRef>
+          <a:fontRef idx="minor">
+            <a:schemeClr val="tx1"/>
+          </a:fontRef>
+        </p:style>
+      </p:cxnSp>
+      <p:cxnSp>
+        <p:nvCxnSpPr>
+          <p:cNvPr id="16" name="Straight Connector 15"/>
+          <p:cNvCxnSpPr/>
+          <p:nvPr/>
+        </p:nvCxnSpPr>
+        <p:spPr>
+          <a:xfrm>
+            <a:off x="5171440" y="4920049"/>
+            <a:ext cx="2086095" cy="0"/>
+          </a:xfrm>
+          <a:prstGeom prst="line">
+            <a:avLst/>
+          </a:prstGeom>
+          <a:ln w="25400"/>
+        </p:spPr>
+        <p:style>
+          <a:lnRef idx="1">
+            <a:schemeClr val="accent1"/>
+          </a:lnRef>
+          <a:fillRef idx="0">
+            <a:schemeClr val="accent1"/>
+          </a:fillRef>
+          <a:effectRef idx="0">
+            <a:schemeClr val="accent1"/>
+          </a:effectRef>
+          <a:fontRef idx="minor">
+            <a:schemeClr val="tx1"/>
+          </a:fontRef>
+        </p:style>
+      </p:cxnSp>
+      <p:sp>
+        <p:nvSpPr>
+          <p:cNvPr id="17" name="Slide Number Placeholder 16"/>
+          <p:cNvSpPr>
+            <a:spLocks noGrp="1"/>
+          </p:cNvSpPr>
+          <p:nvPr>
+            <p:ph type="sldNum" sz="quarter" idx="12"/>
+          </p:nvPr>
+        </p:nvSpPr>
+        <p:spPr>
+          <a:xfrm>
+            <a:off x="11928927" y="6321254"/>
+            <a:ext cx="293553" cy="365125"/>
+          </a:xfrm>
+        </p:spPr>
+        <p:txBody>
+          <a:bodyPr/>
+          <a:lstStyle/>
+          <a:p>
+            <a:fld id="{4FAB73BC-B049-4115-A692-8D63A059BFB8}" type="slidenum">
+              <a:rPr lang="en-US" smtClean="0"/>
+              <a:t>10</a:t>
+            </a:fld>
+            <a:endParaRPr lang="en-US" dirty="0"/>
+          </a:p>
+        </p:txBody>
+      </p:sp>
+    </p:spTree>
+    <p:extLst>
+      <p:ext uri="{BB962C8B-B14F-4D97-AF65-F5344CB8AC3E}">
+        <p14:creationId xmlns:p14="http://schemas.microsoft.com/office/powerpoint/2010/main" val="4257121483"/>
+      </p:ext>
+    </p:extLst>
+  </p:cSld>
+  <p:clrMapOvr>
+    <a:masterClrMapping/>
+  </p:clrMapOvr>
+  <p:timing>
+    <p:tnLst>
+      <p:par>
+        <p:cTn id="1" dur="indefinite" restart="never" nodeType="tmRoot">
+          <p:childTnLst>
+            <p:seq concurrent="1" nextAc="seek">
+              <p:cTn id="2" dur="indefinite" nodeType="mainSeq">
+                <p:childTnLst>
+                  <p:par>
+                    <p:cTn id="3" fill="hold">
+                      <p:stCondLst>
+                        <p:cond delay="indefinite"/>
+                      </p:stCondLst>
+                      <p:childTnLst>
+                        <p:par>
+                          <p:cTn id="4" fill="hold">
+                            <p:stCondLst>
+                              <p:cond delay="0"/>
+                            </p:stCondLst>
+                            <p:childTnLst>
+                              <p:par>
+                                <p:cTn id="5" presetID="53" presetClass="entr" presetSubtype="16" fill="hold" nodeType="clickEffect">
+                                  <p:stCondLst>
+                                    <p:cond delay="0"/>
+                                  </p:stCondLst>
+                                  <p:childTnLst>
+                                    <p:set>
+                                      <p:cBhvr>
+                                        <p:cTn id="6" dur="1" fill="hold">
+                                          <p:stCondLst>
+                                            <p:cond delay="0"/>
+                                          </p:stCondLst>
+                                        </p:cTn>
+                                        <p:tgtEl>
+                                          <p:spTgt spid="5"/>
+                                        </p:tgtEl>
+                                        <p:attrNameLst>
+                                          <p:attrName>style.visibility</p:attrName>
+                                        </p:attrNameLst>
+                                      </p:cBhvr>
+                                      <p:to>
+                                        <p:strVal val="visible"/>
+                                      </p:to>
+                                    </p:set>
+                                    <p:anim calcmode="lin" valueType="num">
+                                      <p:cBhvr>
+                                        <p:cTn id="7" dur="500" fill="hold"/>
+                                        <p:tgtEl>
+                                          <p:spTgt spid="5"/>
+                                        </p:tgtEl>
+                                        <p:attrNameLst>
+                                          <p:attrName>ppt_w</p:attrName>
+                                        </p:attrNameLst>
+                                      </p:cBhvr>
+                                      <p:tavLst>
+                                        <p:tav tm="0">
+                                          <p:val>
+                                            <p:fltVal val="0"/>
+                                          </p:val>
+                                        </p:tav>
+                                        <p:tav tm="100000">
+                                          <p:val>
+                                            <p:strVal val="#ppt_w"/>
+                                          </p:val>
+                                        </p:tav>
+                                      </p:tavLst>
+                                    </p:anim>
+                                    <p:anim calcmode="lin" valueType="num">
+                                      <p:cBhvr>
+                                        <p:cTn id="8" dur="500" fill="hold"/>
+                                        <p:tgtEl>
+                                          <p:spTgt spid="5"/>
+                                        </p:tgtEl>
+                                        <p:attrNameLst>
+                                          <p:attrName>ppt_h</p:attrName>
+                                        </p:attrNameLst>
+                                      </p:cBhvr>
+                                      <p:tavLst>
+                                        <p:tav tm="0">
+                                          <p:val>
+                                            <p:fltVal val="0"/>
+                                          </p:val>
+                                        </p:tav>
+                                        <p:tav tm="100000">
+                                          <p:val>
+                                            <p:strVal val="#ppt_h"/>
+                                          </p:val>
+                                        </p:tav>
+                                      </p:tavLst>
+                                    </p:anim>
+                                    <p:animEffect transition="in" filter="fade">
+                                      <p:cBhvr>
+                                        <p:cTn id="9" dur="500"/>
+                                        <p:tgtEl>
+                                          <p:spTgt spid="5"/>
+                                        </p:tgtEl>
+                                      </p:cBhvr>
+                                    </p:animEffect>
+                                  </p:childTnLst>
+                                </p:cTn>
+                              </p:par>
+                              <p:par>
+                                <p:cTn id="10" presetID="10" presetClass="entr" presetSubtype="0" fill="hold" grpId="0" nodeType="withEffect">
+                                  <p:stCondLst>
+                                    <p:cond delay="0"/>
+                                  </p:stCondLst>
+                                  <p:childTnLst>
+                                    <p:set>
+                                      <p:cBhvr>
+                                        <p:cTn id="11" dur="1" fill="hold">
+                                          <p:stCondLst>
+                                            <p:cond delay="0"/>
+                                          </p:stCondLst>
+                                        </p:cTn>
+                                        <p:tgtEl>
+                                          <p:spTgt spid="7"/>
+                                        </p:tgtEl>
+                                        <p:attrNameLst>
+                                          <p:attrName>style.visibility</p:attrName>
+                                        </p:attrNameLst>
+                                      </p:cBhvr>
+                                      <p:to>
+                                        <p:strVal val="visible"/>
+                                      </p:to>
+                                    </p:set>
+                                    <p:animEffect transition="in" filter="fade">
+                                      <p:cBhvr>
+                                        <p:cTn id="12" dur="500"/>
+                                        <p:tgtEl>
+                                          <p:spTgt spid="7"/>
+                                        </p:tgtEl>
+                                      </p:cBhvr>
+                                    </p:animEffect>
+                                  </p:childTnLst>
+                                </p:cTn>
+                              </p:par>
+                            </p:childTnLst>
+                          </p:cTn>
+                        </p:par>
+                        <p:par>
+                          <p:cTn id="13" fill="hold">
+                            <p:stCondLst>
+                              <p:cond delay="500"/>
+                            </p:stCondLst>
+                            <p:childTnLst>
+                              <p:par>
+                                <p:cTn id="14" presetID="22" presetClass="entr" presetSubtype="2" fill="hold" nodeType="afterEffect">
+                                  <p:stCondLst>
+                                    <p:cond delay="0"/>
+                                  </p:stCondLst>
+                                  <p:childTnLst>
+                                    <p:set>
+                                      <p:cBhvr>
+                                        <p:cTn id="15" dur="1" fill="hold">
+                                          <p:stCondLst>
+                                            <p:cond delay="0"/>
+                                          </p:stCondLst>
+                                        </p:cTn>
+                                        <p:tgtEl>
+                                          <p:spTgt spid="9"/>
+                                        </p:tgtEl>
+                                        <p:attrNameLst>
+                                          <p:attrName>style.visibility</p:attrName>
+                                        </p:attrNameLst>
+                                      </p:cBhvr>
+                                      <p:to>
+                                        <p:strVal val="visible"/>
+                                      </p:to>
+                                    </p:set>
+                                    <p:animEffect transition="in" filter="wipe(right)">
+                                      <p:cBhvr>
+                                        <p:cTn id="16" dur="500"/>
+                                        <p:tgtEl>
+                                          <p:spTgt spid="9"/>
+                                        </p:tgtEl>
+                                      </p:cBhvr>
+                                    </p:animEffect>
+                                  </p:childTnLst>
+                                </p:cTn>
+                              </p:par>
+                            </p:childTnLst>
+                          </p:cTn>
+                        </p:par>
+                        <p:par>
+                          <p:cTn id="17" fill="hold">
+                            <p:stCondLst>
+                              <p:cond delay="1000"/>
+                            </p:stCondLst>
+                            <p:childTnLst>
+                              <p:par>
+                                <p:cTn id="18" presetID="53" presetClass="entr" presetSubtype="16" fill="hold" nodeType="afterEffect">
+                                  <p:stCondLst>
+                                    <p:cond delay="0"/>
+                                  </p:stCondLst>
+                                  <p:childTnLst>
+                                    <p:set>
+                                      <p:cBhvr>
+                                        <p:cTn id="19" dur="1" fill="hold">
+                                          <p:stCondLst>
+                                            <p:cond delay="0"/>
+                                          </p:stCondLst>
+                                        </p:cTn>
+                                        <p:tgtEl>
+                                          <p:spTgt spid="11"/>
+                                        </p:tgtEl>
+                                        <p:attrNameLst>
+                                          <p:attrName>style.visibility</p:attrName>
+                                        </p:attrNameLst>
+                                      </p:cBhvr>
+                                      <p:to>
+                                        <p:strVal val="visible"/>
+                                      </p:to>
+                                    </p:set>
+                                    <p:anim calcmode="lin" valueType="num">
+                                      <p:cBhvr>
+                                        <p:cTn id="20" dur="500" fill="hold"/>
+                                        <p:tgtEl>
+                                          <p:spTgt spid="11"/>
+                                        </p:tgtEl>
+                                        <p:attrNameLst>
+                                          <p:attrName>ppt_w</p:attrName>
+                                        </p:attrNameLst>
+                                      </p:cBhvr>
+                                      <p:tavLst>
+                                        <p:tav tm="0">
+                                          <p:val>
+                                            <p:fltVal val="0"/>
+                                          </p:val>
+                                        </p:tav>
+                                        <p:tav tm="100000">
+                                          <p:val>
+                                            <p:strVal val="#ppt_w"/>
+                                          </p:val>
+                                        </p:tav>
+                                      </p:tavLst>
+                                    </p:anim>
+                                    <p:anim calcmode="lin" valueType="num">
+                                      <p:cBhvr>
+                                        <p:cTn id="21" dur="500" fill="hold"/>
+                                        <p:tgtEl>
+                                          <p:spTgt spid="11"/>
+                                        </p:tgtEl>
+                                        <p:attrNameLst>
+                                          <p:attrName>ppt_h</p:attrName>
+                                        </p:attrNameLst>
+                                      </p:cBhvr>
+                                      <p:tavLst>
+                                        <p:tav tm="0">
+                                          <p:val>
+                                            <p:fltVal val="0"/>
+                                          </p:val>
+                                        </p:tav>
+                                        <p:tav tm="100000">
+                                          <p:val>
+                                            <p:strVal val="#ppt_h"/>
+                                          </p:val>
+                                        </p:tav>
+                                      </p:tavLst>
+                                    </p:anim>
+                                    <p:animEffect transition="in" filter="fade">
+                                      <p:cBhvr>
+                                        <p:cTn id="22" dur="500"/>
+                                        <p:tgtEl>
+                                          <p:spTgt spid="11"/>
+                                        </p:tgtEl>
+                                      </p:cBhvr>
+                                    </p:animEffect>
+                                  </p:childTnLst>
+                                </p:cTn>
+                              </p:par>
+                            </p:childTnLst>
+                          </p:cTn>
+                        </p:par>
+                      </p:childTnLst>
+                    </p:cTn>
+                  </p:par>
+                  <p:par>
+                    <p:cTn id="23" fill="hold">
+                      <p:stCondLst>
+                        <p:cond delay="indefinite"/>
+                      </p:stCondLst>
+                      <p:childTnLst>
+                        <p:par>
+                          <p:cTn id="24" fill="hold">
+                            <p:stCondLst>
+                              <p:cond delay="0"/>
+                            </p:stCondLst>
+                            <p:childTnLst>
+                              <p:par>
+                                <p:cTn id="25" presetID="53" presetClass="entr" presetSubtype="16" fill="hold" nodeType="clickEffect">
+                                  <p:stCondLst>
+                                    <p:cond delay="0"/>
+                                  </p:stCondLst>
+                                  <p:childTnLst>
+                                    <p:set>
+                                      <p:cBhvr>
+                                        <p:cTn id="26" dur="1" fill="hold">
+                                          <p:stCondLst>
+                                            <p:cond delay="0"/>
+                                          </p:stCondLst>
+                                        </p:cTn>
+                                        <p:tgtEl>
+                                          <p:spTgt spid="6"/>
+                                        </p:tgtEl>
+                                        <p:attrNameLst>
+                                          <p:attrName>style.visibility</p:attrName>
+                                        </p:attrNameLst>
+                                      </p:cBhvr>
+                                      <p:to>
+                                        <p:strVal val="visible"/>
+                                      </p:to>
+                                    </p:set>
+                                    <p:anim calcmode="lin" valueType="num">
+                                      <p:cBhvr>
+                                        <p:cTn id="27" dur="500" fill="hold"/>
+                                        <p:tgtEl>
+                                          <p:spTgt spid="6"/>
+                                        </p:tgtEl>
+                                        <p:attrNameLst>
+                                          <p:attrName>ppt_w</p:attrName>
+                                        </p:attrNameLst>
+                                      </p:cBhvr>
+                                      <p:tavLst>
+                                        <p:tav tm="0">
+                                          <p:val>
+                                            <p:fltVal val="0"/>
+                                          </p:val>
+                                        </p:tav>
+                                        <p:tav tm="100000">
+                                          <p:val>
+                                            <p:strVal val="#ppt_w"/>
+                                          </p:val>
+                                        </p:tav>
+                                      </p:tavLst>
+                                    </p:anim>
+                                    <p:anim calcmode="lin" valueType="num">
+                                      <p:cBhvr>
+                                        <p:cTn id="28" dur="500" fill="hold"/>
+                                        <p:tgtEl>
+                                          <p:spTgt spid="6"/>
+                                        </p:tgtEl>
+                                        <p:attrNameLst>
+                                          <p:attrName>ppt_h</p:attrName>
+                                        </p:attrNameLst>
+                                      </p:cBhvr>
+                                      <p:tavLst>
+                                        <p:tav tm="0">
+                                          <p:val>
+                                            <p:fltVal val="0"/>
+                                          </p:val>
+                                        </p:tav>
+                                        <p:tav tm="100000">
+                                          <p:val>
+                                            <p:strVal val="#ppt_h"/>
+                                          </p:val>
+                                        </p:tav>
+                                      </p:tavLst>
+                                    </p:anim>
+                                    <p:animEffect transition="in" filter="fade">
+                                      <p:cBhvr>
+                                        <p:cTn id="29" dur="500"/>
+                                        <p:tgtEl>
+                                          <p:spTgt spid="6"/>
+                                        </p:tgtEl>
+                                      </p:cBhvr>
+                                    </p:animEffect>
+                                  </p:childTnLst>
+                                </p:cTn>
+                              </p:par>
+                              <p:par>
+                                <p:cTn id="30" presetID="10" presetClass="entr" presetSubtype="0" fill="hold" grpId="0" nodeType="withEffect">
+                                  <p:stCondLst>
+                                    <p:cond delay="0"/>
+                                  </p:stCondLst>
+                                  <p:childTnLst>
+                                    <p:set>
+                                      <p:cBhvr>
+                                        <p:cTn id="31" dur="1" fill="hold">
+                                          <p:stCondLst>
+                                            <p:cond delay="0"/>
+                                          </p:stCondLst>
+                                        </p:cTn>
+                                        <p:tgtEl>
+                                          <p:spTgt spid="12"/>
+                                        </p:tgtEl>
+                                        <p:attrNameLst>
+                                          <p:attrName>style.visibility</p:attrName>
+                                        </p:attrNameLst>
+                                      </p:cBhvr>
+                                      <p:to>
+                                        <p:strVal val="visible"/>
+                                      </p:to>
+                                    </p:set>
+                                    <p:animEffect transition="in" filter="fade">
+                                      <p:cBhvr>
+                                        <p:cTn id="32" dur="500"/>
+                                        <p:tgtEl>
+                                          <p:spTgt spid="12"/>
+                                        </p:tgtEl>
+                                      </p:cBhvr>
+                                    </p:animEffect>
+                                  </p:childTnLst>
+                                </p:cTn>
+                              </p:par>
+                            </p:childTnLst>
+                          </p:cTn>
+                        </p:par>
+                        <p:par>
+                          <p:cTn id="33" fill="hold">
+                            <p:stCondLst>
+                              <p:cond delay="500"/>
+                            </p:stCondLst>
+                            <p:childTnLst>
+                              <p:par>
+                                <p:cTn id="34" presetID="22" presetClass="entr" presetSubtype="2" fill="hold" nodeType="afterEffect">
+                                  <p:stCondLst>
+                                    <p:cond delay="0"/>
+                                  </p:stCondLst>
+                                  <p:childTnLst>
+                                    <p:set>
+                                      <p:cBhvr>
+                                        <p:cTn id="35" dur="1" fill="hold">
+                                          <p:stCondLst>
+                                            <p:cond delay="0"/>
+                                          </p:stCondLst>
+                                        </p:cTn>
+                                        <p:tgtEl>
+                                          <p:spTgt spid="14"/>
+                                        </p:tgtEl>
+                                        <p:attrNameLst>
+                                          <p:attrName>style.visibility</p:attrName>
+                                        </p:attrNameLst>
+                                      </p:cBhvr>
+                                      <p:to>
+                                        <p:strVal val="visible"/>
+                                      </p:to>
+                                    </p:set>
+                                    <p:animEffect transition="in" filter="wipe(right)">
+                                      <p:cBhvr>
+                                        <p:cTn id="36" dur="500"/>
+                                        <p:tgtEl>
+                                          <p:spTgt spid="14"/>
+                                        </p:tgtEl>
+                                      </p:cBhvr>
+                                    </p:animEffect>
+                                  </p:childTnLst>
+                                </p:cTn>
+                              </p:par>
+                            </p:childTnLst>
+                          </p:cTn>
+                        </p:par>
+                        <p:par>
+                          <p:cTn id="37" fill="hold">
+                            <p:stCondLst>
+                              <p:cond delay="1000"/>
+                            </p:stCondLst>
+                            <p:childTnLst>
+                              <p:par>
+                                <p:cTn id="38" presetID="53" presetClass="entr" presetSubtype="16" fill="hold" nodeType="afterEffect">
+                                  <p:stCondLst>
+                                    <p:cond delay="0"/>
+                                  </p:stCondLst>
+                                  <p:childTnLst>
+                                    <p:set>
+                                      <p:cBhvr>
+                                        <p:cTn id="39" dur="1" fill="hold">
+                                          <p:stCondLst>
+                                            <p:cond delay="0"/>
+                                          </p:stCondLst>
+                                        </p:cTn>
+                                        <p:tgtEl>
+                                          <p:spTgt spid="16"/>
+                                        </p:tgtEl>
+                                        <p:attrNameLst>
+                                          <p:attrName>style.visibility</p:attrName>
+                                        </p:attrNameLst>
+                                      </p:cBhvr>
+                                      <p:to>
+                                        <p:strVal val="visible"/>
+                                      </p:to>
+                                    </p:set>
+                                    <p:anim calcmode="lin" valueType="num">
+                                      <p:cBhvr>
+                                        <p:cTn id="40" dur="500" fill="hold"/>
+                                        <p:tgtEl>
+                                          <p:spTgt spid="16"/>
+                                        </p:tgtEl>
+                                        <p:attrNameLst>
+                                          <p:attrName>ppt_w</p:attrName>
+                                        </p:attrNameLst>
+                                      </p:cBhvr>
+                                      <p:tavLst>
+                                        <p:tav tm="0">
+                                          <p:val>
+                                            <p:fltVal val="0"/>
+                                          </p:val>
+                                        </p:tav>
+                                        <p:tav tm="100000">
+                                          <p:val>
+                                            <p:strVal val="#ppt_w"/>
+                                          </p:val>
+                                        </p:tav>
+                                      </p:tavLst>
+                                    </p:anim>
+                                    <p:anim calcmode="lin" valueType="num">
+                                      <p:cBhvr>
+                                        <p:cTn id="41" dur="500" fill="hold"/>
+                                        <p:tgtEl>
+                                          <p:spTgt spid="16"/>
+                                        </p:tgtEl>
+                                        <p:attrNameLst>
+                                          <p:attrName>ppt_h</p:attrName>
+                                        </p:attrNameLst>
+                                      </p:cBhvr>
+                                      <p:tavLst>
+                                        <p:tav tm="0">
+                                          <p:val>
+                                            <p:fltVal val="0"/>
+                                          </p:val>
+                                        </p:tav>
+                                        <p:tav tm="100000">
+                                          <p:val>
+                                            <p:strVal val="#ppt_h"/>
+                                          </p:val>
+                                        </p:tav>
+                                      </p:tavLst>
+                                    </p:anim>
+                                    <p:animEffect transition="in" filter="fade">
+                                      <p:cBhvr>
+                                        <p:cTn id="42" dur="500"/>
+                                        <p:tgtEl>
+                                          <p:spTgt spid="16"/>
+                                        </p:tgtEl>
+                                      </p:cBhvr>
+                                    </p:animEffect>
+                                  </p:childTnLst>
+                                </p:cTn>
+                              </p:par>
+                            </p:childTnLst>
+                          </p:cTn>
+                        </p:par>
+                      </p:childTnLst>
+                    </p:cTn>
+                  </p:par>
+                </p:childTnLst>
+              </p:cTn>
+              <p:prevCondLst>
+                <p:cond evt="onPrev" delay="0">
+                  <p:tgtEl>
+                    <p:sldTgt/>
+                  </p:tgtEl>
+                </p:cond>
+              </p:prevCondLst>
+              <p:nextCondLst>
+                <p:cond evt="onNext" delay="0">
+                  <p:tgtEl>
+                    <p:sldTgt/>
+                  </p:tgtEl>
+                </p:cond>
+              </p:nextCondLst>
+            </p:seq>
+          </p:childTnLst>
+        </p:cTn>
+      </p:par>
+    </p:tnLst>
+    <p:bldLst>
+      <p:bldP spid="7" grpId="0"/>
+      <p:bldP spid="12" grpId="0"/>
+    </p:bldLst>
+  </p:timing>
+</p:sld>
+</file>
+
+<file path=ppt/slides/slide11.xml><?xml version="1.0" encoding="utf-8"?>
+<p:sld xmlns:a="http://schemas.openxmlformats.org/drawingml/2006/main" xmlns:r="http://schemas.openxmlformats.org/officeDocument/2006/relationships" xmlns:p="http://schemas.openxmlformats.org/presentationml/2006/main">
+  <p:cSld>
+    <p:spTree>
+      <p:nvGrpSpPr>
+        <p:cNvPr id="1" name=""/>
+        <p:cNvGrpSpPr/>
+        <p:nvPr/>
+      </p:nvGrpSpPr>
+      <p:grpSpPr>
+        <a:xfrm>
+          <a:off x="0" y="0"/>
+          <a:ext cx="0" cy="0"/>
+          <a:chOff x="0" y="0"/>
+          <a:chExt cx="0" cy="0"/>
+        </a:xfrm>
+      </p:grpSpPr>
+      <p:sp>
+        <p:nvSpPr>
+          <p:cNvPr id="2" name="TextBox 1"/>
+          <p:cNvSpPr txBox="1"/>
+          <p:nvPr/>
+        </p:nvSpPr>
+        <p:spPr>
+          <a:xfrm>
+            <a:off x="230658" y="101600"/>
+            <a:ext cx="10223158" cy="523220"/>
+          </a:xfrm>
+          <a:prstGeom prst="rect">
+            <a:avLst/>
+          </a:prstGeom>
+          <a:noFill/>
+        </p:spPr>
+        <p:txBody>
+          <a:bodyPr wrap="square" rtlCol="0">
+            <a:spAutoFit/>
+          </a:bodyPr>
+          <a:lstStyle/>
+          <a:p>
+            <a:r>
+              <a:rPr lang="en-AU" sz="2800" b="1" dirty="0" smtClean="0"/>
+              <a:t>Using </a:t>
+            </a:r>
+            <a:r>
+              <a:rPr lang="en-AU" sz="2800" b="1" dirty="0" smtClean="0"/>
+              <a:t>Custom Directive</a:t>
+            </a:r>
+            <a:endParaRPr lang="en-AU" sz="2800" b="1" dirty="0"/>
+          </a:p>
+        </p:txBody>
+      </p:sp>
+      <p:pic>
+        <p:nvPicPr>
+          <p:cNvPr id="3" name="Picture 2"/>
+          <p:cNvPicPr>
+            <a:picLocks noChangeAspect="1"/>
+          </p:cNvPicPr>
+          <p:nvPr/>
+        </p:nvPicPr>
+        <p:blipFill>
+          <a:blip r:embed="rId2"/>
+          <a:stretch>
+            <a:fillRect/>
+          </a:stretch>
+        </p:blipFill>
+        <p:spPr>
+          <a:xfrm>
+            <a:off x="271591" y="936307"/>
+            <a:ext cx="10182225" cy="1266825"/>
+          </a:xfrm>
+          <a:prstGeom prst="rect">
+            <a:avLst/>
+          </a:prstGeom>
+        </p:spPr>
+      </p:pic>
+      <p:sp>
+        <p:nvSpPr>
+          <p:cNvPr id="4" name="TextBox 3"/>
+          <p:cNvSpPr txBox="1"/>
+          <p:nvPr/>
+        </p:nvSpPr>
+        <p:spPr>
+          <a:xfrm>
+            <a:off x="6959600" y="411232"/>
+            <a:ext cx="5029200" cy="369332"/>
+          </a:xfrm>
+          <a:prstGeom prst="rect">
+            <a:avLst/>
+          </a:prstGeom>
+          <a:noFill/>
+        </p:spPr>
+        <p:txBody>
+          <a:bodyPr wrap="square" rtlCol="0">
+            <a:spAutoFit/>
+          </a:bodyPr>
+          <a:lstStyle/>
+          <a:p>
+            <a:r>
+              <a:rPr lang="en-AU" dirty="0" smtClean="0"/>
+              <a:t>Add Directives to App/Shared module declarations</a:t>
+            </a:r>
+            <a:endParaRPr lang="en-AU" dirty="0"/>
+          </a:p>
+        </p:txBody>
+      </p:sp>
+      <p:pic>
+        <p:nvPicPr>
+          <p:cNvPr id="6" name="Picture 5"/>
+          <p:cNvPicPr>
+            <a:picLocks noChangeAspect="1"/>
+          </p:cNvPicPr>
+          <p:nvPr/>
+        </p:nvPicPr>
+        <p:blipFill>
+          <a:blip r:embed="rId3"/>
+          <a:stretch>
+            <a:fillRect/>
+          </a:stretch>
+        </p:blipFill>
+        <p:spPr>
+          <a:xfrm>
+            <a:off x="271591" y="2594292"/>
+            <a:ext cx="6819900" cy="1628775"/>
+          </a:xfrm>
+          <a:prstGeom prst="rect">
+            <a:avLst/>
+          </a:prstGeom>
+        </p:spPr>
+      </p:pic>
+      <p:pic>
+        <p:nvPicPr>
+          <p:cNvPr id="7" name="Picture 6"/>
+          <p:cNvPicPr>
+            <a:picLocks noChangeAspect="1"/>
+          </p:cNvPicPr>
+          <p:nvPr/>
+        </p:nvPicPr>
+        <p:blipFill>
+          <a:blip r:embed="rId4"/>
+          <a:stretch>
+            <a:fillRect/>
+          </a:stretch>
+        </p:blipFill>
+        <p:spPr>
+          <a:xfrm>
+            <a:off x="319216" y="4467225"/>
+            <a:ext cx="6724650" cy="1885950"/>
+          </a:xfrm>
+          <a:prstGeom prst="rect">
+            <a:avLst/>
+          </a:prstGeom>
+        </p:spPr>
+      </p:pic>
+      <p:sp>
+        <p:nvSpPr>
+          <p:cNvPr id="8" name="TextBox 7"/>
+          <p:cNvSpPr txBox="1"/>
+          <p:nvPr/>
+        </p:nvSpPr>
+        <p:spPr>
+          <a:xfrm>
+            <a:off x="8686800" y="4218354"/>
+            <a:ext cx="3302000" cy="923330"/>
+          </a:xfrm>
+          <a:prstGeom prst="rect">
+            <a:avLst/>
+          </a:prstGeom>
+          <a:noFill/>
+        </p:spPr>
+        <p:txBody>
+          <a:bodyPr wrap="square" rtlCol="0">
+            <a:spAutoFit/>
+          </a:bodyPr>
+          <a:lstStyle/>
+          <a:p>
+            <a:r>
+              <a:rPr lang="en-AU" dirty="0" smtClean="0"/>
+              <a:t>Use the respective selectors of the Directives in the Form controls</a:t>
+            </a:r>
+            <a:endParaRPr lang="en-AU" dirty="0"/>
+          </a:p>
+        </p:txBody>
+      </p:sp>
+      <p:cxnSp>
+        <p:nvCxnSpPr>
+          <p:cNvPr id="10" name="Straight Arrow Connector 9"/>
+          <p:cNvCxnSpPr/>
+          <p:nvPr/>
+        </p:nvCxnSpPr>
+        <p:spPr>
+          <a:xfrm flipH="1" flipV="1">
+            <a:off x="2214880" y="4043680"/>
+            <a:ext cx="6471920" cy="423545"/>
+          </a:xfrm>
+          <a:prstGeom prst="straightConnector1">
+            <a:avLst/>
+          </a:prstGeom>
+          <a:ln w="19050">
+            <a:solidFill>
+              <a:srgbClr val="FFC000"/>
+            </a:solidFill>
+            <a:tailEnd type="triangle"/>
+          </a:ln>
+        </p:spPr>
+        <p:style>
+          <a:lnRef idx="1">
+            <a:schemeClr val="accent1"/>
+          </a:lnRef>
+          <a:fillRef idx="0">
+            <a:schemeClr val="accent1"/>
+          </a:fillRef>
+          <a:effectRef idx="0">
+            <a:schemeClr val="accent1"/>
+          </a:effectRef>
+          <a:fontRef idx="minor">
+            <a:schemeClr val="tx1"/>
+          </a:fontRef>
+        </p:style>
+      </p:cxnSp>
+      <p:cxnSp>
+        <p:nvCxnSpPr>
+          <p:cNvPr id="12" name="Straight Arrow Connector 11"/>
+          <p:cNvCxnSpPr/>
+          <p:nvPr/>
+        </p:nvCxnSpPr>
+        <p:spPr>
+          <a:xfrm flipH="1">
+            <a:off x="3992880" y="4541520"/>
+            <a:ext cx="4693920" cy="1452880"/>
+          </a:xfrm>
+          <a:prstGeom prst="straightConnector1">
+            <a:avLst/>
+          </a:prstGeom>
+          <a:ln w="19050">
+            <a:solidFill>
+              <a:srgbClr val="FFC000"/>
+            </a:solidFill>
+            <a:tailEnd type="triangle"/>
+          </a:ln>
+        </p:spPr>
+        <p:style>
+          <a:lnRef idx="1">
+            <a:schemeClr val="accent1"/>
+          </a:lnRef>
+          <a:fillRef idx="0">
+            <a:schemeClr val="accent1"/>
+          </a:fillRef>
+          <a:effectRef idx="0">
+            <a:schemeClr val="accent1"/>
+          </a:effectRef>
+          <a:fontRef idx="minor">
+            <a:schemeClr val="tx1"/>
+          </a:fontRef>
+        </p:style>
+      </p:cxnSp>
+      <p:sp>
+        <p:nvSpPr>
+          <p:cNvPr id="13" name="Slide Number Placeholder 12"/>
+          <p:cNvSpPr>
+            <a:spLocks noGrp="1"/>
+          </p:cNvSpPr>
+          <p:nvPr>
+            <p:ph type="sldNum" sz="quarter" idx="12"/>
+          </p:nvPr>
+        </p:nvSpPr>
+        <p:spPr>
+          <a:xfrm>
+            <a:off x="11908607" y="6343015"/>
+            <a:ext cx="293553" cy="365125"/>
+          </a:xfrm>
+        </p:spPr>
+        <p:txBody>
+          <a:bodyPr/>
+          <a:lstStyle/>
+          <a:p>
+            <a:fld id="{4FAB73BC-B049-4115-A692-8D63A059BFB8}" type="slidenum">
+              <a:rPr lang="en-US" smtClean="0"/>
+              <a:t>11</a:t>
+            </a:fld>
+            <a:endParaRPr lang="en-US" dirty="0"/>
+          </a:p>
+        </p:txBody>
+      </p:sp>
+    </p:spTree>
+    <p:extLst>
+      <p:ext uri="{BB962C8B-B14F-4D97-AF65-F5344CB8AC3E}">
+        <p14:creationId xmlns:p14="http://schemas.microsoft.com/office/powerpoint/2010/main" val="481831096"/>
+      </p:ext>
+    </p:extLst>
+  </p:cSld>
+  <p:clrMapOvr>
+    <a:masterClrMapping/>
+  </p:clrMapOvr>
+  <p:timing>
+    <p:tnLst>
+      <p:par>
+        <p:cTn id="1" dur="indefinite" restart="never" nodeType="tmRoot">
+          <p:childTnLst>
+            <p:seq concurrent="1" nextAc="seek">
+              <p:cTn id="2" dur="indefinite" nodeType="mainSeq">
+                <p:childTnLst>
+                  <p:par>
+                    <p:cTn id="3" fill="hold">
+                      <p:stCondLst>
+                        <p:cond delay="indefinite"/>
+                      </p:stCondLst>
+                      <p:childTnLst>
+                        <p:par>
+                          <p:cTn id="4" fill="hold">
+                            <p:stCondLst>
+                              <p:cond delay="0"/>
+                            </p:stCondLst>
+                            <p:childTnLst>
+                              <p:par>
+                                <p:cTn id="5" presetID="53" presetClass="entr" presetSubtype="16" fill="hold" nodeType="clickEffect">
+                                  <p:stCondLst>
+                                    <p:cond delay="0"/>
+                                  </p:stCondLst>
+                                  <p:childTnLst>
+                                    <p:set>
+                                      <p:cBhvr>
+                                        <p:cTn id="6" dur="1" fill="hold">
+                                          <p:stCondLst>
+                                            <p:cond delay="0"/>
+                                          </p:stCondLst>
+                                        </p:cTn>
+                                        <p:tgtEl>
+                                          <p:spTgt spid="3"/>
+                                        </p:tgtEl>
+                                        <p:attrNameLst>
+                                          <p:attrName>style.visibility</p:attrName>
+                                        </p:attrNameLst>
+                                      </p:cBhvr>
+                                      <p:to>
+                                        <p:strVal val="visible"/>
+                                      </p:to>
+                                    </p:set>
+                                    <p:anim calcmode="lin" valueType="num">
+                                      <p:cBhvr>
+                                        <p:cTn id="7" dur="500" fill="hold"/>
+                                        <p:tgtEl>
+                                          <p:spTgt spid="3"/>
+                                        </p:tgtEl>
+                                        <p:attrNameLst>
+                                          <p:attrName>ppt_w</p:attrName>
+                                        </p:attrNameLst>
+                                      </p:cBhvr>
+                                      <p:tavLst>
+                                        <p:tav tm="0">
+                                          <p:val>
+                                            <p:fltVal val="0"/>
+                                          </p:val>
+                                        </p:tav>
+                                        <p:tav tm="100000">
+                                          <p:val>
+                                            <p:strVal val="#ppt_w"/>
+                                          </p:val>
+                                        </p:tav>
+                                      </p:tavLst>
+                                    </p:anim>
+                                    <p:anim calcmode="lin" valueType="num">
+                                      <p:cBhvr>
+                                        <p:cTn id="8" dur="500" fill="hold"/>
+                                        <p:tgtEl>
+                                          <p:spTgt spid="3"/>
+                                        </p:tgtEl>
+                                        <p:attrNameLst>
+                                          <p:attrName>ppt_h</p:attrName>
+                                        </p:attrNameLst>
+                                      </p:cBhvr>
+                                      <p:tavLst>
+                                        <p:tav tm="0">
+                                          <p:val>
+                                            <p:fltVal val="0"/>
+                                          </p:val>
+                                        </p:tav>
+                                        <p:tav tm="100000">
+                                          <p:val>
+                                            <p:strVal val="#ppt_h"/>
+                                          </p:val>
+                                        </p:tav>
+                                      </p:tavLst>
+                                    </p:anim>
+                                    <p:animEffect transition="in" filter="fade">
+                                      <p:cBhvr>
+                                        <p:cTn id="9" dur="500"/>
+                                        <p:tgtEl>
+                                          <p:spTgt spid="3"/>
+                                        </p:tgtEl>
+                                      </p:cBhvr>
+                                    </p:animEffect>
+                                  </p:childTnLst>
+                                </p:cTn>
+                              </p:par>
+                            </p:childTnLst>
+                          </p:cTn>
+                        </p:par>
+                      </p:childTnLst>
+                    </p:cTn>
+                  </p:par>
+                  <p:par>
+                    <p:cTn id="10" fill="hold">
+                      <p:stCondLst>
+                        <p:cond delay="indefinite"/>
+                      </p:stCondLst>
+                      <p:childTnLst>
+                        <p:par>
+                          <p:cTn id="11" fill="hold">
+                            <p:stCondLst>
+                              <p:cond delay="0"/>
+                            </p:stCondLst>
+                            <p:childTnLst>
+                              <p:par>
+                                <p:cTn id="12" presetID="10" presetClass="entr" presetSubtype="0" fill="hold" nodeType="clickEffect">
+                                  <p:stCondLst>
+                                    <p:cond delay="0"/>
+                                  </p:stCondLst>
+                                  <p:childTnLst>
+                                    <p:set>
+                                      <p:cBhvr>
+                                        <p:cTn id="13" dur="1" fill="hold">
+                                          <p:stCondLst>
+                                            <p:cond delay="0"/>
+                                          </p:stCondLst>
+                                        </p:cTn>
+                                        <p:tgtEl>
+                                          <p:spTgt spid="6"/>
+                                        </p:tgtEl>
+                                        <p:attrNameLst>
+                                          <p:attrName>style.visibility</p:attrName>
+                                        </p:attrNameLst>
+                                      </p:cBhvr>
+                                      <p:to>
+                                        <p:strVal val="visible"/>
+                                      </p:to>
+                                    </p:set>
+                                    <p:animEffect transition="in" filter="fade">
+                                      <p:cBhvr>
+                                        <p:cTn id="14" dur="500"/>
+                                        <p:tgtEl>
+                                          <p:spTgt spid="6"/>
+                                        </p:tgtEl>
+                                      </p:cBhvr>
+                                    </p:animEffect>
+                                  </p:childTnLst>
+                                </p:cTn>
+                              </p:par>
+                              <p:par>
+                                <p:cTn id="15" presetID="10" presetClass="entr" presetSubtype="0" fill="hold" nodeType="withEffect">
+                                  <p:stCondLst>
+                                    <p:cond delay="0"/>
+                                  </p:stCondLst>
+                                  <p:childTnLst>
+                                    <p:set>
+                                      <p:cBhvr>
+                                        <p:cTn id="16" dur="1" fill="hold">
+                                          <p:stCondLst>
+                                            <p:cond delay="0"/>
+                                          </p:stCondLst>
+                                        </p:cTn>
+                                        <p:tgtEl>
+                                          <p:spTgt spid="7"/>
+                                        </p:tgtEl>
+                                        <p:attrNameLst>
+                                          <p:attrName>style.visibility</p:attrName>
+                                        </p:attrNameLst>
+                                      </p:cBhvr>
+                                      <p:to>
+                                        <p:strVal val="visible"/>
+                                      </p:to>
+                                    </p:set>
+                                    <p:animEffect transition="in" filter="fade">
+                                      <p:cBhvr>
+                                        <p:cTn id="17" dur="500"/>
+                                        <p:tgtEl>
+                                          <p:spTgt spid="7"/>
+                                        </p:tgtEl>
+                                      </p:cBhvr>
+                                    </p:animEffect>
+                                  </p:childTnLst>
+                                </p:cTn>
+                              </p:par>
+                              <p:par>
+                                <p:cTn id="18" presetID="10" presetClass="entr" presetSubtype="0" fill="hold" grpId="0" nodeType="withEffect">
+                                  <p:stCondLst>
+                                    <p:cond delay="0"/>
+                                  </p:stCondLst>
+                                  <p:childTnLst>
+                                    <p:set>
+                                      <p:cBhvr>
+                                        <p:cTn id="19" dur="1" fill="hold">
+                                          <p:stCondLst>
+                                            <p:cond delay="0"/>
+                                          </p:stCondLst>
+                                        </p:cTn>
+                                        <p:tgtEl>
+                                          <p:spTgt spid="8"/>
+                                        </p:tgtEl>
+                                        <p:attrNameLst>
+                                          <p:attrName>style.visibility</p:attrName>
+                                        </p:attrNameLst>
+                                      </p:cBhvr>
+                                      <p:to>
+                                        <p:strVal val="visible"/>
+                                      </p:to>
+                                    </p:set>
+                                    <p:animEffect transition="in" filter="fade">
+                                      <p:cBhvr>
+                                        <p:cTn id="20" dur="500"/>
+                                        <p:tgtEl>
+                                          <p:spTgt spid="8"/>
+                                        </p:tgtEl>
+                                      </p:cBhvr>
+                                    </p:animEffect>
+                                  </p:childTnLst>
+                                </p:cTn>
+                              </p:par>
+                            </p:childTnLst>
+                          </p:cTn>
+                        </p:par>
+                      </p:childTnLst>
+                    </p:cTn>
+                  </p:par>
+                  <p:par>
+                    <p:cTn id="21" fill="hold">
+                      <p:stCondLst>
+                        <p:cond delay="indefinite"/>
+                      </p:stCondLst>
+                      <p:childTnLst>
+                        <p:par>
+                          <p:cTn id="22" fill="hold">
+                            <p:stCondLst>
+                              <p:cond delay="0"/>
+                            </p:stCondLst>
+                            <p:childTnLst>
+                              <p:par>
+                                <p:cTn id="23" presetID="22" presetClass="entr" presetSubtype="2" fill="hold" nodeType="clickEffect">
+                                  <p:stCondLst>
+                                    <p:cond delay="0"/>
+                                  </p:stCondLst>
+                                  <p:childTnLst>
+                                    <p:set>
+                                      <p:cBhvr>
+                                        <p:cTn id="24" dur="1" fill="hold">
+                                          <p:stCondLst>
+                                            <p:cond delay="0"/>
+                                          </p:stCondLst>
+                                        </p:cTn>
+                                        <p:tgtEl>
+                                          <p:spTgt spid="10"/>
+                                        </p:tgtEl>
+                                        <p:attrNameLst>
+                                          <p:attrName>style.visibility</p:attrName>
+                                        </p:attrNameLst>
+                                      </p:cBhvr>
+                                      <p:to>
+                                        <p:strVal val="visible"/>
+                                      </p:to>
+                                    </p:set>
+                                    <p:animEffect transition="in" filter="wipe(right)">
+                                      <p:cBhvr>
+                                        <p:cTn id="25" dur="500"/>
+                                        <p:tgtEl>
+                                          <p:spTgt spid="10"/>
+                                        </p:tgtEl>
+                                      </p:cBhvr>
+                                    </p:animEffect>
+                                  </p:childTnLst>
+                                </p:cTn>
+                              </p:par>
+                              <p:par>
+                                <p:cTn id="26" presetID="22" presetClass="entr" presetSubtype="2" fill="hold" nodeType="withEffect">
+                                  <p:stCondLst>
+                                    <p:cond delay="0"/>
+                                  </p:stCondLst>
+                                  <p:childTnLst>
+                                    <p:set>
+                                      <p:cBhvr>
+                                        <p:cTn id="27" dur="1" fill="hold">
+                                          <p:stCondLst>
+                                            <p:cond delay="0"/>
+                                          </p:stCondLst>
+                                        </p:cTn>
+                                        <p:tgtEl>
+                                          <p:spTgt spid="12"/>
+                                        </p:tgtEl>
+                                        <p:attrNameLst>
+                                          <p:attrName>style.visibility</p:attrName>
+                                        </p:attrNameLst>
+                                      </p:cBhvr>
+                                      <p:to>
+                                        <p:strVal val="visible"/>
+                                      </p:to>
+                                    </p:set>
+                                    <p:animEffect transition="in" filter="wipe(right)">
+                                      <p:cBhvr>
+                                        <p:cTn id="28" dur="500"/>
+                                        <p:tgtEl>
+                                          <p:spTgt spid="12"/>
+                                        </p:tgtEl>
+                                      </p:cBhvr>
+                                    </p:animEffect>
+                                  </p:childTnLst>
+                                </p:cTn>
+                              </p:par>
+                            </p:childTnLst>
+                          </p:cTn>
+                        </p:par>
+                      </p:childTnLst>
+                    </p:cTn>
+                  </p:par>
+                </p:childTnLst>
+              </p:cTn>
+              <p:prevCondLst>
+                <p:cond evt="onPrev" delay="0">
+                  <p:tgtEl>
+                    <p:sldTgt/>
+                  </p:tgtEl>
+                </p:cond>
+              </p:prevCondLst>
+              <p:nextCondLst>
+                <p:cond evt="onNext" delay="0">
+                  <p:tgtEl>
+                    <p:sldTgt/>
+                  </p:tgtEl>
+                </p:cond>
+              </p:nextCondLst>
+            </p:seq>
+          </p:childTnLst>
+        </p:cTn>
+      </p:par>
+    </p:tnLst>
+    <p:bldLst>
+      <p:bldP spid="8" grpId="0"/>
+    </p:bldLst>
+  </p:timing>
+</p:sld>
+</file>
+
+<file path=ppt/slides/slide12.xml><?xml version="1.0" encoding="utf-8"?>
+<p:sld xmlns:a="http://schemas.openxmlformats.org/drawingml/2006/main" xmlns:r="http://schemas.openxmlformats.org/officeDocument/2006/relationships" xmlns:p="http://schemas.openxmlformats.org/presentationml/2006/main">
+  <p:cSld>
+    <p:spTree>
+      <p:nvGrpSpPr>
+        <p:cNvPr id="1" name=""/>
+        <p:cNvGrpSpPr/>
+        <p:nvPr/>
+      </p:nvGrpSpPr>
+      <p:grpSpPr>
+        <a:xfrm>
+          <a:off x="0" y="0"/>
+          <a:ext cx="0" cy="0"/>
+          <a:chOff x="0" y="0"/>
+          <a:chExt cx="0" cy="0"/>
+        </a:xfrm>
+      </p:grpSpPr>
+      <p:sp>
+        <p:nvSpPr>
+          <p:cNvPr id="2" name="Slide Number Placeholder 1"/>
+          <p:cNvSpPr>
+            <a:spLocks noGrp="1"/>
+          </p:cNvSpPr>
+          <p:nvPr>
+            <p:ph type="sldNum" sz="quarter" idx="12"/>
+          </p:nvPr>
+        </p:nvSpPr>
+        <p:spPr/>
+        <p:txBody>
+          <a:bodyPr/>
+          <a:lstStyle/>
+          <a:p>
+            <a:fld id="{4FAB73BC-B049-4115-A692-8D63A059BFB8}" type="slidenum">
+              <a:rPr lang="en-US" smtClean="0"/>
+              <a:t>12</a:t>
+            </a:fld>
+            <a:endParaRPr lang="en-US" dirty="0"/>
+          </a:p>
+        </p:txBody>
+      </p:sp>
+    </p:spTree>
+    <p:extLst>
+      <p:ext uri="{BB962C8B-B14F-4D97-AF65-F5344CB8AC3E}">
+        <p14:creationId xmlns:p14="http://schemas.microsoft.com/office/powerpoint/2010/main" val="4193378494"/>
+      </p:ext>
+    </p:extLst>
+  </p:cSld>
+  <p:clrMapOvr>
+    <a:masterClrMapping/>
+  </p:clrMapOvr>
+  <p:timing>
+    <p:tnLst>
+      <p:par>
+        <p:cTn id="1" dur="indefinite" restart="never" nodeType="tmRoot"/>
+      </p:par>
+    </p:tnLst>
+  </p:timing>
+</p:sld>
+</file>
+
+<file path=ppt/slides/slide13.xml><?xml version="1.0" encoding="utf-8"?>
+<p:sld xmlns:a="http://schemas.openxmlformats.org/drawingml/2006/main" xmlns:r="http://schemas.openxmlformats.org/officeDocument/2006/relationships" xmlns:p="http://schemas.openxmlformats.org/presentationml/2006/main">
+  <p:cSld>
+    <p:spTree>
+      <p:nvGrpSpPr>
+        <p:cNvPr id="1" name=""/>
+        <p:cNvGrpSpPr/>
+        <p:nvPr/>
+      </p:nvGrpSpPr>
+      <p:grpSpPr>
+        <a:xfrm>
+          <a:off x="0" y="0"/>
+          <a:ext cx="0" cy="0"/>
+          <a:chOff x="0" y="0"/>
+          <a:chExt cx="0" cy="0"/>
+        </a:xfrm>
+      </p:grpSpPr>
+      <p:sp>
+        <p:nvSpPr>
+          <p:cNvPr id="10" name="TextBox 9"/>
+          <p:cNvSpPr txBox="1"/>
+          <p:nvPr/>
+        </p:nvSpPr>
+        <p:spPr>
+          <a:xfrm>
+            <a:off x="1861751" y="2702012"/>
+            <a:ext cx="7825945" cy="923330"/>
+          </a:xfrm>
+          <a:prstGeom prst="rect">
+            <a:avLst/>
+          </a:prstGeom>
+          <a:noFill/>
+        </p:spPr>
+        <p:txBody>
+          <a:bodyPr wrap="square" rtlCol="0">
+            <a:spAutoFit/>
+          </a:bodyPr>
+          <a:lstStyle/>
+          <a:p>
+            <a:pPr algn="ctr"/>
+            <a:r>
+              <a:rPr lang="en-AU" sz="5400" b="1" dirty="0" smtClean="0">
+                <a:latin typeface="Calibri" panose="020F0502020204030204" pitchFamily="34" charset="0"/>
+              </a:rPr>
+              <a:t>Thank You</a:t>
+            </a:r>
+            <a:endParaRPr lang="en-AU" sz="5400" b="1" dirty="0">
+              <a:latin typeface="Calibri" panose="020F0502020204030204" pitchFamily="34" charset="0"/>
+            </a:endParaRPr>
+          </a:p>
+        </p:txBody>
+      </p:sp>
+      <p:sp>
+        <p:nvSpPr>
+          <p:cNvPr id="2" name="TextBox 1"/>
+          <p:cNvSpPr txBox="1"/>
+          <p:nvPr/>
+        </p:nvSpPr>
+        <p:spPr>
+          <a:xfrm>
+            <a:off x="861237" y="4614531"/>
+            <a:ext cx="6315739" cy="369332"/>
+          </a:xfrm>
+          <a:prstGeom prst="rect">
+            <a:avLst/>
+          </a:prstGeom>
+          <a:noFill/>
+        </p:spPr>
+        <p:txBody>
+          <a:bodyPr wrap="square" rtlCol="0">
+            <a:spAutoFit/>
+          </a:bodyPr>
+          <a:lstStyle/>
+          <a:p>
+            <a:r>
+              <a:rPr lang="en-AU" dirty="0"/>
+              <a:t>https://angular.io/guide/form-validation</a:t>
+            </a:r>
+          </a:p>
+        </p:txBody>
+      </p:sp>
+      <p:sp>
+        <p:nvSpPr>
+          <p:cNvPr id="3" name="TextBox 2"/>
+          <p:cNvSpPr txBox="1"/>
+          <p:nvPr/>
+        </p:nvSpPr>
+        <p:spPr>
+          <a:xfrm>
+            <a:off x="861237" y="5305647"/>
+            <a:ext cx="10823944" cy="646331"/>
+          </a:xfrm>
+          <a:prstGeom prst="rect">
+            <a:avLst/>
+          </a:prstGeom>
+          <a:noFill/>
+        </p:spPr>
+        <p:txBody>
+          <a:bodyPr wrap="square" rtlCol="0">
+            <a:spAutoFit/>
+          </a:bodyPr>
+          <a:lstStyle/>
+          <a:p>
+            <a:r>
+              <a:rPr lang="en-AU" dirty="0"/>
+              <a:t>https://blog.thoughtram.io/angular/2016/03/14/custom-validators-in-angular-2.html#custom-validators-with-dependencies</a:t>
+            </a:r>
+          </a:p>
+        </p:txBody>
+      </p:sp>
+      <p:sp>
+        <p:nvSpPr>
+          <p:cNvPr id="4" name="Slide Number Placeholder 3"/>
+          <p:cNvSpPr>
+            <a:spLocks noGrp="1"/>
+          </p:cNvSpPr>
+          <p:nvPr>
+            <p:ph type="sldNum" sz="quarter" idx="12"/>
+          </p:nvPr>
+        </p:nvSpPr>
+        <p:spPr/>
+        <p:txBody>
+          <a:bodyPr/>
+          <a:lstStyle/>
+          <a:p>
+            <a:fld id="{4FAB73BC-B049-4115-A692-8D63A059BFB8}" type="slidenum">
+              <a:rPr lang="en-US" smtClean="0"/>
+              <a:t>13</a:t>
+            </a:fld>
+            <a:endParaRPr lang="en-US" dirty="0"/>
+          </a:p>
+        </p:txBody>
+      </p:sp>
+    </p:spTree>
+    <p:extLst>
+      <p:ext uri="{BB962C8B-B14F-4D97-AF65-F5344CB8AC3E}">
+        <p14:creationId xmlns:p14="http://schemas.microsoft.com/office/powerpoint/2010/main" val="1183368938"/>
+      </p:ext>
+    </p:extLst>
+  </p:cSld>
+  <p:clrMapOvr>
+    <a:masterClrMapping/>
+  </p:clrMapOvr>
+  <p:timing>
+    <p:tnLst>
+      <p:par>
+        <p:cTn id="1" dur="indefinite" restart="never" nodeType="tmRoot"/>
+      </p:par>
+    </p:tnLst>
+  </p:timing>
+</p:sld>
+</file>
+
+<file path=ppt/slides/slide2.xml><?xml version="1.0" encoding="utf-8"?>
+<p:sld xmlns:a="http://schemas.openxmlformats.org/drawingml/2006/main" xmlns:r="http://schemas.openxmlformats.org/officeDocument/2006/relationships" xmlns:p="http://schemas.openxmlformats.org/presentationml/2006/main">
+  <p:cSld>
+    <p:spTree>
+      <p:nvGrpSpPr>
+        <p:cNvPr id="1" name=""/>
+        <p:cNvGrpSpPr/>
+        <p:nvPr/>
+      </p:nvGrpSpPr>
+      <p:grpSpPr>
+        <a:xfrm>
+          <a:off x="0" y="0"/>
+          <a:ext cx="0" cy="0"/>
+          <a:chOff x="0" y="0"/>
+          <a:chExt cx="0" cy="0"/>
+        </a:xfrm>
+      </p:grpSpPr>
+      <p:sp>
+        <p:nvSpPr>
+          <p:cNvPr id="3" name="Content Placeholder 2"/>
+          <p:cNvSpPr txBox="1">
+            <a:spLocks/>
+          </p:cNvSpPr>
+          <p:nvPr/>
+        </p:nvSpPr>
+        <p:spPr>
+          <a:xfrm>
+            <a:off x="1029924" y="1416907"/>
+            <a:ext cx="9784080" cy="2290119"/>
+          </a:xfrm>
+          <a:prstGeom prst="rect">
+            <a:avLst/>
+          </a:prstGeom>
+        </p:spPr>
+        <p:txBody>
+          <a:bodyPr/>
+          <a:lstStyle>
+            <a:lvl1pPr marL="182880" indent="-182880" algn="l" defTabSz="914400" rtl="0" eaLnBrk="1" latinLnBrk="0" hangingPunct="1">
+              <a:lnSpc>
+                <a:spcPct val="90000"/>
+              </a:lnSpc>
+              <a:spcBef>
+                <a:spcPts val="1200"/>
+              </a:spcBef>
+              <a:spcAft>
+                <a:spcPts val="200"/>
+              </a:spcAft>
+              <a:buClr>
+                <a:schemeClr val="tx1"/>
+              </a:buClr>
+              <a:buFont typeface="Wingdings" pitchFamily="2" charset="2"/>
+              <a:buChar char=""/>
+              <a:defRPr sz="2200" kern="1200">
+                <a:solidFill>
+                  <a:schemeClr val="tx1"/>
+                </a:solidFill>
+                <a:latin typeface="+mn-lt"/>
+                <a:ea typeface="+mn-ea"/>
+                <a:cs typeface="+mn-cs"/>
+              </a:defRPr>
+            </a:lvl1pPr>
+            <a:lvl2pPr marL="411480" indent="-182880" algn="l" defTabSz="914400" rtl="0" eaLnBrk="1" latinLnBrk="0" hangingPunct="1">
+              <a:lnSpc>
+                <a:spcPct val="90000"/>
+              </a:lnSpc>
+              <a:spcBef>
+                <a:spcPts val="200"/>
+              </a:spcBef>
+              <a:spcAft>
+                <a:spcPts val="400"/>
+              </a:spcAft>
+              <a:buClr>
+                <a:schemeClr val="tx1"/>
+              </a:buClr>
+              <a:buFont typeface="Wingdings" pitchFamily="2" charset="2"/>
+              <a:buChar char=""/>
+              <a:defRPr sz="2000" kern="1200">
+                <a:solidFill>
+                  <a:schemeClr val="tx1"/>
+                </a:solidFill>
+                <a:latin typeface="+mn-lt"/>
+                <a:ea typeface="+mn-ea"/>
+                <a:cs typeface="+mn-cs"/>
+              </a:defRPr>
+            </a:lvl2pPr>
+            <a:lvl3pPr marL="640080" indent="-182880" algn="l" defTabSz="914400" rtl="0" eaLnBrk="1" latinLnBrk="0" hangingPunct="1">
+              <a:lnSpc>
+                <a:spcPct val="90000"/>
+              </a:lnSpc>
+              <a:spcBef>
+                <a:spcPts val="200"/>
+              </a:spcBef>
+              <a:spcAft>
+                <a:spcPts val="400"/>
+              </a:spcAft>
+              <a:buClr>
+                <a:schemeClr val="tx1"/>
+              </a:buClr>
+              <a:buFont typeface="Wingdings" pitchFamily="2" charset="2"/>
+              <a:buChar char=""/>
+              <a:defRPr sz="1800" kern="1200">
+                <a:solidFill>
+                  <a:schemeClr val="tx1"/>
+                </a:solidFill>
+                <a:latin typeface="+mn-lt"/>
+                <a:ea typeface="+mn-ea"/>
+                <a:cs typeface="+mn-cs"/>
+              </a:defRPr>
+            </a:lvl3pPr>
+            <a:lvl4pPr marL="868680" indent="-182880" algn="l" defTabSz="914400" rtl="0" eaLnBrk="1" latinLnBrk="0" hangingPunct="1">
+              <a:lnSpc>
+                <a:spcPct val="90000"/>
+              </a:lnSpc>
+              <a:spcBef>
+                <a:spcPts val="200"/>
+              </a:spcBef>
+              <a:spcAft>
+                <a:spcPts val="400"/>
+              </a:spcAft>
+              <a:buClr>
+                <a:schemeClr val="tx1"/>
+              </a:buClr>
+              <a:buFont typeface="Wingdings" pitchFamily="2" charset="2"/>
+              <a:buChar char=""/>
+              <a:defRPr sz="1600" kern="1200">
+                <a:solidFill>
+                  <a:schemeClr val="tx1"/>
+                </a:solidFill>
+                <a:latin typeface="+mn-lt"/>
+                <a:ea typeface="+mn-ea"/>
+                <a:cs typeface="+mn-cs"/>
+              </a:defRPr>
+            </a:lvl4pPr>
+            <a:lvl5pPr marL="1097280" indent="-182880" algn="l" defTabSz="914400" rtl="0" eaLnBrk="1" latinLnBrk="0" hangingPunct="1">
+              <a:lnSpc>
+                <a:spcPct val="90000"/>
+              </a:lnSpc>
+              <a:spcBef>
+                <a:spcPts val="200"/>
+              </a:spcBef>
+              <a:spcAft>
+                <a:spcPts val="400"/>
+              </a:spcAft>
+              <a:buClr>
+                <a:schemeClr val="tx1"/>
+              </a:buClr>
+              <a:buFont typeface="Wingdings" pitchFamily="2" charset="2"/>
+              <a:buChar char=""/>
+              <a:defRPr sz="1600" kern="1200">
+                <a:solidFill>
+                  <a:schemeClr val="tx1"/>
+                </a:solidFill>
+                <a:latin typeface="+mn-lt"/>
+                <a:ea typeface="+mn-ea"/>
+                <a:cs typeface="+mn-cs"/>
+              </a:defRPr>
+            </a:lvl5pPr>
+            <a:lvl6pPr marL="1284600" indent="-228600" algn="l" defTabSz="914400" rtl="0" eaLnBrk="1" latinLnBrk="0" hangingPunct="1">
+              <a:lnSpc>
+                <a:spcPct val="90000"/>
+              </a:lnSpc>
+              <a:spcBef>
+                <a:spcPts val="200"/>
+              </a:spcBef>
+              <a:spcAft>
+                <a:spcPts val="400"/>
+              </a:spcAft>
+              <a:buClr>
+                <a:schemeClr val="tx1"/>
+              </a:buClr>
+              <a:buFont typeface="Wingdings" pitchFamily="2" charset="2"/>
+              <a:buChar char=""/>
+              <a:defRPr sz="1600" kern="1200">
+                <a:solidFill>
+                  <a:schemeClr val="tx1"/>
+                </a:solidFill>
+                <a:latin typeface="+mn-lt"/>
+                <a:ea typeface="+mn-ea"/>
+                <a:cs typeface="+mn-cs"/>
+              </a:defRPr>
+            </a:lvl6pPr>
+            <a:lvl7pPr marL="1471800" indent="-228600" algn="l" defTabSz="914400" rtl="0" eaLnBrk="1" latinLnBrk="0" hangingPunct="1">
+              <a:lnSpc>
+                <a:spcPct val="90000"/>
+              </a:lnSpc>
+              <a:spcBef>
+                <a:spcPts val="200"/>
+              </a:spcBef>
+              <a:spcAft>
+                <a:spcPts val="400"/>
+              </a:spcAft>
+              <a:buClr>
+                <a:schemeClr val="tx1"/>
+              </a:buClr>
+              <a:buFont typeface="Wingdings" pitchFamily="2" charset="2"/>
+              <a:buChar char=""/>
+              <a:defRPr sz="1600" kern="1200">
+                <a:solidFill>
+                  <a:schemeClr val="tx1"/>
+                </a:solidFill>
+                <a:latin typeface="+mn-lt"/>
+                <a:ea typeface="+mn-ea"/>
+                <a:cs typeface="+mn-cs"/>
+              </a:defRPr>
+            </a:lvl7pPr>
+            <a:lvl8pPr marL="1629000" indent="-228600" algn="l" defTabSz="914400" rtl="0" eaLnBrk="1" latinLnBrk="0" hangingPunct="1">
+              <a:lnSpc>
+                <a:spcPct val="90000"/>
+              </a:lnSpc>
+              <a:spcBef>
+                <a:spcPts val="200"/>
+              </a:spcBef>
+              <a:spcAft>
+                <a:spcPts val="400"/>
+              </a:spcAft>
+              <a:buClr>
+                <a:schemeClr val="tx1"/>
+              </a:buClr>
+              <a:buFont typeface="Wingdings" pitchFamily="2" charset="2"/>
+              <a:buChar char=""/>
+              <a:defRPr sz="1600" kern="1200">
+                <a:solidFill>
+                  <a:schemeClr val="tx1"/>
+                </a:solidFill>
+                <a:latin typeface="+mn-lt"/>
+                <a:ea typeface="+mn-ea"/>
+                <a:cs typeface="+mn-cs"/>
+              </a:defRPr>
+            </a:lvl8pPr>
+            <a:lvl9pPr marL="1806200" indent="-228600" algn="l" defTabSz="914400" rtl="0" eaLnBrk="1" latinLnBrk="0" hangingPunct="1">
+              <a:lnSpc>
+                <a:spcPct val="90000"/>
+              </a:lnSpc>
+              <a:spcBef>
+                <a:spcPts val="200"/>
+              </a:spcBef>
+              <a:spcAft>
+                <a:spcPts val="400"/>
+              </a:spcAft>
+              <a:buClr>
+                <a:schemeClr val="tx1"/>
+              </a:buClr>
+              <a:buFont typeface="Wingdings" pitchFamily="2" charset="2"/>
+              <a:buChar char=""/>
+              <a:defRPr sz="1600" kern="1200">
+                <a:solidFill>
+                  <a:schemeClr val="tx1"/>
+                </a:solidFill>
+                <a:latin typeface="+mn-lt"/>
+                <a:ea typeface="+mn-ea"/>
+                <a:cs typeface="+mn-cs"/>
+              </a:defRPr>
+            </a:lvl9pPr>
+          </a:lstStyle>
+          <a:p>
+            <a:pPr>
+              <a:spcAft>
+                <a:spcPts val="1200"/>
+              </a:spcAft>
+            </a:pPr>
+            <a:r>
+              <a:rPr lang="en-AU" dirty="0" smtClean="0"/>
+              <a:t>Custom Validator and use it in a Reactive Form</a:t>
+            </a:r>
+          </a:p>
+          <a:p>
+            <a:pPr>
+              <a:spcAft>
+                <a:spcPts val="1200"/>
+              </a:spcAft>
+            </a:pPr>
+            <a:r>
+              <a:rPr lang="en-AU" dirty="0" smtClean="0"/>
+              <a:t>Accessing ‘</a:t>
+            </a:r>
+            <a:r>
+              <a:rPr lang="en-AU" dirty="0" err="1" smtClean="0"/>
+              <a:t>ValidationErrors</a:t>
+            </a:r>
+            <a:r>
+              <a:rPr lang="en-AU" dirty="0" smtClean="0"/>
+              <a:t>’ for a </a:t>
+            </a:r>
+            <a:r>
+              <a:rPr lang="en-AU" dirty="0" err="1" smtClean="0"/>
+              <a:t>FormControl</a:t>
+            </a:r>
+            <a:r>
+              <a:rPr lang="en-AU" dirty="0" smtClean="0"/>
+              <a:t> to show Validation Messages</a:t>
+            </a:r>
+          </a:p>
+          <a:p>
+            <a:pPr>
+              <a:spcAft>
+                <a:spcPts val="1200"/>
+              </a:spcAft>
+            </a:pPr>
+            <a:r>
+              <a:rPr lang="en-AU" dirty="0" smtClean="0"/>
+              <a:t>Custom Validator with </a:t>
+            </a:r>
+            <a:r>
+              <a:rPr lang="en-AU" dirty="0" smtClean="0"/>
+              <a:t>arguments </a:t>
+            </a:r>
+            <a:r>
+              <a:rPr lang="en-AU" dirty="0" smtClean="0"/>
+              <a:t>and use it in a Reactive Form</a:t>
+            </a:r>
+          </a:p>
+          <a:p>
+            <a:pPr>
+              <a:spcAft>
+                <a:spcPts val="1200"/>
+              </a:spcAft>
+            </a:pPr>
+            <a:r>
+              <a:rPr lang="en-AU" dirty="0" smtClean="0"/>
+              <a:t>Custom Validator Directive for Model driven Form</a:t>
+            </a:r>
+          </a:p>
+          <a:p>
+            <a:pPr>
+              <a:spcAft>
+                <a:spcPts val="1200"/>
+              </a:spcAft>
+            </a:pPr>
+            <a:r>
+              <a:rPr lang="en-AU" dirty="0" smtClean="0"/>
+              <a:t>Multi Providers &amp; </a:t>
+            </a:r>
+            <a:r>
+              <a:rPr lang="en-AU" dirty="0"/>
+              <a:t>Forward References in </a:t>
+            </a:r>
+            <a:r>
+              <a:rPr lang="en-AU" dirty="0" smtClean="0"/>
+              <a:t>Angular</a:t>
+            </a:r>
+            <a:endParaRPr lang="en-AU" dirty="0"/>
+          </a:p>
+        </p:txBody>
+      </p:sp>
+      <p:sp>
+        <p:nvSpPr>
+          <p:cNvPr id="2" name="Slide Number Placeholder 1"/>
+          <p:cNvSpPr>
+            <a:spLocks noGrp="1"/>
+          </p:cNvSpPr>
+          <p:nvPr>
+            <p:ph type="sldNum" sz="quarter" idx="12"/>
+          </p:nvPr>
+        </p:nvSpPr>
+        <p:spPr>
+          <a:xfrm>
+            <a:off x="12016603" y="6351734"/>
+            <a:ext cx="155077" cy="365125"/>
+          </a:xfrm>
+        </p:spPr>
+        <p:txBody>
+          <a:bodyPr/>
+          <a:lstStyle/>
+          <a:p>
+            <a:fld id="{4FAB73BC-B049-4115-A692-8D63A059BFB8}" type="slidenum">
+              <a:rPr lang="en-US" smtClean="0"/>
+              <a:t>2</a:t>
+            </a:fld>
+            <a:endParaRPr lang="en-US" dirty="0"/>
+          </a:p>
+        </p:txBody>
+      </p:sp>
+    </p:spTree>
+    <p:extLst>
+      <p:ext uri="{BB962C8B-B14F-4D97-AF65-F5344CB8AC3E}">
+        <p14:creationId xmlns:p14="http://schemas.microsoft.com/office/powerpoint/2010/main" val="398887528"/>
+      </p:ext>
+    </p:extLst>
+  </p:cSld>
+  <p:clrMapOvr>
+    <a:masterClrMapping/>
+  </p:clrMapOvr>
+  <p:timing>
+    <p:tnLst>
+      <p:par>
+        <p:cTn id="1" dur="indefinite" restart="never" nodeType="tmRoot"/>
+      </p:par>
+    </p:tnLst>
+  </p:timing>
+</p:sld>
+</file>
+
+<file path=ppt/slides/slide3.xml><?xml version="1.0" encoding="utf-8"?>
+<p:sld xmlns:a="http://schemas.openxmlformats.org/drawingml/2006/main" xmlns:r="http://schemas.openxmlformats.org/officeDocument/2006/relationships" xmlns:p="http://schemas.openxmlformats.org/presentationml/2006/main">
+  <p:cSld>
+    <p:spTree>
+      <p:nvGrpSpPr>
+        <p:cNvPr id="1" name=""/>
+        <p:cNvGrpSpPr/>
+        <p:nvPr/>
+      </p:nvGrpSpPr>
+      <p:grpSpPr>
+        <a:xfrm>
+          <a:off x="0" y="0"/>
+          <a:ext cx="0" cy="0"/>
+          <a:chOff x="0" y="0"/>
+          <a:chExt cx="0" cy="0"/>
+        </a:xfrm>
+      </p:grpSpPr>
+      <p:sp>
+        <p:nvSpPr>
+          <p:cNvPr id="2" name="Title 1"/>
+          <p:cNvSpPr>
+            <a:spLocks noGrp="1"/>
+          </p:cNvSpPr>
+          <p:nvPr>
+            <p:ph type="title"/>
+          </p:nvPr>
+        </p:nvSpPr>
+        <p:spPr>
+          <a:xfrm>
+            <a:off x="755797" y="230659"/>
+            <a:ext cx="2407533" cy="716692"/>
+          </a:xfrm>
+        </p:spPr>
+        <p:txBody>
+          <a:bodyPr/>
+          <a:lstStyle/>
+          <a:p>
+            <a:r>
+              <a:rPr lang="en-AU" cap="none" dirty="0" smtClean="0"/>
+              <a:t>Validator: </a:t>
+            </a:r>
+            <a:endParaRPr lang="en-AU" cap="none" dirty="0"/>
+          </a:p>
+        </p:txBody>
+      </p:sp>
+      <p:sp>
+        <p:nvSpPr>
+          <p:cNvPr id="11" name="Rectangle 3"/>
+          <p:cNvSpPr>
+            <a:spLocks noChangeArrowheads="1"/>
+          </p:cNvSpPr>
+          <p:nvPr/>
+        </p:nvSpPr>
+        <p:spPr bwMode="auto">
+          <a:xfrm>
+            <a:off x="3021203" y="266407"/>
+            <a:ext cx="8956613" cy="1323439"/>
+          </a:xfrm>
+          <a:prstGeom prst="rect">
+            <a:avLst/>
+          </a:prstGeom>
+          <a:noFill/>
+          <a:ln>
+            <a:noFill/>
+          </a:ln>
+          <a:effectLst/>
+        </p:spPr>
+        <p:txBody>
+          <a:bodyPr vert="horz" wrap="square" lIns="91440" tIns="45720" rIns="91440" bIns="45720" numCol="1" anchor="ctr" anchorCtr="0" compatLnSpc="1">
+            <a:prstTxWarp prst="textNoShape">
+              <a:avLst/>
+            </a:prstTxWarp>
+            <a:spAutoFit/>
+          </a:bodyPr>
+          <a:lstStyle>
+            <a:lvl1pPr eaLnBrk="0" fontAlgn="base" hangingPunct="0">
+              <a:spcBef>
+                <a:spcPct val="0"/>
+              </a:spcBef>
+              <a:spcAft>
+                <a:spcPct val="0"/>
+              </a:spcAft>
+              <a:defRPr>
+                <a:solidFill>
+                  <a:schemeClr val="tx1"/>
+                </a:solidFill>
+                <a:latin typeface="Arial" panose="020B0604020202020204" pitchFamily="34" charset="0"/>
+              </a:defRPr>
+            </a:lvl1pPr>
+            <a:lvl2pPr eaLnBrk="0" fontAlgn="base" hangingPunct="0">
+              <a:spcBef>
+                <a:spcPct val="0"/>
+              </a:spcBef>
+              <a:spcAft>
+                <a:spcPct val="0"/>
+              </a:spcAft>
+              <a:defRPr>
+                <a:solidFill>
+                  <a:schemeClr val="tx1"/>
+                </a:solidFill>
+                <a:latin typeface="Arial" panose="020B0604020202020204" pitchFamily="34" charset="0"/>
+              </a:defRPr>
+            </a:lvl2pPr>
+            <a:lvl3pPr eaLnBrk="0" fontAlgn="base" hangingPunct="0">
+              <a:spcBef>
+                <a:spcPct val="0"/>
+              </a:spcBef>
+              <a:spcAft>
+                <a:spcPct val="0"/>
+              </a:spcAft>
+              <a:defRPr>
+                <a:solidFill>
+                  <a:schemeClr val="tx1"/>
+                </a:solidFill>
+                <a:latin typeface="Arial" panose="020B0604020202020204" pitchFamily="34" charset="0"/>
+              </a:defRPr>
+            </a:lvl3pPr>
+            <a:lvl4pPr eaLnBrk="0" fontAlgn="base" hangingPunct="0">
+              <a:spcBef>
+                <a:spcPct val="0"/>
+              </a:spcBef>
+              <a:spcAft>
+                <a:spcPct val="0"/>
+              </a:spcAft>
+              <a:defRPr>
+                <a:solidFill>
+                  <a:schemeClr val="tx1"/>
+                </a:solidFill>
+                <a:latin typeface="Arial" panose="020B0604020202020204" pitchFamily="34" charset="0"/>
+              </a:defRPr>
+            </a:lvl4pPr>
+            <a:lvl5pPr eaLnBrk="0" fontAlgn="base" hangingPunct="0">
+              <a:spcBef>
+                <a:spcPct val="0"/>
+              </a:spcBef>
+              <a:spcAft>
+                <a:spcPct val="0"/>
+              </a:spcAft>
+              <a:defRPr>
+                <a:solidFill>
+                  <a:schemeClr val="tx1"/>
+                </a:solidFill>
+                <a:latin typeface="Arial" panose="020B0604020202020204" pitchFamily="34" charset="0"/>
+              </a:defRPr>
+            </a:lvl5pPr>
+            <a:lvl6pPr eaLnBrk="0" fontAlgn="base" hangingPunct="0">
+              <a:spcBef>
+                <a:spcPct val="0"/>
+              </a:spcBef>
+              <a:spcAft>
+                <a:spcPct val="0"/>
+              </a:spcAft>
+              <a:defRPr>
+                <a:solidFill>
+                  <a:schemeClr val="tx1"/>
+                </a:solidFill>
+                <a:latin typeface="Arial" panose="020B0604020202020204" pitchFamily="34" charset="0"/>
+              </a:defRPr>
+            </a:lvl6pPr>
+            <a:lvl7pPr eaLnBrk="0" fontAlgn="base" hangingPunct="0">
+              <a:spcBef>
+                <a:spcPct val="0"/>
+              </a:spcBef>
+              <a:spcAft>
+                <a:spcPct val="0"/>
+              </a:spcAft>
+              <a:defRPr>
+                <a:solidFill>
+                  <a:schemeClr val="tx1"/>
+                </a:solidFill>
+                <a:latin typeface="Arial" panose="020B0604020202020204" pitchFamily="34" charset="0"/>
+              </a:defRPr>
+            </a:lvl7pPr>
+            <a:lvl8pPr eaLnBrk="0" fontAlgn="base" hangingPunct="0">
+              <a:spcBef>
+                <a:spcPct val="0"/>
+              </a:spcBef>
+              <a:spcAft>
+                <a:spcPct val="0"/>
+              </a:spcAft>
+              <a:defRPr>
+                <a:solidFill>
+                  <a:schemeClr val="tx1"/>
+                </a:solidFill>
+                <a:latin typeface="Arial" panose="020B0604020202020204" pitchFamily="34" charset="0"/>
+              </a:defRPr>
+            </a:lvl8pPr>
+            <a:lvl9pPr eaLnBrk="0" fontAlgn="base" hangingPunct="0">
+              <a:spcBef>
+                <a:spcPct val="0"/>
+              </a:spcBef>
+              <a:spcAft>
+                <a:spcPct val="0"/>
+              </a:spcAft>
+              <a:defRPr>
+                <a:solidFill>
+                  <a:schemeClr val="tx1"/>
+                </a:solidFill>
+                <a:latin typeface="Arial" panose="020B0604020202020204" pitchFamily="34" charset="0"/>
+              </a:defRPr>
+            </a:lvl9pPr>
+          </a:lstStyle>
+          <a:p>
+            <a:pPr lvl="0" defTabSz="914400"/>
+            <a:r>
+              <a:rPr lang="en-AU" altLang="en-US" sz="2000" dirty="0" smtClean="0">
+                <a:solidFill>
+                  <a:schemeClr val="bg1"/>
+                </a:solidFill>
+                <a:latin typeface="Calibri" panose="020F0502020204030204" pitchFamily="34" charset="0"/>
+              </a:rPr>
+              <a:t>A validator is a function that processes a </a:t>
+            </a:r>
+            <a:r>
+              <a:rPr lang="en-AU" altLang="en-US" sz="2000" dirty="0" err="1" smtClean="0">
+                <a:solidFill>
+                  <a:schemeClr val="bg1"/>
+                </a:solidFill>
+                <a:latin typeface="Calibri" panose="020F0502020204030204" pitchFamily="34" charset="0"/>
+              </a:rPr>
+              <a:t>FormControl</a:t>
+            </a:r>
+            <a:r>
+              <a:rPr lang="en-AU" altLang="en-US" sz="2000" dirty="0" smtClean="0">
+                <a:solidFill>
+                  <a:schemeClr val="bg1"/>
+                </a:solidFill>
+                <a:latin typeface="Calibri" panose="020F0502020204030204" pitchFamily="34" charset="0"/>
+              </a:rPr>
+              <a:t> and returns a map of errors. </a:t>
+            </a:r>
+            <a:br>
+              <a:rPr lang="en-AU" altLang="en-US" sz="2000" dirty="0" smtClean="0">
+                <a:solidFill>
+                  <a:schemeClr val="bg1"/>
+                </a:solidFill>
+                <a:latin typeface="Calibri" panose="020F0502020204030204" pitchFamily="34" charset="0"/>
+              </a:rPr>
+            </a:br>
+            <a:r>
+              <a:rPr lang="en-AU" altLang="en-US" sz="2000" dirty="0" smtClean="0">
+                <a:solidFill>
+                  <a:schemeClr val="bg1"/>
+                </a:solidFill>
+                <a:latin typeface="Calibri" panose="020F0502020204030204" pitchFamily="34" charset="0"/>
+              </a:rPr>
+              <a:t>Every time the value of a form control changes, Angular runs validation and generates either a list of validation errors, which results in an INVALID status, or null, which results in a VALID status.</a:t>
+            </a:r>
+            <a:r>
+              <a:rPr kumimoji="0" lang="en-US" altLang="en-US" sz="2000" b="0" i="0" u="none" strike="noStrike" cap="none" normalizeH="0" baseline="0" dirty="0" smtClean="0">
+                <a:ln>
+                  <a:noFill/>
+                </a:ln>
+                <a:solidFill>
+                  <a:schemeClr val="bg1"/>
+                </a:solidFill>
+                <a:effectLst/>
+                <a:latin typeface="Calibri" panose="020F0502020204030204" pitchFamily="34" charset="0"/>
+              </a:rPr>
+              <a:t> </a:t>
+            </a:r>
+          </a:p>
+        </p:txBody>
+      </p:sp>
+      <p:sp>
+        <p:nvSpPr>
+          <p:cNvPr id="12" name="TextBox 11"/>
+          <p:cNvSpPr txBox="1"/>
+          <p:nvPr/>
+        </p:nvSpPr>
+        <p:spPr>
+          <a:xfrm>
+            <a:off x="996974" y="1958631"/>
+            <a:ext cx="1779178" cy="369332"/>
+          </a:xfrm>
+          <a:prstGeom prst="rect">
+            <a:avLst/>
+          </a:prstGeom>
+          <a:noFill/>
+        </p:spPr>
+        <p:txBody>
+          <a:bodyPr wrap="square" rtlCol="0">
+            <a:spAutoFit/>
+          </a:bodyPr>
+          <a:lstStyle/>
+          <a:p>
+            <a:r>
+              <a:rPr lang="en-AU" dirty="0" smtClean="0"/>
+              <a:t>Reactive Form</a:t>
+            </a:r>
+            <a:endParaRPr lang="en-AU" dirty="0"/>
+          </a:p>
+        </p:txBody>
+      </p:sp>
+      <p:pic>
+        <p:nvPicPr>
+          <p:cNvPr id="13" name="Picture 12"/>
+          <p:cNvPicPr>
+            <a:picLocks noChangeAspect="1"/>
+          </p:cNvPicPr>
+          <p:nvPr/>
+        </p:nvPicPr>
+        <p:blipFill>
+          <a:blip r:embed="rId2"/>
+          <a:stretch>
+            <a:fillRect/>
+          </a:stretch>
+        </p:blipFill>
+        <p:spPr>
+          <a:xfrm>
+            <a:off x="1062876" y="2327963"/>
+            <a:ext cx="7115175" cy="1704975"/>
+          </a:xfrm>
+          <a:prstGeom prst="rect">
+            <a:avLst/>
+          </a:prstGeom>
+        </p:spPr>
+      </p:pic>
+      <p:pic>
+        <p:nvPicPr>
+          <p:cNvPr id="15" name="Picture 14"/>
+          <p:cNvPicPr>
+            <a:picLocks noChangeAspect="1"/>
+          </p:cNvPicPr>
+          <p:nvPr/>
+        </p:nvPicPr>
+        <p:blipFill>
+          <a:blip r:embed="rId3"/>
+          <a:stretch>
+            <a:fillRect/>
+          </a:stretch>
+        </p:blipFill>
+        <p:spPr>
+          <a:xfrm>
+            <a:off x="6137223" y="4628815"/>
+            <a:ext cx="5372100" cy="1943100"/>
+          </a:xfrm>
+          <a:prstGeom prst="rect">
+            <a:avLst/>
+          </a:prstGeom>
+        </p:spPr>
+      </p:pic>
+      <p:sp>
+        <p:nvSpPr>
+          <p:cNvPr id="16" name="TextBox 15"/>
+          <p:cNvSpPr txBox="1"/>
+          <p:nvPr/>
+        </p:nvSpPr>
+        <p:spPr>
+          <a:xfrm>
+            <a:off x="6117336" y="4242433"/>
+            <a:ext cx="3101354" cy="369332"/>
+          </a:xfrm>
+          <a:prstGeom prst="rect">
+            <a:avLst/>
+          </a:prstGeom>
+          <a:noFill/>
+        </p:spPr>
+        <p:txBody>
+          <a:bodyPr wrap="square" rtlCol="0">
+            <a:spAutoFit/>
+          </a:bodyPr>
+          <a:lstStyle/>
+          <a:p>
+            <a:r>
+              <a:rPr lang="en-AU" dirty="0" smtClean="0"/>
+              <a:t>Model Driven Form</a:t>
+            </a:r>
+            <a:endParaRPr lang="en-AU" dirty="0"/>
+          </a:p>
+        </p:txBody>
+      </p:sp>
+      <p:sp>
+        <p:nvSpPr>
+          <p:cNvPr id="3" name="Slide Number Placeholder 2"/>
+          <p:cNvSpPr>
+            <a:spLocks noGrp="1"/>
+          </p:cNvSpPr>
+          <p:nvPr>
+            <p:ph type="sldNum" sz="quarter" idx="12"/>
+          </p:nvPr>
+        </p:nvSpPr>
+        <p:spPr>
+          <a:xfrm>
+            <a:off x="11959407" y="6331414"/>
+            <a:ext cx="212273" cy="365125"/>
+          </a:xfrm>
+        </p:spPr>
+        <p:txBody>
+          <a:bodyPr/>
+          <a:lstStyle/>
+          <a:p>
+            <a:fld id="{4FAB73BC-B049-4115-A692-8D63A059BFB8}" type="slidenum">
+              <a:rPr lang="en-US" smtClean="0"/>
+              <a:t>3</a:t>
+            </a:fld>
+            <a:endParaRPr lang="en-US" dirty="0"/>
+          </a:p>
+        </p:txBody>
+      </p:sp>
+    </p:spTree>
+    <p:extLst>
+      <p:ext uri="{BB962C8B-B14F-4D97-AF65-F5344CB8AC3E}">
+        <p14:creationId xmlns:p14="http://schemas.microsoft.com/office/powerpoint/2010/main" val="2815170133"/>
+      </p:ext>
+    </p:extLst>
+  </p:cSld>
+  <p:clrMapOvr>
+    <a:masterClrMapping/>
+  </p:clrMapOvr>
+  <p:timing>
+    <p:tnLst>
+      <p:par>
+        <p:cTn id="1" dur="indefinite" restart="never" nodeType="tmRoot">
+          <p:childTnLst>
+            <p:seq concurrent="1" nextAc="seek">
+              <p:cTn id="2" dur="indefinite" nodeType="mainSeq">
+                <p:childTnLst>
+                  <p:par>
+                    <p:cTn id="3" fill="hold">
+                      <p:stCondLst>
+                        <p:cond delay="indefinite"/>
+                      </p:stCondLst>
+                      <p:childTnLst>
+                        <p:par>
+                          <p:cTn id="4" fill="hold">
+                            <p:stCondLst>
+                              <p:cond delay="0"/>
+                            </p:stCondLst>
+                            <p:childTnLst>
+                              <p:par>
+                                <p:cTn id="5" presetID="10" presetClass="entr" presetSubtype="0" fill="hold" grpId="0" nodeType="clickEffect">
+                                  <p:stCondLst>
+                                    <p:cond delay="0"/>
+                                  </p:stCondLst>
+                                  <p:childTnLst>
+                                    <p:set>
+                                      <p:cBhvr>
+                                        <p:cTn id="6" dur="1" fill="hold">
+                                          <p:stCondLst>
+                                            <p:cond delay="0"/>
+                                          </p:stCondLst>
+                                        </p:cTn>
+                                        <p:tgtEl>
+                                          <p:spTgt spid="12"/>
+                                        </p:tgtEl>
+                                        <p:attrNameLst>
+                                          <p:attrName>style.visibility</p:attrName>
+                                        </p:attrNameLst>
+                                      </p:cBhvr>
+                                      <p:to>
+                                        <p:strVal val="visible"/>
+                                      </p:to>
+                                    </p:set>
+                                    <p:animEffect transition="in" filter="fade">
+                                      <p:cBhvr>
+                                        <p:cTn id="7" dur="500"/>
+                                        <p:tgtEl>
+                                          <p:spTgt spid="12"/>
+                                        </p:tgtEl>
+                                      </p:cBhvr>
+                                    </p:animEffect>
+                                  </p:childTnLst>
+                                </p:cTn>
+                              </p:par>
+                              <p:par>
+                                <p:cTn id="8" presetID="10" presetClass="entr" presetSubtype="0" fill="hold" nodeType="withEffect">
+                                  <p:stCondLst>
+                                    <p:cond delay="0"/>
+                                  </p:stCondLst>
+                                  <p:childTnLst>
+                                    <p:set>
+                                      <p:cBhvr>
+                                        <p:cTn id="9" dur="1" fill="hold">
+                                          <p:stCondLst>
+                                            <p:cond delay="0"/>
+                                          </p:stCondLst>
+                                        </p:cTn>
+                                        <p:tgtEl>
+                                          <p:spTgt spid="13"/>
+                                        </p:tgtEl>
+                                        <p:attrNameLst>
+                                          <p:attrName>style.visibility</p:attrName>
+                                        </p:attrNameLst>
+                                      </p:cBhvr>
+                                      <p:to>
+                                        <p:strVal val="visible"/>
+                                      </p:to>
+                                    </p:set>
+                                    <p:animEffect transition="in" filter="fade">
+                                      <p:cBhvr>
+                                        <p:cTn id="10" dur="500"/>
+                                        <p:tgtEl>
+                                          <p:spTgt spid="13"/>
+                                        </p:tgtEl>
+                                      </p:cBhvr>
+                                    </p:animEffect>
+                                  </p:childTnLst>
+                                </p:cTn>
+                              </p:par>
+                            </p:childTnLst>
+                          </p:cTn>
+                        </p:par>
+                      </p:childTnLst>
+                    </p:cTn>
+                  </p:par>
+                  <p:par>
+                    <p:cTn id="11" fill="hold">
+                      <p:stCondLst>
+                        <p:cond delay="indefinite"/>
+                      </p:stCondLst>
+                      <p:childTnLst>
+                        <p:par>
+                          <p:cTn id="12" fill="hold">
+                            <p:stCondLst>
+                              <p:cond delay="0"/>
+                            </p:stCondLst>
+                            <p:childTnLst>
+                              <p:par>
+                                <p:cTn id="13" presetID="10" presetClass="entr" presetSubtype="0" fill="hold" grpId="0" nodeType="clickEffect">
+                                  <p:stCondLst>
+                                    <p:cond delay="0"/>
+                                  </p:stCondLst>
+                                  <p:childTnLst>
+                                    <p:set>
+                                      <p:cBhvr>
+                                        <p:cTn id="14" dur="1" fill="hold">
+                                          <p:stCondLst>
+                                            <p:cond delay="0"/>
+                                          </p:stCondLst>
+                                        </p:cTn>
+                                        <p:tgtEl>
+                                          <p:spTgt spid="16"/>
+                                        </p:tgtEl>
+                                        <p:attrNameLst>
+                                          <p:attrName>style.visibility</p:attrName>
+                                        </p:attrNameLst>
+                                      </p:cBhvr>
+                                      <p:to>
+                                        <p:strVal val="visible"/>
+                                      </p:to>
+                                    </p:set>
+                                    <p:animEffect transition="in" filter="fade">
+                                      <p:cBhvr>
+                                        <p:cTn id="15" dur="500"/>
+                                        <p:tgtEl>
+                                          <p:spTgt spid="16"/>
+                                        </p:tgtEl>
+                                      </p:cBhvr>
+                                    </p:animEffect>
+                                  </p:childTnLst>
+                                </p:cTn>
+                              </p:par>
+                              <p:par>
+                                <p:cTn id="16" presetID="10" presetClass="entr" presetSubtype="0" fill="hold" nodeType="withEffect">
+                                  <p:stCondLst>
+                                    <p:cond delay="0"/>
+                                  </p:stCondLst>
+                                  <p:childTnLst>
+                                    <p:set>
+                                      <p:cBhvr>
+                                        <p:cTn id="17" dur="1" fill="hold">
+                                          <p:stCondLst>
+                                            <p:cond delay="0"/>
+                                          </p:stCondLst>
+                                        </p:cTn>
+                                        <p:tgtEl>
+                                          <p:spTgt spid="15"/>
+                                        </p:tgtEl>
+                                        <p:attrNameLst>
+                                          <p:attrName>style.visibility</p:attrName>
+                                        </p:attrNameLst>
+                                      </p:cBhvr>
+                                      <p:to>
+                                        <p:strVal val="visible"/>
+                                      </p:to>
+                                    </p:set>
+                                    <p:animEffect transition="in" filter="fade">
+                                      <p:cBhvr>
+                                        <p:cTn id="18" dur="500"/>
+                                        <p:tgtEl>
+                                          <p:spTgt spid="15"/>
+                                        </p:tgtEl>
+                                      </p:cBhvr>
+                                    </p:animEffect>
+                                  </p:childTnLst>
+                                </p:cTn>
+                              </p:par>
+                            </p:childTnLst>
+                          </p:cTn>
+                        </p:par>
+                      </p:childTnLst>
+                    </p:cTn>
+                  </p:par>
+                </p:childTnLst>
+              </p:cTn>
+              <p:prevCondLst>
+                <p:cond evt="onPrev" delay="0">
+                  <p:tgtEl>
+                    <p:sldTgt/>
+                  </p:tgtEl>
+                </p:cond>
+              </p:prevCondLst>
+              <p:nextCondLst>
+                <p:cond evt="onNext" delay="0">
+                  <p:tgtEl>
+                    <p:sldTgt/>
+                  </p:tgtEl>
+                </p:cond>
+              </p:nextCondLst>
+            </p:seq>
+          </p:childTnLst>
+        </p:cTn>
+      </p:par>
+    </p:tnLst>
+    <p:bldLst>
+      <p:bldP spid="12" grpId="0"/>
+      <p:bldP spid="16" grpId="0"/>
+    </p:bldLst>
+  </p:timing>
+</p:sld>
+</file>
+
+<file path=ppt/slides/slide4.xml><?xml version="1.0" encoding="utf-8"?>
+<p:sld xmlns:a="http://schemas.openxmlformats.org/drawingml/2006/main" xmlns:r="http://schemas.openxmlformats.org/officeDocument/2006/relationships" xmlns:p="http://schemas.openxmlformats.org/presentationml/2006/main">
+  <p:cSld>
+    <p:spTree>
+      <p:nvGrpSpPr>
+        <p:cNvPr id="1" name=""/>
+        <p:cNvGrpSpPr/>
+        <p:nvPr/>
+      </p:nvGrpSpPr>
+      <p:grpSpPr>
+        <a:xfrm>
+          <a:off x="0" y="0"/>
+          <a:ext cx="0" cy="0"/>
+          <a:chOff x="0" y="0"/>
+          <a:chExt cx="0" cy="0"/>
+        </a:xfrm>
+      </p:grpSpPr>
+      <p:pic>
+        <p:nvPicPr>
+          <p:cNvPr id="20" name="Picture 19"/>
+          <p:cNvPicPr>
+            <a:picLocks noChangeAspect="1"/>
+          </p:cNvPicPr>
+          <p:nvPr/>
+        </p:nvPicPr>
+        <p:blipFill>
+          <a:blip r:embed="rId2"/>
+          <a:stretch>
+            <a:fillRect/>
+          </a:stretch>
+        </p:blipFill>
+        <p:spPr>
+          <a:xfrm>
+            <a:off x="371608" y="1046203"/>
+            <a:ext cx="6143625" cy="5568780"/>
+          </a:xfrm>
+          <a:prstGeom prst="rect">
+            <a:avLst/>
+          </a:prstGeom>
+        </p:spPr>
+      </p:pic>
+      <p:sp>
+        <p:nvSpPr>
+          <p:cNvPr id="36" name="TextBox 35"/>
+          <p:cNvSpPr txBox="1"/>
+          <p:nvPr/>
+        </p:nvSpPr>
+        <p:spPr>
+          <a:xfrm>
+            <a:off x="214183" y="148282"/>
+            <a:ext cx="3822357" cy="646331"/>
+          </a:xfrm>
+          <a:prstGeom prst="rect">
+            <a:avLst/>
+          </a:prstGeom>
+          <a:noFill/>
+        </p:spPr>
+        <p:txBody>
+          <a:bodyPr wrap="square" rtlCol="0">
+            <a:spAutoFit/>
+          </a:bodyPr>
+          <a:lstStyle/>
+          <a:p>
+            <a:r>
+              <a:rPr lang="en-AU" sz="3600" b="1" dirty="0" smtClean="0"/>
+              <a:t>Custom Validator</a:t>
+            </a:r>
+            <a:endParaRPr lang="en-AU" sz="3600" b="1" dirty="0"/>
+          </a:p>
+        </p:txBody>
+      </p:sp>
+      <p:pic>
+        <p:nvPicPr>
+          <p:cNvPr id="38" name="Picture 37"/>
+          <p:cNvPicPr>
+            <a:picLocks noChangeAspect="1"/>
+          </p:cNvPicPr>
+          <p:nvPr/>
+        </p:nvPicPr>
+        <p:blipFill>
+          <a:blip r:embed="rId3"/>
+          <a:stretch>
+            <a:fillRect/>
+          </a:stretch>
+        </p:blipFill>
+        <p:spPr>
+          <a:xfrm>
+            <a:off x="6982086" y="1046203"/>
+            <a:ext cx="4686300" cy="5568780"/>
+          </a:xfrm>
+          <a:prstGeom prst="rect">
+            <a:avLst/>
+          </a:prstGeom>
+        </p:spPr>
+      </p:pic>
+      <p:sp>
+        <p:nvSpPr>
+          <p:cNvPr id="52" name="TextBox 51"/>
+          <p:cNvSpPr txBox="1"/>
+          <p:nvPr/>
+        </p:nvSpPr>
+        <p:spPr>
+          <a:xfrm>
+            <a:off x="7339915" y="218075"/>
+            <a:ext cx="4506098" cy="584775"/>
+          </a:xfrm>
+          <a:prstGeom prst="rect">
+            <a:avLst/>
+          </a:prstGeom>
+          <a:noFill/>
+        </p:spPr>
+        <p:txBody>
+          <a:bodyPr wrap="square" rtlCol="0">
+            <a:spAutoFit/>
+          </a:bodyPr>
+          <a:lstStyle/>
+          <a:p>
+            <a:pPr algn="r"/>
+            <a:r>
+              <a:rPr lang="en-AU" sz="3200" b="1" dirty="0" smtClean="0"/>
+              <a:t>Use with </a:t>
+            </a:r>
+            <a:r>
+              <a:rPr lang="en-AU" sz="3200" b="1" dirty="0" smtClean="0"/>
+              <a:t>Reactive Form</a:t>
+            </a:r>
+            <a:endParaRPr lang="en-AU" sz="3200" b="1" dirty="0"/>
+          </a:p>
+        </p:txBody>
+      </p:sp>
+      <p:sp>
+        <p:nvSpPr>
+          <p:cNvPr id="2" name="Slide Number Placeholder 1"/>
+          <p:cNvSpPr>
+            <a:spLocks noGrp="1"/>
+          </p:cNvSpPr>
+          <p:nvPr>
+            <p:ph type="sldNum" sz="quarter" idx="12"/>
+          </p:nvPr>
+        </p:nvSpPr>
+        <p:spPr>
+          <a:xfrm>
+            <a:off x="11989887" y="6341574"/>
+            <a:ext cx="191953" cy="365125"/>
+          </a:xfrm>
+        </p:spPr>
+        <p:txBody>
+          <a:bodyPr/>
+          <a:lstStyle/>
+          <a:p>
+            <a:fld id="{4FAB73BC-B049-4115-A692-8D63A059BFB8}" type="slidenum">
+              <a:rPr lang="en-US" smtClean="0"/>
+              <a:t>4</a:t>
+            </a:fld>
+            <a:endParaRPr lang="en-US" dirty="0"/>
+          </a:p>
+        </p:txBody>
+      </p:sp>
+    </p:spTree>
+    <p:extLst>
+      <p:ext uri="{BB962C8B-B14F-4D97-AF65-F5344CB8AC3E}">
+        <p14:creationId xmlns:p14="http://schemas.microsoft.com/office/powerpoint/2010/main" val="1426813466"/>
+      </p:ext>
+    </p:extLst>
+  </p:cSld>
+  <p:clrMapOvr>
+    <a:masterClrMapping/>
+  </p:clrMapOvr>
+  <mc:AlternateContent xmlns:mc="http://schemas.openxmlformats.org/markup-compatibility/2006" xmlns:p14="http://schemas.microsoft.com/office/powerpoint/2010/main">
+    <mc:Choice Requires="p14">
+      <p:transition spd="med" p14:dur="700">
+        <p:fade/>
+      </p:transition>
+    </mc:Choice>
+    <mc:Fallback xmlns="">
+      <p:transition spd="med">
+        <p:fade/>
+      </p:transition>
+    </mc:Fallback>
+  </mc:AlternateContent>
+  <p:timing>
+    <p:tnLst>
+      <p:par>
+        <p:cTn id="1" dur="indefinite" restart="never" nodeType="tmRoot">
+          <p:childTnLst>
+            <p:seq concurrent="1" nextAc="seek">
+              <p:cTn id="2" dur="indefinite" nodeType="mainSeq">
+                <p:childTnLst>
+                  <p:par>
+                    <p:cTn id="3" fill="hold">
+                      <p:stCondLst>
+                        <p:cond delay="indefinite"/>
+                      </p:stCondLst>
+                      <p:childTnLst>
+                        <p:par>
+                          <p:cTn id="4" fill="hold">
+                            <p:stCondLst>
+                              <p:cond delay="0"/>
+                            </p:stCondLst>
+                            <p:childTnLst>
+                              <p:par>
+                                <p:cTn id="5" presetID="10" presetClass="entr" presetSubtype="0" fill="hold" nodeType="clickEffect">
+                                  <p:stCondLst>
+                                    <p:cond delay="0"/>
+                                  </p:stCondLst>
+                                  <p:childTnLst>
+                                    <p:set>
+                                      <p:cBhvr>
+                                        <p:cTn id="6" dur="1" fill="hold">
+                                          <p:stCondLst>
+                                            <p:cond delay="0"/>
+                                          </p:stCondLst>
+                                        </p:cTn>
+                                        <p:tgtEl>
+                                          <p:spTgt spid="20"/>
+                                        </p:tgtEl>
+                                        <p:attrNameLst>
+                                          <p:attrName>style.visibility</p:attrName>
+                                        </p:attrNameLst>
+                                      </p:cBhvr>
+                                      <p:to>
+                                        <p:strVal val="visible"/>
+                                      </p:to>
+                                    </p:set>
+                                    <p:animEffect transition="in" filter="fade">
+                                      <p:cBhvr>
+                                        <p:cTn id="7" dur="500"/>
+                                        <p:tgtEl>
+                                          <p:spTgt spid="20"/>
+                                        </p:tgtEl>
+                                      </p:cBhvr>
+                                    </p:animEffect>
+                                  </p:childTnLst>
+                                </p:cTn>
+                              </p:par>
+                            </p:childTnLst>
+                          </p:cTn>
+                        </p:par>
+                      </p:childTnLst>
+                    </p:cTn>
+                  </p:par>
+                  <p:par>
+                    <p:cTn id="8" fill="hold">
+                      <p:stCondLst>
+                        <p:cond delay="indefinite"/>
+                      </p:stCondLst>
+                      <p:childTnLst>
+                        <p:par>
+                          <p:cTn id="9" fill="hold">
+                            <p:stCondLst>
+                              <p:cond delay="0"/>
+                            </p:stCondLst>
+                            <p:childTnLst>
+                              <p:par>
+                                <p:cTn id="10" presetID="16" presetClass="entr" presetSubtype="21" fill="hold" grpId="0" nodeType="clickEffect">
+                                  <p:stCondLst>
+                                    <p:cond delay="0"/>
+                                  </p:stCondLst>
+                                  <p:childTnLst>
+                                    <p:set>
+                                      <p:cBhvr>
+                                        <p:cTn id="11" dur="1" fill="hold">
+                                          <p:stCondLst>
+                                            <p:cond delay="0"/>
+                                          </p:stCondLst>
+                                        </p:cTn>
+                                        <p:tgtEl>
+                                          <p:spTgt spid="52"/>
+                                        </p:tgtEl>
+                                        <p:attrNameLst>
+                                          <p:attrName>style.visibility</p:attrName>
+                                        </p:attrNameLst>
+                                      </p:cBhvr>
+                                      <p:to>
+                                        <p:strVal val="visible"/>
+                                      </p:to>
+                                    </p:set>
+                                    <p:animEffect transition="in" filter="barn(inVertical)">
+                                      <p:cBhvr>
+                                        <p:cTn id="12" dur="500"/>
+                                        <p:tgtEl>
+                                          <p:spTgt spid="52"/>
+                                        </p:tgtEl>
+                                      </p:cBhvr>
+                                    </p:animEffect>
+                                  </p:childTnLst>
+                                </p:cTn>
+                              </p:par>
+                            </p:childTnLst>
+                          </p:cTn>
+                        </p:par>
+                      </p:childTnLst>
+                    </p:cTn>
+                  </p:par>
+                  <p:par>
+                    <p:cTn id="13" fill="hold">
+                      <p:stCondLst>
+                        <p:cond delay="indefinite"/>
+                      </p:stCondLst>
+                      <p:childTnLst>
+                        <p:par>
+                          <p:cTn id="14" fill="hold">
+                            <p:stCondLst>
+                              <p:cond delay="0"/>
+                            </p:stCondLst>
+                            <p:childTnLst>
+                              <p:par>
+                                <p:cTn id="15" presetID="10" presetClass="entr" presetSubtype="0" fill="hold" nodeType="clickEffect">
+                                  <p:stCondLst>
+                                    <p:cond delay="0"/>
+                                  </p:stCondLst>
+                                  <p:childTnLst>
+                                    <p:set>
+                                      <p:cBhvr>
+                                        <p:cTn id="16" dur="1" fill="hold">
+                                          <p:stCondLst>
+                                            <p:cond delay="0"/>
+                                          </p:stCondLst>
+                                        </p:cTn>
+                                        <p:tgtEl>
+                                          <p:spTgt spid="38"/>
+                                        </p:tgtEl>
+                                        <p:attrNameLst>
+                                          <p:attrName>style.visibility</p:attrName>
+                                        </p:attrNameLst>
+                                      </p:cBhvr>
+                                      <p:to>
+                                        <p:strVal val="visible"/>
+                                      </p:to>
+                                    </p:set>
+                                    <p:animEffect transition="in" filter="fade">
+                                      <p:cBhvr>
+                                        <p:cTn id="17" dur="500"/>
+                                        <p:tgtEl>
+                                          <p:spTgt spid="38"/>
+                                        </p:tgtEl>
+                                      </p:cBhvr>
+                                    </p:animEffect>
+                                  </p:childTnLst>
+                                </p:cTn>
+                              </p:par>
+                            </p:childTnLst>
+                          </p:cTn>
+                        </p:par>
+                      </p:childTnLst>
+                    </p:cTn>
+                  </p:par>
+                </p:childTnLst>
+              </p:cTn>
+              <p:prevCondLst>
+                <p:cond evt="onPrev" delay="0">
+                  <p:tgtEl>
+                    <p:sldTgt/>
+                  </p:tgtEl>
+                </p:cond>
+              </p:prevCondLst>
+              <p:nextCondLst>
+                <p:cond evt="onNext" delay="0">
+                  <p:tgtEl>
+                    <p:sldTgt/>
+                  </p:tgtEl>
+                </p:cond>
+              </p:nextCondLst>
+            </p:seq>
+          </p:childTnLst>
+        </p:cTn>
+      </p:par>
+    </p:tnLst>
+    <p:bldLst>
+      <p:bldP spid="52" grpId="0"/>
+    </p:bldLst>
+  </p:timing>
+</p:sld>
+</file>
+
+<file path=ppt/slides/slide5.xml><?xml version="1.0" encoding="utf-8"?>
+<p:sld xmlns:a="http://schemas.openxmlformats.org/drawingml/2006/main" xmlns:r="http://schemas.openxmlformats.org/officeDocument/2006/relationships" xmlns:p="http://schemas.openxmlformats.org/presentationml/2006/main">
+  <p:cSld>
+    <p:spTree>
+      <p:nvGrpSpPr>
+        <p:cNvPr id="1" name=""/>
+        <p:cNvGrpSpPr/>
+        <p:nvPr/>
+      </p:nvGrpSpPr>
+      <p:grpSpPr>
+        <a:xfrm>
+          <a:off x="0" y="0"/>
+          <a:ext cx="0" cy="0"/>
+          <a:chOff x="0" y="0"/>
+          <a:chExt cx="0" cy="0"/>
+        </a:xfrm>
+      </p:grpSpPr>
+      <p:sp>
+        <p:nvSpPr>
+          <p:cNvPr id="4" name="TextBox 3"/>
+          <p:cNvSpPr txBox="1"/>
+          <p:nvPr/>
+        </p:nvSpPr>
+        <p:spPr>
+          <a:xfrm>
+            <a:off x="140042" y="31946"/>
+            <a:ext cx="9448802" cy="523220"/>
+          </a:xfrm>
+          <a:prstGeom prst="rect">
+            <a:avLst/>
+          </a:prstGeom>
+          <a:noFill/>
+        </p:spPr>
+        <p:txBody>
+          <a:bodyPr wrap="square" rtlCol="0">
+            <a:spAutoFit/>
+          </a:bodyPr>
+          <a:lstStyle/>
+          <a:p>
+            <a:r>
+              <a:rPr lang="en-AU" sz="2800" b="1" dirty="0"/>
+              <a:t>Accessing </a:t>
+            </a:r>
+            <a:r>
+              <a:rPr lang="en-AU" sz="2800" b="1" dirty="0" err="1" smtClean="0"/>
+              <a:t>FormControl</a:t>
+            </a:r>
+            <a:r>
+              <a:rPr lang="en-AU" sz="2800" b="1" dirty="0" smtClean="0"/>
+              <a:t> ‘</a:t>
+            </a:r>
+            <a:r>
+              <a:rPr lang="en-AU" sz="2800" b="1" dirty="0" err="1" smtClean="0"/>
+              <a:t>ValidationErrors</a:t>
+            </a:r>
+            <a:r>
+              <a:rPr lang="en-AU" sz="2800" b="1" dirty="0" smtClean="0"/>
+              <a:t>’</a:t>
+            </a:r>
+            <a:endParaRPr lang="en-AU" sz="2800" b="1" dirty="0"/>
+          </a:p>
+        </p:txBody>
+      </p:sp>
+      <p:pic>
+        <p:nvPicPr>
+          <p:cNvPr id="7" name="Picture 6"/>
+          <p:cNvPicPr>
+            <a:picLocks noChangeAspect="1"/>
+          </p:cNvPicPr>
+          <p:nvPr/>
+        </p:nvPicPr>
+        <p:blipFill>
+          <a:blip r:embed="rId2"/>
+          <a:stretch>
+            <a:fillRect/>
+          </a:stretch>
+        </p:blipFill>
+        <p:spPr>
+          <a:xfrm>
+            <a:off x="5843457" y="4728991"/>
+            <a:ext cx="5829300" cy="942975"/>
+          </a:xfrm>
+          <a:prstGeom prst="rect">
+            <a:avLst/>
+          </a:prstGeom>
+        </p:spPr>
+      </p:pic>
+      <p:pic>
+        <p:nvPicPr>
+          <p:cNvPr id="8" name="Picture 7"/>
+          <p:cNvPicPr>
+            <a:picLocks noChangeAspect="1"/>
+          </p:cNvPicPr>
+          <p:nvPr/>
+        </p:nvPicPr>
+        <p:blipFill>
+          <a:blip r:embed="rId3"/>
+          <a:stretch>
+            <a:fillRect/>
+          </a:stretch>
+        </p:blipFill>
+        <p:spPr>
+          <a:xfrm>
+            <a:off x="214182" y="5762108"/>
+            <a:ext cx="8010525" cy="962025"/>
+          </a:xfrm>
+          <a:prstGeom prst="rect">
+            <a:avLst/>
+          </a:prstGeom>
+        </p:spPr>
+      </p:pic>
+      <p:pic>
+        <p:nvPicPr>
+          <p:cNvPr id="3" name="Picture 2"/>
+          <p:cNvPicPr>
+            <a:picLocks noChangeAspect="1"/>
+          </p:cNvPicPr>
+          <p:nvPr/>
+        </p:nvPicPr>
+        <p:blipFill>
+          <a:blip r:embed="rId4"/>
+          <a:stretch>
+            <a:fillRect/>
+          </a:stretch>
+        </p:blipFill>
+        <p:spPr>
+          <a:xfrm>
+            <a:off x="518983" y="645308"/>
+            <a:ext cx="8496300" cy="3952875"/>
+          </a:xfrm>
+          <a:prstGeom prst="rect">
+            <a:avLst/>
+          </a:prstGeom>
+        </p:spPr>
+      </p:pic>
+      <p:sp>
+        <p:nvSpPr>
+          <p:cNvPr id="2" name="Slide Number Placeholder 1"/>
+          <p:cNvSpPr>
+            <a:spLocks noGrp="1"/>
+          </p:cNvSpPr>
+          <p:nvPr>
+            <p:ph type="sldNum" sz="quarter" idx="12"/>
+          </p:nvPr>
+        </p:nvSpPr>
+        <p:spPr>
+          <a:xfrm>
+            <a:off x="11989887" y="6359008"/>
+            <a:ext cx="202113" cy="365125"/>
+          </a:xfrm>
+        </p:spPr>
+        <p:txBody>
+          <a:bodyPr/>
+          <a:lstStyle/>
+          <a:p>
+            <a:fld id="{4FAB73BC-B049-4115-A692-8D63A059BFB8}" type="slidenum">
+              <a:rPr lang="en-US" smtClean="0"/>
+              <a:t>5</a:t>
+            </a:fld>
+            <a:endParaRPr lang="en-US" dirty="0"/>
+          </a:p>
+        </p:txBody>
+      </p:sp>
+    </p:spTree>
+    <p:extLst>
+      <p:ext uri="{BB962C8B-B14F-4D97-AF65-F5344CB8AC3E}">
+        <p14:creationId xmlns:p14="http://schemas.microsoft.com/office/powerpoint/2010/main" val="2049483848"/>
+      </p:ext>
+    </p:extLst>
+  </p:cSld>
+  <p:clrMapOvr>
+    <a:masterClrMapping/>
+  </p:clrMapOvr>
+  <p:timing>
+    <p:tnLst>
+      <p:par>
+        <p:cTn id="1" dur="indefinite" restart="never" nodeType="tmRoot"/>
+      </p:par>
+    </p:tnLst>
+  </p:timing>
+</p:sld>
+</file>
+
+<file path=ppt/slides/slide6.xml><?xml version="1.0" encoding="utf-8"?>
+<p:sld xmlns:a="http://schemas.openxmlformats.org/drawingml/2006/main" xmlns:r="http://schemas.openxmlformats.org/officeDocument/2006/relationships" xmlns:p="http://schemas.openxmlformats.org/presentationml/2006/main">
+  <p:cSld>
+    <p:spTree>
+      <p:nvGrpSpPr>
+        <p:cNvPr id="1" name=""/>
+        <p:cNvGrpSpPr/>
+        <p:nvPr/>
+      </p:nvGrpSpPr>
+      <p:grpSpPr>
+        <a:xfrm>
+          <a:off x="0" y="0"/>
+          <a:ext cx="0" cy="0"/>
+          <a:chOff x="0" y="0"/>
+          <a:chExt cx="0" cy="0"/>
+        </a:xfrm>
+      </p:grpSpPr>
+      <p:sp>
+        <p:nvSpPr>
+          <p:cNvPr id="2" name="TextBox 1"/>
+          <p:cNvSpPr txBox="1"/>
+          <p:nvPr/>
+        </p:nvSpPr>
+        <p:spPr>
+          <a:xfrm>
+            <a:off x="214183" y="148282"/>
+            <a:ext cx="8015417" cy="646331"/>
+          </a:xfrm>
+          <a:prstGeom prst="rect">
+            <a:avLst/>
+          </a:prstGeom>
+          <a:noFill/>
+        </p:spPr>
+        <p:txBody>
+          <a:bodyPr wrap="square" rtlCol="0">
+            <a:spAutoFit/>
+          </a:bodyPr>
+          <a:lstStyle/>
+          <a:p>
+            <a:r>
+              <a:rPr lang="en-AU" sz="3600" b="1" dirty="0" smtClean="0"/>
+              <a:t>Custom Validator with </a:t>
+            </a:r>
+            <a:r>
+              <a:rPr lang="en-AU" sz="3600" b="1" dirty="0" smtClean="0"/>
+              <a:t>arguments</a:t>
+            </a:r>
+            <a:endParaRPr lang="en-AU" sz="3600" b="1" dirty="0"/>
+          </a:p>
+        </p:txBody>
+      </p:sp>
+      <p:pic>
+        <p:nvPicPr>
+          <p:cNvPr id="3" name="Picture 2"/>
+          <p:cNvPicPr>
+            <a:picLocks noChangeAspect="1"/>
+          </p:cNvPicPr>
+          <p:nvPr/>
+        </p:nvPicPr>
+        <p:blipFill>
+          <a:blip r:embed="rId2"/>
+          <a:stretch>
+            <a:fillRect/>
+          </a:stretch>
+        </p:blipFill>
+        <p:spPr>
+          <a:xfrm>
+            <a:off x="435854" y="922636"/>
+            <a:ext cx="9490741" cy="5634343"/>
+          </a:xfrm>
+          <a:prstGeom prst="rect">
+            <a:avLst/>
+          </a:prstGeom>
+        </p:spPr>
+      </p:pic>
+      <p:sp>
+        <p:nvSpPr>
+          <p:cNvPr id="4" name="Slide Number Placeholder 3"/>
+          <p:cNvSpPr>
+            <a:spLocks noGrp="1"/>
+          </p:cNvSpPr>
+          <p:nvPr>
+            <p:ph type="sldNum" sz="quarter" idx="12"/>
+          </p:nvPr>
+        </p:nvSpPr>
+        <p:spPr>
+          <a:xfrm>
+            <a:off x="11979727" y="6331414"/>
+            <a:ext cx="212273" cy="365125"/>
+          </a:xfrm>
+        </p:spPr>
+        <p:txBody>
+          <a:bodyPr/>
+          <a:lstStyle/>
+          <a:p>
+            <a:fld id="{4FAB73BC-B049-4115-A692-8D63A059BFB8}" type="slidenum">
+              <a:rPr lang="en-US" smtClean="0"/>
+              <a:t>6</a:t>
+            </a:fld>
+            <a:endParaRPr lang="en-US" dirty="0"/>
+          </a:p>
+        </p:txBody>
+      </p:sp>
+    </p:spTree>
+    <p:extLst>
+      <p:ext uri="{BB962C8B-B14F-4D97-AF65-F5344CB8AC3E}">
+        <p14:creationId xmlns:p14="http://schemas.microsoft.com/office/powerpoint/2010/main" val="3895582943"/>
+      </p:ext>
+    </p:extLst>
+  </p:cSld>
+  <p:clrMapOvr>
+    <a:masterClrMapping/>
+  </p:clrMapOvr>
+  <p:timing>
+    <p:tnLst>
+      <p:par>
+        <p:cTn id="1" dur="indefinite" restart="never" nodeType="tmRoot">
+          <p:childTnLst>
+            <p:seq concurrent="1" nextAc="seek">
+              <p:cTn id="2" dur="indefinite" nodeType="mainSeq">
+                <p:childTnLst>
+                  <p:par>
+                    <p:cTn id="3" fill="hold">
+                      <p:stCondLst>
+                        <p:cond delay="indefinite"/>
+                      </p:stCondLst>
+                      <p:childTnLst>
+                        <p:par>
+                          <p:cTn id="4" fill="hold">
+                            <p:stCondLst>
+                              <p:cond delay="0"/>
+                            </p:stCondLst>
+                            <p:childTnLst>
+                              <p:par>
+                                <p:cTn id="5" presetID="10" presetClass="entr" presetSubtype="0" fill="hold" nodeType="clickEffect">
+                                  <p:stCondLst>
+                                    <p:cond delay="0"/>
+                                  </p:stCondLst>
+                                  <p:childTnLst>
+                                    <p:set>
+                                      <p:cBhvr>
+                                        <p:cTn id="6" dur="1" fill="hold">
+                                          <p:stCondLst>
+                                            <p:cond delay="0"/>
+                                          </p:stCondLst>
+                                        </p:cTn>
+                                        <p:tgtEl>
+                                          <p:spTgt spid="3"/>
+                                        </p:tgtEl>
+                                        <p:attrNameLst>
+                                          <p:attrName>style.visibility</p:attrName>
+                                        </p:attrNameLst>
+                                      </p:cBhvr>
+                                      <p:to>
+                                        <p:strVal val="visible"/>
+                                      </p:to>
+                                    </p:set>
+                                    <p:animEffect transition="in" filter="fade">
+                                      <p:cBhvr>
+                                        <p:cTn id="7" dur="500"/>
+                                        <p:tgtEl>
+                                          <p:spTgt spid="3"/>
+                                        </p:tgtEl>
+                                      </p:cBhvr>
+                                    </p:animEffect>
+                                  </p:childTnLst>
+                                </p:cTn>
+                              </p:par>
+                            </p:childTnLst>
+                          </p:cTn>
+                        </p:par>
+                      </p:childTnLst>
+                    </p:cTn>
+                  </p:par>
+                </p:childTnLst>
+              </p:cTn>
+              <p:prevCondLst>
+                <p:cond evt="onPrev" delay="0">
+                  <p:tgtEl>
+                    <p:sldTgt/>
+                  </p:tgtEl>
+                </p:cond>
+              </p:prevCondLst>
+              <p:nextCondLst>
+                <p:cond evt="onNext" delay="0">
+                  <p:tgtEl>
+                    <p:sldTgt/>
+                  </p:tgtEl>
+                </p:cond>
+              </p:nextCondLst>
+            </p:seq>
+          </p:childTnLst>
+        </p:cTn>
+      </p:par>
+    </p:tnLst>
+  </p:timing>
+</p:sld>
+</file>
+
+<file path=ppt/slides/slide7.xml><?xml version="1.0" encoding="utf-8"?>
+<p:sld xmlns:a="http://schemas.openxmlformats.org/drawingml/2006/main" xmlns:r="http://schemas.openxmlformats.org/officeDocument/2006/relationships" xmlns:p="http://schemas.openxmlformats.org/presentationml/2006/main">
+  <p:cSld>
+    <p:spTree>
+      <p:nvGrpSpPr>
+        <p:cNvPr id="1" name=""/>
+        <p:cNvGrpSpPr/>
+        <p:nvPr/>
+      </p:nvGrpSpPr>
+      <p:grpSpPr>
+        <a:xfrm>
+          <a:off x="0" y="0"/>
+          <a:ext cx="0" cy="0"/>
+          <a:chOff x="0" y="0"/>
+          <a:chExt cx="0" cy="0"/>
+        </a:xfrm>
+      </p:grpSpPr>
+      <p:sp>
+        <p:nvSpPr>
+          <p:cNvPr id="2" name="TextBox 1"/>
+          <p:cNvSpPr txBox="1"/>
+          <p:nvPr/>
+        </p:nvSpPr>
+        <p:spPr>
+          <a:xfrm>
+            <a:off x="214183" y="148282"/>
+            <a:ext cx="11236412" cy="584775"/>
+          </a:xfrm>
+          <a:prstGeom prst="rect">
+            <a:avLst/>
+          </a:prstGeom>
+          <a:noFill/>
+        </p:spPr>
+        <p:txBody>
+          <a:bodyPr wrap="square" rtlCol="0">
+            <a:spAutoFit/>
+          </a:bodyPr>
+          <a:lstStyle/>
+          <a:p>
+            <a:r>
+              <a:rPr lang="en-AU" sz="3200" b="1" dirty="0" smtClean="0"/>
+              <a:t>Calling Custom Validator with </a:t>
+            </a:r>
+            <a:r>
+              <a:rPr lang="en-AU" sz="3200" b="1" dirty="0" smtClean="0"/>
+              <a:t>arguments </a:t>
+            </a:r>
+            <a:r>
+              <a:rPr lang="en-AU" sz="3200" b="1" dirty="0" smtClean="0"/>
+              <a:t>in Reactive Form</a:t>
+            </a:r>
+            <a:endParaRPr lang="en-AU" sz="3200" b="1" dirty="0"/>
+          </a:p>
+        </p:txBody>
+      </p:sp>
+      <p:pic>
+        <p:nvPicPr>
+          <p:cNvPr id="3" name="Picture 2"/>
+          <p:cNvPicPr>
+            <a:picLocks noChangeAspect="1"/>
+          </p:cNvPicPr>
+          <p:nvPr/>
+        </p:nvPicPr>
+        <p:blipFill>
+          <a:blip r:embed="rId2"/>
+          <a:stretch>
+            <a:fillRect/>
+          </a:stretch>
+        </p:blipFill>
+        <p:spPr>
+          <a:xfrm>
+            <a:off x="555796" y="1092542"/>
+            <a:ext cx="5429250" cy="4953000"/>
+          </a:xfrm>
+          <a:prstGeom prst="rect">
+            <a:avLst/>
+          </a:prstGeom>
+        </p:spPr>
+      </p:pic>
+      <p:pic>
+        <p:nvPicPr>
+          <p:cNvPr id="4" name="Picture 3"/>
+          <p:cNvPicPr>
+            <a:picLocks noChangeAspect="1"/>
+          </p:cNvPicPr>
+          <p:nvPr/>
+        </p:nvPicPr>
+        <p:blipFill>
+          <a:blip r:embed="rId3"/>
+          <a:stretch>
+            <a:fillRect/>
+          </a:stretch>
+        </p:blipFill>
+        <p:spPr>
+          <a:xfrm>
+            <a:off x="6275559" y="2637267"/>
+            <a:ext cx="5572125" cy="1171575"/>
+          </a:xfrm>
+          <a:prstGeom prst="rect">
+            <a:avLst/>
+          </a:prstGeom>
+        </p:spPr>
+      </p:pic>
+      <p:sp>
+        <p:nvSpPr>
+          <p:cNvPr id="5" name="Slide Number Placeholder 4"/>
+          <p:cNvSpPr>
+            <a:spLocks noGrp="1"/>
+          </p:cNvSpPr>
+          <p:nvPr>
+            <p:ph type="sldNum" sz="quarter" idx="12"/>
+          </p:nvPr>
+        </p:nvSpPr>
+        <p:spPr>
+          <a:xfrm>
+            <a:off x="12010207" y="6331414"/>
+            <a:ext cx="181793" cy="365125"/>
+          </a:xfrm>
+        </p:spPr>
+        <p:txBody>
+          <a:bodyPr/>
+          <a:lstStyle/>
+          <a:p>
+            <a:fld id="{4FAB73BC-B049-4115-A692-8D63A059BFB8}" type="slidenum">
+              <a:rPr lang="en-US" smtClean="0"/>
+              <a:t>7</a:t>
+            </a:fld>
+            <a:endParaRPr lang="en-US" dirty="0"/>
+          </a:p>
+        </p:txBody>
+      </p:sp>
+    </p:spTree>
+    <p:extLst>
+      <p:ext uri="{BB962C8B-B14F-4D97-AF65-F5344CB8AC3E}">
+        <p14:creationId xmlns:p14="http://schemas.microsoft.com/office/powerpoint/2010/main" val="1098784061"/>
+      </p:ext>
+    </p:extLst>
+  </p:cSld>
+  <p:clrMapOvr>
+    <a:masterClrMapping/>
+  </p:clrMapOvr>
+  <p:timing>
+    <p:tnLst>
+      <p:par>
+        <p:cTn id="1" dur="indefinite" restart="never" nodeType="tmRoot"/>
+      </p:par>
+    </p:tnLst>
+  </p:timing>
+</p:sld>
+</file>
+
+<file path=ppt/slides/slide8.xml><?xml version="1.0" encoding="utf-8"?>
+<p:sld xmlns:a="http://schemas.openxmlformats.org/drawingml/2006/main" xmlns:r="http://schemas.openxmlformats.org/officeDocument/2006/relationships" xmlns:p="http://schemas.openxmlformats.org/presentationml/2006/main">
+  <p:cSld>
+    <p:spTree>
+      <p:nvGrpSpPr>
+        <p:cNvPr id="1" name=""/>
+        <p:cNvGrpSpPr/>
+        <p:nvPr/>
+      </p:nvGrpSpPr>
+      <p:grpSpPr>
+        <a:xfrm>
+          <a:off x="0" y="0"/>
+          <a:ext cx="0" cy="0"/>
+          <a:chOff x="0" y="0"/>
+          <a:chExt cx="0" cy="0"/>
+        </a:xfrm>
+      </p:grpSpPr>
+      <p:sp>
+        <p:nvSpPr>
+          <p:cNvPr id="2" name="TextBox 1"/>
+          <p:cNvSpPr txBox="1"/>
+          <p:nvPr/>
+        </p:nvSpPr>
+        <p:spPr>
+          <a:xfrm>
+            <a:off x="214183" y="148282"/>
+            <a:ext cx="8015417" cy="646331"/>
+          </a:xfrm>
+          <a:prstGeom prst="rect">
+            <a:avLst/>
+          </a:prstGeom>
+          <a:noFill/>
+        </p:spPr>
+        <p:txBody>
+          <a:bodyPr wrap="square" rtlCol="0">
+            <a:spAutoFit/>
+          </a:bodyPr>
+          <a:lstStyle/>
+          <a:p>
+            <a:r>
+              <a:rPr lang="en-AU" sz="3600" b="1" dirty="0" smtClean="0"/>
+              <a:t>Directives</a:t>
+            </a:r>
+            <a:endParaRPr lang="en-AU" sz="3600" b="1" dirty="0"/>
+          </a:p>
+        </p:txBody>
+      </p:sp>
+      <p:sp>
+        <p:nvSpPr>
+          <p:cNvPr id="3" name="Rectangle 3"/>
+          <p:cNvSpPr>
+            <a:spLocks noChangeArrowheads="1"/>
+          </p:cNvSpPr>
+          <p:nvPr/>
+        </p:nvSpPr>
+        <p:spPr bwMode="auto">
+          <a:xfrm>
+            <a:off x="706372" y="1033511"/>
+            <a:ext cx="10620656" cy="3735959"/>
+          </a:xfrm>
+          <a:prstGeom prst="rect">
+            <a:avLst/>
+          </a:prstGeom>
+          <a:noFill/>
+          <a:ln>
+            <a:noFill/>
+          </a:ln>
+          <a:effectLst/>
+        </p:spPr>
+        <p:txBody>
+          <a:bodyPr vert="horz" wrap="square" lIns="91440" tIns="45720" rIns="91440" bIns="45720" numCol="1" anchor="ctr" anchorCtr="0" compatLnSpc="1">
+            <a:prstTxWarp prst="textNoShape">
+              <a:avLst/>
+            </a:prstTxWarp>
+            <a:spAutoFit/>
+          </a:bodyPr>
+          <a:lstStyle>
+            <a:lvl1pPr eaLnBrk="0" fontAlgn="base" hangingPunct="0">
+              <a:spcBef>
+                <a:spcPct val="0"/>
+              </a:spcBef>
+              <a:spcAft>
+                <a:spcPct val="0"/>
+              </a:spcAft>
+              <a:defRPr>
+                <a:solidFill>
+                  <a:schemeClr val="tx1"/>
+                </a:solidFill>
+                <a:latin typeface="Arial" panose="020B0604020202020204" pitchFamily="34" charset="0"/>
+              </a:defRPr>
+            </a:lvl1pPr>
+            <a:lvl2pPr eaLnBrk="0" fontAlgn="base" hangingPunct="0">
+              <a:spcBef>
+                <a:spcPct val="0"/>
+              </a:spcBef>
+              <a:spcAft>
+                <a:spcPct val="0"/>
+              </a:spcAft>
+              <a:defRPr>
+                <a:solidFill>
+                  <a:schemeClr val="tx1"/>
+                </a:solidFill>
+                <a:latin typeface="Arial" panose="020B0604020202020204" pitchFamily="34" charset="0"/>
+              </a:defRPr>
+            </a:lvl2pPr>
+            <a:lvl3pPr eaLnBrk="0" fontAlgn="base" hangingPunct="0">
+              <a:spcBef>
+                <a:spcPct val="0"/>
+              </a:spcBef>
+              <a:spcAft>
+                <a:spcPct val="0"/>
+              </a:spcAft>
+              <a:defRPr>
+                <a:solidFill>
+                  <a:schemeClr val="tx1"/>
+                </a:solidFill>
+                <a:latin typeface="Arial" panose="020B0604020202020204" pitchFamily="34" charset="0"/>
+              </a:defRPr>
+            </a:lvl3pPr>
+            <a:lvl4pPr eaLnBrk="0" fontAlgn="base" hangingPunct="0">
+              <a:spcBef>
+                <a:spcPct val="0"/>
+              </a:spcBef>
+              <a:spcAft>
+                <a:spcPct val="0"/>
+              </a:spcAft>
+              <a:defRPr>
+                <a:solidFill>
+                  <a:schemeClr val="tx1"/>
+                </a:solidFill>
+                <a:latin typeface="Arial" panose="020B0604020202020204" pitchFamily="34" charset="0"/>
+              </a:defRPr>
+            </a:lvl4pPr>
+            <a:lvl5pPr eaLnBrk="0" fontAlgn="base" hangingPunct="0">
+              <a:spcBef>
+                <a:spcPct val="0"/>
+              </a:spcBef>
+              <a:spcAft>
+                <a:spcPct val="0"/>
+              </a:spcAft>
+              <a:defRPr>
+                <a:solidFill>
+                  <a:schemeClr val="tx1"/>
+                </a:solidFill>
+                <a:latin typeface="Arial" panose="020B0604020202020204" pitchFamily="34" charset="0"/>
+              </a:defRPr>
+            </a:lvl5pPr>
+            <a:lvl6pPr eaLnBrk="0" fontAlgn="base" hangingPunct="0">
+              <a:spcBef>
+                <a:spcPct val="0"/>
+              </a:spcBef>
+              <a:spcAft>
+                <a:spcPct val="0"/>
+              </a:spcAft>
+              <a:defRPr>
+                <a:solidFill>
+                  <a:schemeClr val="tx1"/>
+                </a:solidFill>
+                <a:latin typeface="Arial" panose="020B0604020202020204" pitchFamily="34" charset="0"/>
+              </a:defRPr>
+            </a:lvl6pPr>
+            <a:lvl7pPr eaLnBrk="0" fontAlgn="base" hangingPunct="0">
+              <a:spcBef>
+                <a:spcPct val="0"/>
+              </a:spcBef>
+              <a:spcAft>
+                <a:spcPct val="0"/>
+              </a:spcAft>
+              <a:defRPr>
+                <a:solidFill>
+                  <a:schemeClr val="tx1"/>
+                </a:solidFill>
+                <a:latin typeface="Arial" panose="020B0604020202020204" pitchFamily="34" charset="0"/>
+              </a:defRPr>
+            </a:lvl7pPr>
+            <a:lvl8pPr eaLnBrk="0" fontAlgn="base" hangingPunct="0">
+              <a:spcBef>
+                <a:spcPct val="0"/>
+              </a:spcBef>
+              <a:spcAft>
+                <a:spcPct val="0"/>
+              </a:spcAft>
+              <a:defRPr>
+                <a:solidFill>
+                  <a:schemeClr val="tx1"/>
+                </a:solidFill>
+                <a:latin typeface="Arial" panose="020B0604020202020204" pitchFamily="34" charset="0"/>
+              </a:defRPr>
+            </a:lvl8pPr>
+            <a:lvl9pPr eaLnBrk="0" fontAlgn="base" hangingPunct="0">
+              <a:spcBef>
+                <a:spcPct val="0"/>
+              </a:spcBef>
+              <a:spcAft>
+                <a:spcPct val="0"/>
+              </a:spcAft>
+              <a:defRPr>
+                <a:solidFill>
+                  <a:schemeClr val="tx1"/>
+                </a:solidFill>
+                <a:latin typeface="Arial" panose="020B0604020202020204" pitchFamily="34" charset="0"/>
+              </a:defRPr>
+            </a:lvl9pPr>
+          </a:lstStyle>
+          <a:p>
+            <a:pPr marL="342900" indent="-342900" defTabSz="914400">
+              <a:lnSpc>
+                <a:spcPct val="150000"/>
+              </a:lnSpc>
+              <a:buFont typeface="Arial" panose="020B0604020202020204" pitchFamily="34" charset="0"/>
+              <a:buChar char="•"/>
+            </a:pPr>
+            <a:r>
+              <a:rPr lang="en-AU" altLang="en-US" sz="2000" dirty="0" smtClean="0">
+                <a:latin typeface="Calibri" panose="020F0502020204030204" pitchFamily="34" charset="0"/>
+              </a:rPr>
+              <a:t>Components -  </a:t>
+            </a:r>
+            <a:r>
+              <a:rPr lang="en-AU" sz="2000" dirty="0"/>
+              <a:t>directives with a template</a:t>
+            </a:r>
+            <a:r>
+              <a:rPr lang="en-AU" altLang="en-US" sz="2000" dirty="0" smtClean="0">
+                <a:latin typeface="Calibri" panose="020F0502020204030204" pitchFamily="34" charset="0"/>
+              </a:rPr>
+              <a:t> </a:t>
+            </a:r>
+            <a:br>
+              <a:rPr lang="en-AU" altLang="en-US" sz="2000" dirty="0" smtClean="0">
+                <a:latin typeface="Calibri" panose="020F0502020204030204" pitchFamily="34" charset="0"/>
+              </a:rPr>
+            </a:br>
+            <a:r>
+              <a:rPr lang="en-AU" altLang="en-US" sz="2000" dirty="0" smtClean="0">
+                <a:latin typeface="Calibri" panose="020F0502020204030204" pitchFamily="34" charset="0"/>
+              </a:rPr>
+              <a:t>&lt;</a:t>
+            </a:r>
+            <a:r>
+              <a:rPr lang="en-AU" altLang="en-US" sz="2000" dirty="0" smtClean="0">
+                <a:solidFill>
+                  <a:srgbClr val="FF0000"/>
+                </a:solidFill>
+                <a:latin typeface="Calibri" panose="020F0502020204030204" pitchFamily="34" charset="0"/>
+              </a:rPr>
+              <a:t>my-custom-component-</a:t>
+            </a:r>
+            <a:r>
+              <a:rPr lang="en-AU" altLang="en-US" sz="2000" dirty="0" err="1" smtClean="0">
+                <a:solidFill>
+                  <a:srgbClr val="FF0000"/>
+                </a:solidFill>
+                <a:latin typeface="Calibri" panose="020F0502020204030204" pitchFamily="34" charset="0"/>
+              </a:rPr>
+              <a:t>dir</a:t>
+            </a:r>
+            <a:r>
+              <a:rPr lang="en-AU" altLang="en-US" sz="2000" dirty="0" smtClean="0">
+                <a:latin typeface="Calibri" panose="020F0502020204030204" pitchFamily="34" charset="0"/>
+              </a:rPr>
+              <a:t>&gt;&lt;/</a:t>
+            </a:r>
+            <a:r>
+              <a:rPr lang="en-AU" altLang="en-US" sz="2000" dirty="0" smtClean="0">
+                <a:solidFill>
+                  <a:srgbClr val="FF0000"/>
+                </a:solidFill>
+                <a:latin typeface="Calibri" panose="020F0502020204030204" pitchFamily="34" charset="0"/>
+              </a:rPr>
+              <a:t>my-custom-component-</a:t>
+            </a:r>
+            <a:r>
+              <a:rPr lang="en-AU" altLang="en-US" sz="2000" dirty="0" err="1" smtClean="0">
+                <a:solidFill>
+                  <a:srgbClr val="FF0000"/>
+                </a:solidFill>
+                <a:latin typeface="Calibri" panose="020F0502020204030204" pitchFamily="34" charset="0"/>
+              </a:rPr>
+              <a:t>dir</a:t>
+            </a:r>
+            <a:r>
+              <a:rPr lang="en-AU" altLang="en-US" sz="2000" dirty="0" smtClean="0">
+                <a:latin typeface="Calibri" panose="020F0502020204030204" pitchFamily="34" charset="0"/>
+              </a:rPr>
+              <a:t>&gt;</a:t>
+            </a:r>
+            <a:br>
+              <a:rPr lang="en-AU" altLang="en-US" sz="2000" dirty="0" smtClean="0">
+                <a:latin typeface="Calibri" panose="020F0502020204030204" pitchFamily="34" charset="0"/>
+              </a:rPr>
+            </a:br>
+            <a:endParaRPr lang="en-AU" altLang="en-US" sz="2000" dirty="0" smtClean="0">
+              <a:latin typeface="Calibri" panose="020F0502020204030204" pitchFamily="34" charset="0"/>
+            </a:endParaRPr>
+          </a:p>
+          <a:p>
+            <a:pPr marL="342900" indent="-342900" defTabSz="914400">
+              <a:lnSpc>
+                <a:spcPct val="150000"/>
+              </a:lnSpc>
+              <a:buFont typeface="Arial" panose="020B0604020202020204" pitchFamily="34" charset="0"/>
+              <a:buChar char="•"/>
+            </a:pPr>
+            <a:r>
+              <a:rPr kumimoji="0" lang="en-AU" altLang="en-US" sz="2000" b="0" i="0" u="none" strike="noStrike" cap="none" normalizeH="0" baseline="0" dirty="0" smtClean="0">
+                <a:ln>
+                  <a:noFill/>
+                </a:ln>
+                <a:effectLst/>
+                <a:latin typeface="Calibri" panose="020F0502020204030204" pitchFamily="34" charset="0"/>
+              </a:rPr>
+              <a:t>Structural Directives - </a:t>
+            </a:r>
+            <a:r>
+              <a:rPr lang="en-AU" sz="2000" dirty="0"/>
+              <a:t>change the DOM layout by adding and removing DOM elements</a:t>
+            </a:r>
+            <a:r>
+              <a:rPr lang="en-AU" sz="2000" dirty="0" smtClean="0"/>
+              <a:t>.</a:t>
+            </a:r>
+            <a:br>
+              <a:rPr lang="en-AU" sz="2000" dirty="0" smtClean="0"/>
+            </a:br>
+            <a:r>
+              <a:rPr lang="en-AU" sz="2000" dirty="0"/>
+              <a:t>&lt;p </a:t>
+            </a:r>
+            <a:r>
+              <a:rPr lang="en-AU" sz="2000" dirty="0">
+                <a:solidFill>
+                  <a:srgbClr val="FF0000"/>
+                </a:solidFill>
+              </a:rPr>
+              <a:t>*</a:t>
+            </a:r>
+            <a:r>
+              <a:rPr lang="en-AU" sz="2000" dirty="0" err="1">
+                <a:solidFill>
+                  <a:srgbClr val="FF0000"/>
+                </a:solidFill>
+              </a:rPr>
+              <a:t>ngIf</a:t>
+            </a:r>
+            <a:r>
+              <a:rPr lang="en-AU" sz="2000" dirty="0"/>
+              <a:t>="form1.controls['amount1'].</a:t>
+            </a:r>
+            <a:r>
+              <a:rPr lang="en-AU" sz="2000" dirty="0" err="1"/>
+              <a:t>errors.pattern</a:t>
+            </a:r>
+            <a:r>
+              <a:rPr lang="en-AU" sz="2000" dirty="0"/>
+              <a:t>"&gt;Invalid Amount&lt;/p</a:t>
+            </a:r>
+            <a:r>
+              <a:rPr lang="en-AU" sz="2000" dirty="0" smtClean="0"/>
+              <a:t>&gt;</a:t>
+            </a:r>
+            <a:br>
+              <a:rPr lang="en-AU" sz="2000" dirty="0" smtClean="0"/>
+            </a:br>
+            <a:r>
+              <a:rPr lang="en-AU" sz="2000" dirty="0"/>
+              <a:t>&lt;</a:t>
+            </a:r>
+            <a:r>
+              <a:rPr lang="en-AU" sz="2000" dirty="0" err="1"/>
+              <a:t>ul</a:t>
+            </a:r>
+            <a:r>
+              <a:rPr lang="en-AU" sz="2000" dirty="0"/>
+              <a:t>&gt; &lt;li </a:t>
+            </a:r>
+            <a:r>
+              <a:rPr lang="en-AU" sz="2000" dirty="0">
+                <a:solidFill>
+                  <a:srgbClr val="FF0000"/>
+                </a:solidFill>
+              </a:rPr>
+              <a:t>*</a:t>
+            </a:r>
+            <a:r>
+              <a:rPr lang="en-AU" sz="2000" dirty="0" err="1">
+                <a:solidFill>
+                  <a:srgbClr val="FF0000"/>
+                </a:solidFill>
+              </a:rPr>
+              <a:t>ngFor</a:t>
+            </a:r>
+            <a:r>
+              <a:rPr lang="en-AU" sz="2000" dirty="0"/>
+              <a:t>="let hero of heroes"&gt;{{hero.name}}&lt;/li&gt; &lt;/</a:t>
+            </a:r>
+            <a:r>
+              <a:rPr lang="en-AU" sz="2000" dirty="0" err="1"/>
+              <a:t>ul</a:t>
+            </a:r>
+            <a:r>
+              <a:rPr lang="en-AU" sz="2000" dirty="0"/>
+              <a:t>&gt;</a:t>
+            </a:r>
+          </a:p>
+          <a:p>
+            <a:pPr marL="342900" lvl="0" indent="-342900" defTabSz="914400">
+              <a:lnSpc>
+                <a:spcPct val="150000"/>
+              </a:lnSpc>
+              <a:buFont typeface="Arial" panose="020B0604020202020204" pitchFamily="34" charset="0"/>
+              <a:buChar char="•"/>
+            </a:pPr>
+            <a:endParaRPr kumimoji="0" lang="en-AU" altLang="en-US" sz="2000" b="0" i="0" u="none" strike="noStrike" cap="none" normalizeH="0" baseline="0" dirty="0" smtClean="0">
+              <a:ln>
+                <a:noFill/>
+              </a:ln>
+              <a:effectLst/>
+              <a:latin typeface="Calibri" panose="020F0502020204030204" pitchFamily="34" charset="0"/>
+            </a:endParaRPr>
+          </a:p>
+          <a:p>
+            <a:pPr marL="342900" lvl="0" indent="-342900" defTabSz="914400">
+              <a:lnSpc>
+                <a:spcPct val="150000"/>
+              </a:lnSpc>
+              <a:buFont typeface="Arial" panose="020B0604020202020204" pitchFamily="34" charset="0"/>
+              <a:buChar char="•"/>
+            </a:pPr>
+            <a:r>
+              <a:rPr lang="en-AU" altLang="en-US" sz="2000" dirty="0" smtClean="0">
+                <a:latin typeface="Calibri" panose="020F0502020204030204" pitchFamily="34" charset="0"/>
+              </a:rPr>
+              <a:t>Attribute Directives - </a:t>
+            </a:r>
+            <a:r>
+              <a:rPr lang="en-AU" sz="2000" dirty="0"/>
+              <a:t>change the appearance or </a:t>
+            </a:r>
+            <a:r>
+              <a:rPr lang="en-AU" sz="2000" dirty="0" err="1"/>
+              <a:t>behavior</a:t>
+            </a:r>
+            <a:r>
+              <a:rPr lang="en-AU" sz="2000" dirty="0"/>
+              <a:t> of an element, component</a:t>
+            </a:r>
+            <a:endParaRPr kumimoji="0" lang="en-US" altLang="en-US" sz="2000" b="0" i="0" u="none" strike="noStrike" cap="none" normalizeH="0" baseline="0" dirty="0" smtClean="0">
+              <a:ln>
+                <a:noFill/>
+              </a:ln>
+              <a:effectLst/>
+              <a:latin typeface="Calibri" panose="020F0502020204030204" pitchFamily="34" charset="0"/>
+            </a:endParaRPr>
+          </a:p>
+        </p:txBody>
+      </p:sp>
+      <p:sp>
+        <p:nvSpPr>
+          <p:cNvPr id="4" name="Slide Number Placeholder 3"/>
+          <p:cNvSpPr>
+            <a:spLocks noGrp="1"/>
+          </p:cNvSpPr>
+          <p:nvPr>
+            <p:ph type="sldNum" sz="quarter" idx="12"/>
+          </p:nvPr>
+        </p:nvSpPr>
+        <p:spPr>
+          <a:xfrm>
+            <a:off x="11979727" y="6331414"/>
+            <a:ext cx="191953" cy="365125"/>
+          </a:xfrm>
+        </p:spPr>
+        <p:txBody>
+          <a:bodyPr/>
+          <a:lstStyle/>
+          <a:p>
+            <a:fld id="{4FAB73BC-B049-4115-A692-8D63A059BFB8}" type="slidenum">
+              <a:rPr lang="en-US" smtClean="0"/>
+              <a:t>8</a:t>
+            </a:fld>
+            <a:endParaRPr lang="en-US" dirty="0"/>
+          </a:p>
+        </p:txBody>
+      </p:sp>
+    </p:spTree>
+    <p:extLst>
+      <p:ext uri="{BB962C8B-B14F-4D97-AF65-F5344CB8AC3E}">
+        <p14:creationId xmlns:p14="http://schemas.microsoft.com/office/powerpoint/2010/main" val="669798153"/>
+      </p:ext>
+    </p:extLst>
+  </p:cSld>
+  <p:clrMapOvr>
+    <a:masterClrMapping/>
+  </p:clrMapOvr>
+  <p:timing>
+    <p:tnLst>
+      <p:par>
+        <p:cTn id="1" dur="indefinite" restart="never" nodeType="tmRoot"/>
+      </p:par>
+    </p:tnLst>
+  </p:timing>
+</p:sld>
+</file>
+
+<file path=ppt/slides/slide9.xml><?xml version="1.0" encoding="utf-8"?>
+<p:sld xmlns:a="http://schemas.openxmlformats.org/drawingml/2006/main" xmlns:r="http://schemas.openxmlformats.org/officeDocument/2006/relationships" xmlns:p="http://schemas.openxmlformats.org/presentationml/2006/main">
+  <p:cSld>
+    <p:spTree>
+      <p:nvGrpSpPr>
+        <p:cNvPr id="1" name=""/>
+        <p:cNvGrpSpPr/>
+        <p:nvPr/>
+      </p:nvGrpSpPr>
+      <p:grpSpPr>
+        <a:xfrm>
+          <a:off x="0" y="0"/>
+          <a:ext cx="0" cy="0"/>
+          <a:chOff x="0" y="0"/>
+          <a:chExt cx="0" cy="0"/>
+        </a:xfrm>
+      </p:grpSpPr>
+      <p:sp>
+        <p:nvSpPr>
+          <p:cNvPr id="4" name="TextBox 3"/>
+          <p:cNvSpPr txBox="1"/>
+          <p:nvPr/>
+        </p:nvSpPr>
+        <p:spPr>
+          <a:xfrm>
+            <a:off x="230658" y="0"/>
+            <a:ext cx="10223158" cy="523220"/>
+          </a:xfrm>
+          <a:prstGeom prst="rect">
+            <a:avLst/>
+          </a:prstGeom>
+          <a:noFill/>
+        </p:spPr>
+        <p:txBody>
+          <a:bodyPr wrap="square" rtlCol="0">
+            <a:spAutoFit/>
+          </a:bodyPr>
+          <a:lstStyle/>
+          <a:p>
+            <a:r>
+              <a:rPr lang="en-AU" sz="2800" b="1" dirty="0" smtClean="0"/>
+              <a:t>Custom Directive using Custom Validator without dependency</a:t>
             </a:r>
             <a:endParaRPr lang="en-AU" sz="2800" b="1" dirty="0"/>
           </a:p>
@@ -3665,7 +8323,7 @@
         </p:nvSpPr>
         <p:spPr>
           <a:xfrm>
-            <a:off x="9757568" y="1963708"/>
+            <a:off x="9757568" y="1290412"/>
             <a:ext cx="2108367" cy="369332"/>
           </a:xfrm>
           <a:prstGeom prst="rect">
@@ -3773,7 +8431,7 @@
         </p:nvSpPr>
         <p:spPr>
           <a:xfrm>
-            <a:off x="9757568" y="1387260"/>
+            <a:off x="9757568" y="1779042"/>
             <a:ext cx="1633686" cy="369332"/>
           </a:xfrm>
           <a:prstGeom prst="rect">
@@ -3881,6 +8539,101 @@
           </a:fontRef>
         </p:style>
       </p:cxnSp>
+      <p:pic>
+        <p:nvPicPr>
+          <p:cNvPr id="6" name="Picture 5"/>
+          <p:cNvPicPr>
+            <a:picLocks noChangeAspect="1"/>
+          </p:cNvPicPr>
+          <p:nvPr/>
+        </p:nvPicPr>
+        <p:blipFill>
+          <a:blip r:embed="rId3"/>
+          <a:stretch>
+            <a:fillRect/>
+          </a:stretch>
+        </p:blipFill>
+        <p:spPr>
+          <a:xfrm>
+            <a:off x="8005998" y="5295293"/>
+            <a:ext cx="3086100" cy="381000"/>
+          </a:xfrm>
+          <a:prstGeom prst="rect">
+            <a:avLst/>
+          </a:prstGeom>
+          <a:ln w="38100" cap="sq">
+            <a:solidFill>
+              <a:srgbClr val="000000"/>
+            </a:solidFill>
+            <a:prstDash val="solid"/>
+            <a:miter lim="800000"/>
+          </a:ln>
+          <a:effectLst/>
+        </p:spPr>
+      </p:pic>
+      <p:cxnSp>
+        <p:nvCxnSpPr>
+          <p:cNvPr id="16" name="Straight Arrow Connector 15"/>
+          <p:cNvCxnSpPr>
+            <a:stCxn id="6" idx="1"/>
+          </p:cNvCxnSpPr>
+          <p:nvPr/>
+        </p:nvCxnSpPr>
+        <p:spPr>
+          <a:xfrm flipH="1">
+            <a:off x="5110480" y="5485793"/>
+            <a:ext cx="2895518" cy="0"/>
+          </a:xfrm>
+          <a:prstGeom prst="straightConnector1">
+            <a:avLst/>
+          </a:prstGeom>
+          <a:ln>
+            <a:tailEnd type="triangle"/>
+          </a:ln>
+        </p:spPr>
+        <p:style>
+          <a:lnRef idx="1">
+            <a:schemeClr val="accent1"/>
+          </a:lnRef>
+          <a:fillRef idx="0">
+            <a:schemeClr val="accent1"/>
+          </a:fillRef>
+          <a:effectRef idx="0">
+            <a:schemeClr val="accent1"/>
+          </a:effectRef>
+          <a:fontRef idx="minor">
+            <a:schemeClr val="tx1"/>
+          </a:fontRef>
+        </p:style>
+      </p:cxnSp>
+      <p:sp>
+        <p:nvSpPr>
+          <p:cNvPr id="18" name="Slide Number Placeholder 17"/>
+          <p:cNvSpPr>
+            <a:spLocks noGrp="1"/>
+          </p:cNvSpPr>
+          <p:nvPr>
+            <p:ph type="sldNum" sz="quarter" idx="12"/>
+          </p:nvPr>
+        </p:nvSpPr>
+        <p:spPr>
+          <a:xfrm>
+            <a:off x="11989887" y="6321802"/>
+            <a:ext cx="191953" cy="365125"/>
+          </a:xfrm>
+        </p:spPr>
+        <p:txBody>
+          <a:bodyPr/>
+          <a:lstStyle/>
+          <a:p>
+            <a:fld id="{4FAB73BC-B049-4115-A692-8D63A059BFB8}" type="slidenum">
+              <a:rPr lang="en-US" smtClean="0"/>
+              <a:t>9</a:t>
+            </a:fld>
+            <a:endParaRPr lang="en-US" dirty="0"/>
+          </a:p>
+        </p:txBody>
+      </p:sp>
     </p:spTree>
     <p:extLst>
       <p:ext uri="{BB962C8B-B14F-4D97-AF65-F5344CB8AC3E}">
@@ -4186,7 +8939,7 @@
                                           </p:stCondLst>
                                         </p:cTn>
                                         <p:tgtEl>
-                                          <p:spTgt spid="17"/>
+                                          <p:spTgt spid="13"/>
                                         </p:tgtEl>
                                         <p:attrNameLst>
                                           <p:attrName>style.visibility</p:attrName>
@@ -4200,7 +8953,7 @@
                                       <p:cBhvr>
                                         <p:cTn id="24" dur="500" fill="hold"/>
                                         <p:tgtEl>
-                                          <p:spTgt spid="17"/>
+                                          <p:spTgt spid="13"/>
                                         </p:tgtEl>
                                         <p:attrNameLst>
                                           <p:attrName>ppt_w</p:attrName>
@@ -4223,7 +8976,7 @@
                                       <p:cBhvr>
                                         <p:cTn id="25" dur="500" fill="hold"/>
                                         <p:tgtEl>
-                                          <p:spTgt spid="17"/>
+                                          <p:spTgt spid="13"/>
                                         </p:tgtEl>
                                         <p:attrNameLst>
                                           <p:attrName>ppt_h</p:attrName>
@@ -4246,7 +8999,7 @@
                                       <p:cBhvr>
                                         <p:cTn id="26" dur="500"/>
                                         <p:tgtEl>
-                                          <p:spTgt spid="17"/>
+                                          <p:spTgt spid="13"/>
                                         </p:tgtEl>
                                       </p:cBhvr>
                                     </p:animEffect>
@@ -4267,7 +9020,7 @@
                                           </p:stCondLst>
                                         </p:cTn>
                                         <p:tgtEl>
-                                          <p:spTgt spid="15"/>
+                                          <p:spTgt spid="12"/>
                                         </p:tgtEl>
                                         <p:attrNameLst>
                                           <p:attrName>style.visibility</p:attrName>
@@ -4281,7 +9034,7 @@
                                       <p:cBhvr>
                                         <p:cTn id="29" dur="500" fill="hold"/>
                                         <p:tgtEl>
-                                          <p:spTgt spid="15"/>
+                                          <p:spTgt spid="12"/>
                                         </p:tgtEl>
                                         <p:attrNameLst>
                                           <p:attrName>ppt_w</p:attrName>
@@ -4304,7 +9057,7 @@
                                       <p:cBhvr>
                                         <p:cTn id="30" dur="500" fill="hold"/>
                                         <p:tgtEl>
-                                          <p:spTgt spid="15"/>
+                                          <p:spTgt spid="12"/>
                                         </p:tgtEl>
                                         <p:attrNameLst>
                                           <p:attrName>ppt_h</p:attrName>
@@ -4327,7 +9080,7 @@
                                       <p:cBhvr>
                                         <p:cTn id="31" dur="500"/>
                                         <p:tgtEl>
-                                          <p:spTgt spid="15"/>
+                                          <p:spTgt spid="12"/>
                                         </p:tgtEl>
                                       </p:cBhvr>
                                     </p:animEffect>
@@ -4348,7 +9101,7 @@
                                           </p:stCondLst>
                                         </p:cTn>
                                         <p:tgtEl>
-                                          <p:spTgt spid="14"/>
+                                          <p:spTgt spid="10"/>
                                         </p:tgtEl>
                                         <p:attrNameLst>
                                           <p:attrName>style.visibility</p:attrName>
@@ -4362,7 +9115,7 @@
                                       <p:cBhvr>
                                         <p:cTn id="34" dur="500" fill="hold"/>
                                         <p:tgtEl>
-                                          <p:spTgt spid="14"/>
+                                          <p:spTgt spid="10"/>
                                         </p:tgtEl>
                                         <p:attrNameLst>
                                           <p:attrName>ppt_w</p:attrName>
@@ -4385,7 +9138,7 @@
                                       <p:cBhvr>
                                         <p:cTn id="35" dur="500" fill="hold"/>
                                         <p:tgtEl>
-                                          <p:spTgt spid="14"/>
+                                          <p:spTgt spid="10"/>
                                         </p:tgtEl>
                                         <p:attrNameLst>
                                           <p:attrName>ppt_h</p:attrName>
@@ -4408,7 +9161,7 @@
                                       <p:cBhvr>
                                         <p:cTn id="36" dur="500"/>
                                         <p:tgtEl>
-                                          <p:spTgt spid="14"/>
+                                          <p:spTgt spid="10"/>
                                         </p:tgtEl>
                                       </p:cBhvr>
                                     </p:animEffect>
@@ -4434,7 +9187,7 @@
                             </p:stCondLst>
                             <p:childTnLst>
                               <p:par>
-                                <p:cTn id="39" presetID="53" presetClass="entr" presetSubtype="16" fill="hold" nodeType="clickEffect">
+                                <p:cTn id="39" presetID="53" presetClass="entr" presetSubtype="16" fill="hold" grpId="0" nodeType="clickEffect">
                                   <p:stCondLst>
                                     <p:cond delay="0"/>
                                   </p:stCondLst>
@@ -4447,7 +9200,7 @@
                                           </p:stCondLst>
                                         </p:cTn>
                                         <p:tgtEl>
-                                          <p:spTgt spid="13"/>
+                                          <p:spTgt spid="14"/>
                                         </p:tgtEl>
                                         <p:attrNameLst>
                                           <p:attrName>style.visibility</p:attrName>
@@ -4461,7 +9214,7 @@
                                       <p:cBhvr>
                                         <p:cTn id="41" dur="500" fill="hold"/>
                                         <p:tgtEl>
-                                          <p:spTgt spid="13"/>
+                                          <p:spTgt spid="14"/>
                                         </p:tgtEl>
                                         <p:attrNameLst>
                                           <p:attrName>ppt_w</p:attrName>
@@ -4484,7 +9237,7 @@
                                       <p:cBhvr>
                                         <p:cTn id="42" dur="500" fill="hold"/>
                                         <p:tgtEl>
-                                          <p:spTgt spid="13"/>
+                                          <p:spTgt spid="14"/>
                                         </p:tgtEl>
                                         <p:attrNameLst>
                                           <p:attrName>ppt_h</p:attrName>
@@ -4507,7 +9260,7 @@
                                       <p:cBhvr>
                                         <p:cTn id="43" dur="500"/>
                                         <p:tgtEl>
-                                          <p:spTgt spid="13"/>
+                                          <p:spTgt spid="14"/>
                                         </p:tgtEl>
                                       </p:cBhvr>
                                     </p:animEffect>
@@ -4528,7 +9281,7 @@
                                           </p:stCondLst>
                                         </p:cTn>
                                         <p:tgtEl>
-                                          <p:spTgt spid="12"/>
+                                          <p:spTgt spid="15"/>
                                         </p:tgtEl>
                                         <p:attrNameLst>
                                           <p:attrName>style.visibility</p:attrName>
@@ -4542,7 +9295,7 @@
                                       <p:cBhvr>
                                         <p:cTn id="46" dur="500" fill="hold"/>
                                         <p:tgtEl>
-                                          <p:spTgt spid="12"/>
+                                          <p:spTgt spid="15"/>
                                         </p:tgtEl>
                                         <p:attrNameLst>
                                           <p:attrName>ppt_w</p:attrName>
@@ -4565,7 +9318,7 @@
                                       <p:cBhvr>
                                         <p:cTn id="47" dur="500" fill="hold"/>
                                         <p:tgtEl>
-                                          <p:spTgt spid="12"/>
+                                          <p:spTgt spid="15"/>
                                         </p:tgtEl>
                                         <p:attrNameLst>
                                           <p:attrName>ppt_h</p:attrName>
@@ -4588,7 +9341,7 @@
                                       <p:cBhvr>
                                         <p:cTn id="48" dur="500"/>
                                         <p:tgtEl>
-                                          <p:spTgt spid="12"/>
+                                          <p:spTgt spid="15"/>
                                         </p:tgtEl>
                                       </p:cBhvr>
                                     </p:animEffect>
@@ -4596,7 +9349,7 @@
                                 </p:cTn>
                               </p:par>
                               <p:par>
-                                <p:cTn id="49" presetID="53" presetClass="entr" presetSubtype="16" fill="hold" grpId="0" nodeType="withEffect">
+                                <p:cTn id="49" presetID="53" presetClass="entr" presetSubtype="16" fill="hold" nodeType="withEffect">
                                   <p:stCondLst>
                                     <p:cond delay="0"/>
                                   </p:stCondLst>
@@ -4609,7 +9362,7 @@
                                           </p:stCondLst>
                                         </p:cTn>
                                         <p:tgtEl>
-                                          <p:spTgt spid="10"/>
+                                          <p:spTgt spid="17"/>
                                         </p:tgtEl>
                                         <p:attrNameLst>
                                           <p:attrName>style.visibility</p:attrName>
@@ -4623,7 +9376,7 @@
                                       <p:cBhvr>
                                         <p:cTn id="51" dur="500" fill="hold"/>
                                         <p:tgtEl>
-                                          <p:spTgt spid="10"/>
+                                          <p:spTgt spid="17"/>
                                         </p:tgtEl>
                                         <p:attrNameLst>
                                           <p:attrName>ppt_w</p:attrName>
@@ -4646,7 +9399,7 @@
                                       <p:cBhvr>
                                         <p:cTn id="52" dur="500" fill="hold"/>
                                         <p:tgtEl>
-                                          <p:spTgt spid="10"/>
+                                          <p:spTgt spid="17"/>
                                         </p:tgtEl>
                                         <p:attrNameLst>
                                           <p:attrName>ppt_h</p:attrName>
@@ -4669,7 +9422,159 @@
                                       <p:cBhvr>
                                         <p:cTn id="53" dur="500"/>
                                         <p:tgtEl>
-                                          <p:spTgt spid="10"/>
+                                          <p:spTgt spid="17"/>
+                                        </p:tgtEl>
+                                      </p:cBhvr>
+                                    </p:animEffect>
+                                  </p:childTnLst>
+                                </p:cTn>
+                              </p:par>
+                            </p:childTnLst>
+                          </p:cTn>
+                        </p:par>
+                      </p:childTnLst>
+                    </p:cTn>
+                  </p:par>
+                  <p:par>
+                    <p:cTn id="54" fill="hold">
+                      <p:stCondLst>
+                        <p:cond delay="indefinite"/>
+                      </p:stCondLst>
+                      <p:childTnLst>
+                        <p:par>
+                          <p:cTn id="55" fill="hold">
+                            <p:stCondLst>
+                              <p:cond delay="0"/>
+                            </p:stCondLst>
+                            <p:childTnLst>
+                              <p:par>
+                                <p:cTn id="56" presetID="53" presetClass="entr" presetSubtype="16" fill="hold" nodeType="clickEffect">
+                                  <p:stCondLst>
+                                    <p:cond delay="0"/>
+                                  </p:stCondLst>
+                                  <p:childTnLst>
+                                    <p:set>
+                                      <p:cBhvr>
+                                        <p:cTn id="57" dur="1" fill="hold">
+                                          <p:stCondLst>
+                                            <p:cond delay="0"/>
+                                          </p:stCondLst>
+                                        </p:cTn>
+                                        <p:tgtEl>
+                                          <p:spTgt spid="6"/>
+                                        </p:tgtEl>
+                                        <p:attrNameLst>
+                                          <p:attrName>style.visibility</p:attrName>
+                                        </p:attrNameLst>
+                                      </p:cBhvr>
+                                      <p:to>
+                                        <p:strVal val="visible"/>
+                                      </p:to>
+                                    </p:set>
+                                    <p:anim calcmode="lin" valueType="num">
+                                      <p:cBhvr>
+                                        <p:cTn id="58" dur="500" fill="hold"/>
+                                        <p:tgtEl>
+                                          <p:spTgt spid="6"/>
+                                        </p:tgtEl>
+                                        <p:attrNameLst>
+                                          <p:attrName>ppt_w</p:attrName>
+                                        </p:attrNameLst>
+                                      </p:cBhvr>
+                                      <p:tavLst>
+                                        <p:tav tm="0">
+                                          <p:val>
+                                            <p:fltVal val="0"/>
+                                          </p:val>
+                                        </p:tav>
+                                        <p:tav tm="100000">
+                                          <p:val>
+                                            <p:strVal val="#ppt_w"/>
+                                          </p:val>
+                                        </p:tav>
+                                      </p:tavLst>
+                                    </p:anim>
+                                    <p:anim calcmode="lin" valueType="num">
+                                      <p:cBhvr>
+                                        <p:cTn id="59" dur="500" fill="hold"/>
+                                        <p:tgtEl>
+                                          <p:spTgt spid="6"/>
+                                        </p:tgtEl>
+                                        <p:attrNameLst>
+                                          <p:attrName>ppt_h</p:attrName>
+                                        </p:attrNameLst>
+                                      </p:cBhvr>
+                                      <p:tavLst>
+                                        <p:tav tm="0">
+                                          <p:val>
+                                            <p:fltVal val="0"/>
+                                          </p:val>
+                                        </p:tav>
+                                        <p:tav tm="100000">
+                                          <p:val>
+                                            <p:strVal val="#ppt_h"/>
+                                          </p:val>
+                                        </p:tav>
+                                      </p:tavLst>
+                                    </p:anim>
+                                    <p:animEffect transition="in" filter="fade">
+                                      <p:cBhvr>
+                                        <p:cTn id="60" dur="500"/>
+                                        <p:tgtEl>
+                                          <p:spTgt spid="6"/>
+                                        </p:tgtEl>
+                                      </p:cBhvr>
+                                    </p:animEffect>
+                                  </p:childTnLst>
+                                </p:cTn>
+                              </p:par>
+                            </p:childTnLst>
+                          </p:cTn>
+                        </p:par>
+                      </p:childTnLst>
+                    </p:cTn>
+                  </p:par>
+                  <p:par>
+                    <p:cTn id="61" fill="hold">
+                      <p:stCondLst>
+                        <p:cond delay="indefinite"/>
+                      </p:stCondLst>
+                      <p:childTnLst>
+                        <p:par>
+                          <p:cTn id="62" fill="hold">
+                            <p:stCondLst>
+                              <p:cond delay="0"/>
+                            </p:stCondLst>
+                            <p:childTnLst>
+                              <p:par>
+                                <p:cTn id="63" presetID="22" presetClass="entr" presetSubtype="2" fill="hold" nodeType="clickEffect">
+                                  <p:stCondLst>
+                                    <p:cond delay="0"/>
+                                  </p:stCondLst>
+                                  <p:childTnLst>
+                                    <p:set>
+                                      <p:cBhvr>
+                                        <p:cTn id="64" dur="1" fill="hold">
+                                          <p:stCondLst>
+                                            <p:cond delay="0"/>
+                                          </p:stCondLst>
+                                        </p:cTn>
+                                        <p:tgtEl>
+                                          <p:spTgt spid="16"/>
+                                        </p:tgtEl>
+                                        <p:attrNameLst>
+                                          <p:attrName>style.visibility</p:attrName>
+                                        </p:attrNameLst>
+                                      </p:cBhvr>
+                                      <p:to>
+                                        <p:strVal val="visible"/>
+                                      </p:to>
+                                    </p:set>
+                                    <p:animEffect transition="in" filter="wipe(right)">
+                                      <p:cBhvr>
+                                        <p:cTn id="65" dur="500"/>
+                                        <p:tgtEl>
+                                          <p:spTgt spid="16"/>
                                         </p:tgtEl>
                                       </p:cBhvr>
                                     </p:animEffect>
@@ -4708,2104 +9613,6 @@
       <p:bldP spid="10" grpId="0"/>
       <p:bldP spid="14" grpId="0"/>
     </p:bldLst>
-  </p:timing>
-</p:sld>
-</file>
-
-<file path=ppt/slides/slide11.xml><?xml version="1.0" encoding="utf-8"?>
-<p:sld xmlns:a="http://schemas.openxmlformats.org/drawingml/2006/main" xmlns:r="http://schemas.openxmlformats.org/officeDocument/2006/relationships" xmlns:p="http://schemas.openxmlformats.org/presentationml/2006/main">
-  <p:cSld>
-    <p:spTree>
-      <p:nvGrpSpPr>
-        <p:cNvPr id="1" name=""/>
-        <p:cNvGrpSpPr/>
-        <p:nvPr/>
-      </p:nvGrpSpPr>
-      <p:grpSpPr>
-        <a:xfrm>
-          <a:off x="0" y="0"/>
-          <a:ext cx="0" cy="0"/>
-          <a:chOff x="0" y="0"/>
-          <a:chExt cx="0" cy="0"/>
-        </a:xfrm>
-      </p:grpSpPr>
-    </p:spTree>
-    <p:extLst>
-      <p:ext uri="{BB962C8B-B14F-4D97-AF65-F5344CB8AC3E}">
-        <p14:creationId xmlns:p14="http://schemas.microsoft.com/office/powerpoint/2010/main" val="4257121483"/>
-      </p:ext>
-    </p:extLst>
-  </p:cSld>
-  <p:clrMapOvr>
-    <a:masterClrMapping/>
-  </p:clrMapOvr>
-  <p:timing>
-    <p:tnLst>
-      <p:par>
-        <p:cTn id="1" dur="indefinite" restart="never" nodeType="tmRoot"/>
-      </p:par>
-    </p:tnLst>
-  </p:timing>
-</p:sld>
-</file>
-
-<file path=ppt/slides/slide12.xml><?xml version="1.0" encoding="utf-8"?>
-<p:sld xmlns:a="http://schemas.openxmlformats.org/drawingml/2006/main" xmlns:r="http://schemas.openxmlformats.org/officeDocument/2006/relationships" xmlns:p="http://schemas.openxmlformats.org/presentationml/2006/main">
-  <p:cSld>
-    <p:spTree>
-      <p:nvGrpSpPr>
-        <p:cNvPr id="1" name=""/>
-        <p:cNvGrpSpPr/>
-        <p:nvPr/>
-      </p:nvGrpSpPr>
-      <p:grpSpPr>
-        <a:xfrm>
-          <a:off x="0" y="0"/>
-          <a:ext cx="0" cy="0"/>
-          <a:chOff x="0" y="0"/>
-          <a:chExt cx="0" cy="0"/>
-        </a:xfrm>
-      </p:grpSpPr>
-    </p:spTree>
-    <p:extLst>
-      <p:ext uri="{BB962C8B-B14F-4D97-AF65-F5344CB8AC3E}">
-        <p14:creationId xmlns:p14="http://schemas.microsoft.com/office/powerpoint/2010/main" val="481831096"/>
-      </p:ext>
-    </p:extLst>
-  </p:cSld>
-  <p:clrMapOvr>
-    <a:masterClrMapping/>
-  </p:clrMapOvr>
-  <p:timing>
-    <p:tnLst>
-      <p:par>
-        <p:cTn id="1" dur="indefinite" restart="never" nodeType="tmRoot"/>
-      </p:par>
-    </p:tnLst>
-  </p:timing>
-</p:sld>
-</file>
-
-<file path=ppt/slides/slide13.xml><?xml version="1.0" encoding="utf-8"?>
-<p:sld xmlns:a="http://schemas.openxmlformats.org/drawingml/2006/main" xmlns:r="http://schemas.openxmlformats.org/officeDocument/2006/relationships" xmlns:p="http://schemas.openxmlformats.org/presentationml/2006/main">
-  <p:cSld>
-    <p:spTree>
-      <p:nvGrpSpPr>
-        <p:cNvPr id="1" name=""/>
-        <p:cNvGrpSpPr/>
-        <p:nvPr/>
-      </p:nvGrpSpPr>
-      <p:grpSpPr>
-        <a:xfrm>
-          <a:off x="0" y="0"/>
-          <a:ext cx="0" cy="0"/>
-          <a:chOff x="0" y="0"/>
-          <a:chExt cx="0" cy="0"/>
-        </a:xfrm>
-      </p:grpSpPr>
-    </p:spTree>
-    <p:extLst>
-      <p:ext uri="{BB962C8B-B14F-4D97-AF65-F5344CB8AC3E}">
-        <p14:creationId xmlns:p14="http://schemas.microsoft.com/office/powerpoint/2010/main" val="4193378494"/>
-      </p:ext>
-    </p:extLst>
-  </p:cSld>
-  <p:clrMapOvr>
-    <a:masterClrMapping/>
-  </p:clrMapOvr>
-  <p:timing>
-    <p:tnLst>
-      <p:par>
-        <p:cTn id="1" dur="indefinite" restart="never" nodeType="tmRoot"/>
-      </p:par>
-    </p:tnLst>
-  </p:timing>
-</p:sld>
-</file>
-
-<file path=ppt/slides/slide14.xml><?xml version="1.0" encoding="utf-8"?>
-<p:sld xmlns:a="http://schemas.openxmlformats.org/drawingml/2006/main" xmlns:r="http://schemas.openxmlformats.org/officeDocument/2006/relationships" xmlns:p="http://schemas.openxmlformats.org/presentationml/2006/main">
-  <p:cSld>
-    <p:spTree>
-      <p:nvGrpSpPr>
-        <p:cNvPr id="1" name=""/>
-        <p:cNvGrpSpPr/>
-        <p:nvPr/>
-      </p:nvGrpSpPr>
-      <p:grpSpPr>
-        <a:xfrm>
-          <a:off x="0" y="0"/>
-          <a:ext cx="0" cy="0"/>
-          <a:chOff x="0" y="0"/>
-          <a:chExt cx="0" cy="0"/>
-        </a:xfrm>
-      </p:grpSpPr>
-    </p:spTree>
-    <p:extLst>
-      <p:ext uri="{BB962C8B-B14F-4D97-AF65-F5344CB8AC3E}">
-        <p14:creationId xmlns:p14="http://schemas.microsoft.com/office/powerpoint/2010/main" val="3751403985"/>
-      </p:ext>
-    </p:extLst>
-  </p:cSld>
-  <p:clrMapOvr>
-    <a:masterClrMapping/>
-  </p:clrMapOvr>
-  <p:timing>
-    <p:tnLst>
-      <p:par>
-        <p:cTn id="1" dur="indefinite" restart="never" nodeType="tmRoot"/>
-      </p:par>
-    </p:tnLst>
-  </p:timing>
-</p:sld>
-</file>
-
-<file path=ppt/slides/slide15.xml><?xml version="1.0" encoding="utf-8"?>
-<p:sld xmlns:a="http://schemas.openxmlformats.org/drawingml/2006/main" xmlns:r="http://schemas.openxmlformats.org/officeDocument/2006/relationships" xmlns:p="http://schemas.openxmlformats.org/presentationml/2006/main">
-  <p:cSld>
-    <p:spTree>
-      <p:nvGrpSpPr>
-        <p:cNvPr id="1" name=""/>
-        <p:cNvGrpSpPr/>
-        <p:nvPr/>
-      </p:nvGrpSpPr>
-      <p:grpSpPr>
-        <a:xfrm>
-          <a:off x="0" y="0"/>
-          <a:ext cx="0" cy="0"/>
-          <a:chOff x="0" y="0"/>
-          <a:chExt cx="0" cy="0"/>
-        </a:xfrm>
-      </p:grpSpPr>
-      <p:sp>
-        <p:nvSpPr>
-          <p:cNvPr id="10" name="TextBox 9"/>
-          <p:cNvSpPr txBox="1"/>
-          <p:nvPr/>
-        </p:nvSpPr>
-        <p:spPr>
-          <a:xfrm>
-            <a:off x="1861751" y="2702012"/>
-            <a:ext cx="7825945" cy="923330"/>
-          </a:xfrm>
-          <a:prstGeom prst="rect">
-            <a:avLst/>
-          </a:prstGeom>
-          <a:noFill/>
-        </p:spPr>
-        <p:txBody>
-          <a:bodyPr wrap="square" rtlCol="0">
-            <a:spAutoFit/>
-          </a:bodyPr>
-          <a:lstStyle/>
-          <a:p>
-            <a:pPr algn="ctr"/>
-            <a:r>
-              <a:rPr lang="en-AU" sz="5400" b="1" dirty="0" smtClean="0">
-                <a:latin typeface="Calibri" panose="020F0502020204030204" pitchFamily="34" charset="0"/>
-              </a:rPr>
-              <a:t>Thank You</a:t>
-            </a:r>
-            <a:endParaRPr lang="en-AU" sz="5400" b="1" dirty="0">
-              <a:latin typeface="Calibri" panose="020F0502020204030204" pitchFamily="34" charset="0"/>
-            </a:endParaRPr>
-          </a:p>
-        </p:txBody>
-      </p:sp>
-      <p:sp>
-        <p:nvSpPr>
-          <p:cNvPr id="2" name="TextBox 1"/>
-          <p:cNvSpPr txBox="1"/>
-          <p:nvPr/>
-        </p:nvSpPr>
-        <p:spPr>
-          <a:xfrm>
-            <a:off x="861237" y="4614531"/>
-            <a:ext cx="6315739" cy="369332"/>
-          </a:xfrm>
-          <a:prstGeom prst="rect">
-            <a:avLst/>
-          </a:prstGeom>
-          <a:noFill/>
-        </p:spPr>
-        <p:txBody>
-          <a:bodyPr wrap="square" rtlCol="0">
-            <a:spAutoFit/>
-          </a:bodyPr>
-          <a:lstStyle/>
-          <a:p>
-            <a:r>
-              <a:rPr lang="en-AU" dirty="0"/>
-              <a:t>https://angular.io/guide/form-validation</a:t>
-            </a:r>
-          </a:p>
-        </p:txBody>
-      </p:sp>
-      <p:sp>
-        <p:nvSpPr>
-          <p:cNvPr id="3" name="TextBox 2"/>
-          <p:cNvSpPr txBox="1"/>
-          <p:nvPr/>
-        </p:nvSpPr>
-        <p:spPr>
-          <a:xfrm>
-            <a:off x="861237" y="5305647"/>
-            <a:ext cx="10823944" cy="646331"/>
-          </a:xfrm>
-          <a:prstGeom prst="rect">
-            <a:avLst/>
-          </a:prstGeom>
-          <a:noFill/>
-        </p:spPr>
-        <p:txBody>
-          <a:bodyPr wrap="square" rtlCol="0">
-            <a:spAutoFit/>
-          </a:bodyPr>
-          <a:lstStyle/>
-          <a:p>
-            <a:r>
-              <a:rPr lang="en-AU" dirty="0"/>
-              <a:t>https://blog.thoughtram.io/angular/2016/03/14/custom-validators-in-angular-2.html#custom-validators-with-dependencies</a:t>
-            </a:r>
-          </a:p>
-        </p:txBody>
-      </p:sp>
-    </p:spTree>
-    <p:extLst>
-      <p:ext uri="{BB962C8B-B14F-4D97-AF65-F5344CB8AC3E}">
-        <p14:creationId xmlns:p14="http://schemas.microsoft.com/office/powerpoint/2010/main" val="1183368938"/>
-      </p:ext>
-    </p:extLst>
-  </p:cSld>
-  <p:clrMapOvr>
-    <a:masterClrMapping/>
-  </p:clrMapOvr>
-  <p:timing>
-    <p:tnLst>
-      <p:par>
-        <p:cTn id="1" dur="indefinite" restart="never" nodeType="tmRoot"/>
-      </p:par>
-    </p:tnLst>
-  </p:timing>
-</p:sld>
-</file>
-
-<file path=ppt/slides/slide2.xml><?xml version="1.0" encoding="utf-8"?>
-<p:sld xmlns:a="http://schemas.openxmlformats.org/drawingml/2006/main" xmlns:r="http://schemas.openxmlformats.org/officeDocument/2006/relationships" xmlns:p="http://schemas.openxmlformats.org/presentationml/2006/main">
-  <p:cSld>
-    <p:spTree>
-      <p:nvGrpSpPr>
-        <p:cNvPr id="1" name=""/>
-        <p:cNvGrpSpPr/>
-        <p:nvPr/>
-      </p:nvGrpSpPr>
-      <p:grpSpPr>
-        <a:xfrm>
-          <a:off x="0" y="0"/>
-          <a:ext cx="0" cy="0"/>
-          <a:chOff x="0" y="0"/>
-          <a:chExt cx="0" cy="0"/>
-        </a:xfrm>
-      </p:grpSpPr>
-      <p:sp>
-        <p:nvSpPr>
-          <p:cNvPr id="10" name="TextBox 9"/>
-          <p:cNvSpPr txBox="1"/>
-          <p:nvPr/>
-        </p:nvSpPr>
-        <p:spPr>
-          <a:xfrm>
-            <a:off x="1861751" y="2702012"/>
-            <a:ext cx="7825945" cy="923330"/>
-          </a:xfrm>
-          <a:prstGeom prst="rect">
-            <a:avLst/>
-          </a:prstGeom>
-          <a:noFill/>
-        </p:spPr>
-        <p:txBody>
-          <a:bodyPr wrap="square" rtlCol="0">
-            <a:spAutoFit/>
-          </a:bodyPr>
-          <a:lstStyle/>
-          <a:p>
-            <a:pPr algn="ctr"/>
-            <a:r>
-              <a:rPr lang="en-AU" sz="5400" b="1" dirty="0" smtClean="0">
-                <a:latin typeface="Calibri" panose="020F0502020204030204" pitchFamily="34" charset="0"/>
-              </a:rPr>
-              <a:t>Who’s Timmy</a:t>
-            </a:r>
-            <a:endParaRPr lang="en-AU" sz="5400" b="1" dirty="0">
-              <a:latin typeface="Calibri" panose="020F0502020204030204" pitchFamily="34" charset="0"/>
-            </a:endParaRPr>
-          </a:p>
-        </p:txBody>
-      </p:sp>
-    </p:spTree>
-    <p:extLst>
-      <p:ext uri="{BB962C8B-B14F-4D97-AF65-F5344CB8AC3E}">
-        <p14:creationId xmlns:p14="http://schemas.microsoft.com/office/powerpoint/2010/main" val="2642985329"/>
-      </p:ext>
-    </p:extLst>
-  </p:cSld>
-  <p:clrMapOvr>
-    <a:masterClrMapping/>
-  </p:clrMapOvr>
-  <p:timing>
-    <p:tnLst>
-      <p:par>
-        <p:cTn id="1" dur="indefinite" restart="never" nodeType="tmRoot"/>
-      </p:par>
-    </p:tnLst>
-  </p:timing>
-</p:sld>
-</file>
-
-<file path=ppt/slides/slide3.xml><?xml version="1.0" encoding="utf-8"?>
-<p:sld xmlns:a="http://schemas.openxmlformats.org/drawingml/2006/main" xmlns:r="http://schemas.openxmlformats.org/officeDocument/2006/relationships" xmlns:p="http://schemas.openxmlformats.org/presentationml/2006/main">
-  <p:cSld>
-    <p:spTree>
-      <p:nvGrpSpPr>
-        <p:cNvPr id="1" name=""/>
-        <p:cNvGrpSpPr/>
-        <p:nvPr/>
-      </p:nvGrpSpPr>
-      <p:grpSpPr>
-        <a:xfrm>
-          <a:off x="0" y="0"/>
-          <a:ext cx="0" cy="0"/>
-          <a:chOff x="0" y="0"/>
-          <a:chExt cx="0" cy="0"/>
-        </a:xfrm>
-      </p:grpSpPr>
-      <p:sp>
-        <p:nvSpPr>
-          <p:cNvPr id="3" name="Content Placeholder 2"/>
-          <p:cNvSpPr txBox="1">
-            <a:spLocks/>
-          </p:cNvSpPr>
-          <p:nvPr/>
-        </p:nvSpPr>
-        <p:spPr>
-          <a:xfrm>
-            <a:off x="1029924" y="1416907"/>
-            <a:ext cx="9784080" cy="2290119"/>
-          </a:xfrm>
-          <a:prstGeom prst="rect">
-            <a:avLst/>
-          </a:prstGeom>
-        </p:spPr>
-        <p:txBody>
-          <a:bodyPr/>
-          <a:lstStyle>
-            <a:lvl1pPr marL="182880" indent="-182880" algn="l" defTabSz="914400" rtl="0" eaLnBrk="1" latinLnBrk="0" hangingPunct="1">
-              <a:lnSpc>
-                <a:spcPct val="90000"/>
-              </a:lnSpc>
-              <a:spcBef>
-                <a:spcPts val="1200"/>
-              </a:spcBef>
-              <a:spcAft>
-                <a:spcPts val="200"/>
-              </a:spcAft>
-              <a:buClr>
-                <a:schemeClr val="tx1"/>
-              </a:buClr>
-              <a:buFont typeface="Wingdings" pitchFamily="2" charset="2"/>
-              <a:buChar char=""/>
-              <a:defRPr sz="2200" kern="1200">
-                <a:solidFill>
-                  <a:schemeClr val="tx1"/>
-                </a:solidFill>
-                <a:latin typeface="+mn-lt"/>
-                <a:ea typeface="+mn-ea"/>
-                <a:cs typeface="+mn-cs"/>
-              </a:defRPr>
-            </a:lvl1pPr>
-            <a:lvl2pPr marL="411480" indent="-182880" algn="l" defTabSz="914400" rtl="0" eaLnBrk="1" latinLnBrk="0" hangingPunct="1">
-              <a:lnSpc>
-                <a:spcPct val="90000"/>
-              </a:lnSpc>
-              <a:spcBef>
-                <a:spcPts val="200"/>
-              </a:spcBef>
-              <a:spcAft>
-                <a:spcPts val="400"/>
-              </a:spcAft>
-              <a:buClr>
-                <a:schemeClr val="tx1"/>
-              </a:buClr>
-              <a:buFont typeface="Wingdings" pitchFamily="2" charset="2"/>
-              <a:buChar char=""/>
-              <a:defRPr sz="2000" kern="1200">
-                <a:solidFill>
-                  <a:schemeClr val="tx1"/>
-                </a:solidFill>
-                <a:latin typeface="+mn-lt"/>
-                <a:ea typeface="+mn-ea"/>
-                <a:cs typeface="+mn-cs"/>
-              </a:defRPr>
-            </a:lvl2pPr>
-            <a:lvl3pPr marL="640080" indent="-182880" algn="l" defTabSz="914400" rtl="0" eaLnBrk="1" latinLnBrk="0" hangingPunct="1">
-              <a:lnSpc>
-                <a:spcPct val="90000"/>
-              </a:lnSpc>
-              <a:spcBef>
-                <a:spcPts val="200"/>
-              </a:spcBef>
-              <a:spcAft>
-                <a:spcPts val="400"/>
-              </a:spcAft>
-              <a:buClr>
-                <a:schemeClr val="tx1"/>
-              </a:buClr>
-              <a:buFont typeface="Wingdings" pitchFamily="2" charset="2"/>
-              <a:buChar char=""/>
-              <a:defRPr sz="1800" kern="1200">
-                <a:solidFill>
-                  <a:schemeClr val="tx1"/>
-                </a:solidFill>
-                <a:latin typeface="+mn-lt"/>
-                <a:ea typeface="+mn-ea"/>
-                <a:cs typeface="+mn-cs"/>
-              </a:defRPr>
-            </a:lvl3pPr>
-            <a:lvl4pPr marL="868680" indent="-182880" algn="l" defTabSz="914400" rtl="0" eaLnBrk="1" latinLnBrk="0" hangingPunct="1">
-              <a:lnSpc>
-                <a:spcPct val="90000"/>
-              </a:lnSpc>
-              <a:spcBef>
-                <a:spcPts val="200"/>
-              </a:spcBef>
-              <a:spcAft>
-                <a:spcPts val="400"/>
-              </a:spcAft>
-              <a:buClr>
-                <a:schemeClr val="tx1"/>
-              </a:buClr>
-              <a:buFont typeface="Wingdings" pitchFamily="2" charset="2"/>
-              <a:buChar char=""/>
-              <a:defRPr sz="1600" kern="1200">
-                <a:solidFill>
-                  <a:schemeClr val="tx1"/>
-                </a:solidFill>
-                <a:latin typeface="+mn-lt"/>
-                <a:ea typeface="+mn-ea"/>
-                <a:cs typeface="+mn-cs"/>
-              </a:defRPr>
-            </a:lvl4pPr>
-            <a:lvl5pPr marL="1097280" indent="-182880" algn="l" defTabSz="914400" rtl="0" eaLnBrk="1" latinLnBrk="0" hangingPunct="1">
-              <a:lnSpc>
-                <a:spcPct val="90000"/>
-              </a:lnSpc>
-              <a:spcBef>
-                <a:spcPts val="200"/>
-              </a:spcBef>
-              <a:spcAft>
-                <a:spcPts val="400"/>
-              </a:spcAft>
-              <a:buClr>
-                <a:schemeClr val="tx1"/>
-              </a:buClr>
-              <a:buFont typeface="Wingdings" pitchFamily="2" charset="2"/>
-              <a:buChar char=""/>
-              <a:defRPr sz="1600" kern="1200">
-                <a:solidFill>
-                  <a:schemeClr val="tx1"/>
-                </a:solidFill>
-                <a:latin typeface="+mn-lt"/>
-                <a:ea typeface="+mn-ea"/>
-                <a:cs typeface="+mn-cs"/>
-              </a:defRPr>
-            </a:lvl5pPr>
-            <a:lvl6pPr marL="1284600" indent="-228600" algn="l" defTabSz="914400" rtl="0" eaLnBrk="1" latinLnBrk="0" hangingPunct="1">
-              <a:lnSpc>
-                <a:spcPct val="90000"/>
-              </a:lnSpc>
-              <a:spcBef>
-                <a:spcPts val="200"/>
-              </a:spcBef>
-              <a:spcAft>
-                <a:spcPts val="400"/>
-              </a:spcAft>
-              <a:buClr>
-                <a:schemeClr val="tx1"/>
-              </a:buClr>
-              <a:buFont typeface="Wingdings" pitchFamily="2" charset="2"/>
-              <a:buChar char=""/>
-              <a:defRPr sz="1600" kern="1200">
-                <a:solidFill>
-                  <a:schemeClr val="tx1"/>
-                </a:solidFill>
-                <a:latin typeface="+mn-lt"/>
-                <a:ea typeface="+mn-ea"/>
-                <a:cs typeface="+mn-cs"/>
-              </a:defRPr>
-            </a:lvl6pPr>
-            <a:lvl7pPr marL="1471800" indent="-228600" algn="l" defTabSz="914400" rtl="0" eaLnBrk="1" latinLnBrk="0" hangingPunct="1">
-              <a:lnSpc>
-                <a:spcPct val="90000"/>
-              </a:lnSpc>
-              <a:spcBef>
-                <a:spcPts val="200"/>
-              </a:spcBef>
-              <a:spcAft>
-                <a:spcPts val="400"/>
-              </a:spcAft>
-              <a:buClr>
-                <a:schemeClr val="tx1"/>
-              </a:buClr>
-              <a:buFont typeface="Wingdings" pitchFamily="2" charset="2"/>
-              <a:buChar char=""/>
-              <a:defRPr sz="1600" kern="1200">
-                <a:solidFill>
-                  <a:schemeClr val="tx1"/>
-                </a:solidFill>
-                <a:latin typeface="+mn-lt"/>
-                <a:ea typeface="+mn-ea"/>
-                <a:cs typeface="+mn-cs"/>
-              </a:defRPr>
-            </a:lvl7pPr>
-            <a:lvl8pPr marL="1629000" indent="-228600" algn="l" defTabSz="914400" rtl="0" eaLnBrk="1" latinLnBrk="0" hangingPunct="1">
-              <a:lnSpc>
-                <a:spcPct val="90000"/>
-              </a:lnSpc>
-              <a:spcBef>
-                <a:spcPts val="200"/>
-              </a:spcBef>
-              <a:spcAft>
-                <a:spcPts val="400"/>
-              </a:spcAft>
-              <a:buClr>
-                <a:schemeClr val="tx1"/>
-              </a:buClr>
-              <a:buFont typeface="Wingdings" pitchFamily="2" charset="2"/>
-              <a:buChar char=""/>
-              <a:defRPr sz="1600" kern="1200">
-                <a:solidFill>
-                  <a:schemeClr val="tx1"/>
-                </a:solidFill>
-                <a:latin typeface="+mn-lt"/>
-                <a:ea typeface="+mn-ea"/>
-                <a:cs typeface="+mn-cs"/>
-              </a:defRPr>
-            </a:lvl8pPr>
-            <a:lvl9pPr marL="1806200" indent="-228600" algn="l" defTabSz="914400" rtl="0" eaLnBrk="1" latinLnBrk="0" hangingPunct="1">
-              <a:lnSpc>
-                <a:spcPct val="90000"/>
-              </a:lnSpc>
-              <a:spcBef>
-                <a:spcPts val="200"/>
-              </a:spcBef>
-              <a:spcAft>
-                <a:spcPts val="400"/>
-              </a:spcAft>
-              <a:buClr>
-                <a:schemeClr val="tx1"/>
-              </a:buClr>
-              <a:buFont typeface="Wingdings" pitchFamily="2" charset="2"/>
-              <a:buChar char=""/>
-              <a:defRPr sz="1600" kern="1200">
-                <a:solidFill>
-                  <a:schemeClr val="tx1"/>
-                </a:solidFill>
-                <a:latin typeface="+mn-lt"/>
-                <a:ea typeface="+mn-ea"/>
-                <a:cs typeface="+mn-cs"/>
-              </a:defRPr>
-            </a:lvl9pPr>
-          </a:lstStyle>
-          <a:p>
-            <a:pPr>
-              <a:spcAft>
-                <a:spcPts val="1200"/>
-              </a:spcAft>
-            </a:pPr>
-            <a:r>
-              <a:rPr lang="en-AU" dirty="0" smtClean="0"/>
-              <a:t>Custom Validator and use it in a Reactive Form</a:t>
-            </a:r>
-          </a:p>
-          <a:p>
-            <a:pPr>
-              <a:spcAft>
-                <a:spcPts val="1200"/>
-              </a:spcAft>
-            </a:pPr>
-            <a:r>
-              <a:rPr lang="en-AU" dirty="0" smtClean="0"/>
-              <a:t>Accessing ‘</a:t>
-            </a:r>
-            <a:r>
-              <a:rPr lang="en-AU" dirty="0" err="1" smtClean="0"/>
-              <a:t>ValidationErrors</a:t>
-            </a:r>
-            <a:r>
-              <a:rPr lang="en-AU" dirty="0" smtClean="0"/>
-              <a:t>’ for a </a:t>
-            </a:r>
-            <a:r>
-              <a:rPr lang="en-AU" dirty="0" err="1" smtClean="0"/>
-              <a:t>FormControl</a:t>
-            </a:r>
-            <a:r>
-              <a:rPr lang="en-AU" dirty="0" smtClean="0"/>
-              <a:t> to show Validation Messages</a:t>
-            </a:r>
-          </a:p>
-          <a:p>
-            <a:pPr>
-              <a:spcAft>
-                <a:spcPts val="1200"/>
-              </a:spcAft>
-            </a:pPr>
-            <a:r>
-              <a:rPr lang="en-AU" dirty="0" smtClean="0"/>
-              <a:t>Custom Validator with dependencies and use it in a Reactive Form</a:t>
-            </a:r>
-          </a:p>
-          <a:p>
-            <a:pPr>
-              <a:spcAft>
-                <a:spcPts val="1200"/>
-              </a:spcAft>
-            </a:pPr>
-            <a:r>
-              <a:rPr lang="en-AU" dirty="0" smtClean="0"/>
-              <a:t>Custom Validator Directive for Model driven Form</a:t>
-            </a:r>
-          </a:p>
-          <a:p>
-            <a:pPr>
-              <a:spcAft>
-                <a:spcPts val="1200"/>
-              </a:spcAft>
-            </a:pPr>
-            <a:r>
-              <a:rPr lang="en-AU" dirty="0" smtClean="0"/>
-              <a:t>Multi Providers &amp; </a:t>
-            </a:r>
-            <a:r>
-              <a:rPr lang="en-AU" dirty="0"/>
-              <a:t>Forward References in </a:t>
-            </a:r>
-            <a:r>
-              <a:rPr lang="en-AU" dirty="0" smtClean="0"/>
-              <a:t>Angular</a:t>
-            </a:r>
-            <a:endParaRPr lang="en-AU" dirty="0"/>
-          </a:p>
-        </p:txBody>
-      </p:sp>
-    </p:spTree>
-    <p:extLst>
-      <p:ext uri="{BB962C8B-B14F-4D97-AF65-F5344CB8AC3E}">
-        <p14:creationId xmlns:p14="http://schemas.microsoft.com/office/powerpoint/2010/main" val="398887528"/>
-      </p:ext>
-    </p:extLst>
-  </p:cSld>
-  <p:clrMapOvr>
-    <a:masterClrMapping/>
-  </p:clrMapOvr>
-  <p:timing>
-    <p:tnLst>
-      <p:par>
-        <p:cTn id="1" dur="indefinite" restart="never" nodeType="tmRoot"/>
-      </p:par>
-    </p:tnLst>
-  </p:timing>
-</p:sld>
-</file>
-
-<file path=ppt/slides/slide4.xml><?xml version="1.0" encoding="utf-8"?>
-<p:sld xmlns:a="http://schemas.openxmlformats.org/drawingml/2006/main" xmlns:r="http://schemas.openxmlformats.org/officeDocument/2006/relationships" xmlns:p="http://schemas.openxmlformats.org/presentationml/2006/main">
-  <p:cSld>
-    <p:spTree>
-      <p:nvGrpSpPr>
-        <p:cNvPr id="1" name=""/>
-        <p:cNvGrpSpPr/>
-        <p:nvPr/>
-      </p:nvGrpSpPr>
-      <p:grpSpPr>
-        <a:xfrm>
-          <a:off x="0" y="0"/>
-          <a:ext cx="0" cy="0"/>
-          <a:chOff x="0" y="0"/>
-          <a:chExt cx="0" cy="0"/>
-        </a:xfrm>
-      </p:grpSpPr>
-      <p:sp>
-        <p:nvSpPr>
-          <p:cNvPr id="2" name="Title 1"/>
-          <p:cNvSpPr>
-            <a:spLocks noGrp="1"/>
-          </p:cNvSpPr>
-          <p:nvPr>
-            <p:ph type="title"/>
-          </p:nvPr>
-        </p:nvSpPr>
-        <p:spPr>
-          <a:xfrm>
-            <a:off x="755797" y="230659"/>
-            <a:ext cx="2407533" cy="716692"/>
-          </a:xfrm>
-        </p:spPr>
-        <p:txBody>
-          <a:bodyPr/>
-          <a:lstStyle/>
-          <a:p>
-            <a:r>
-              <a:rPr lang="en-AU" cap="none" dirty="0" smtClean="0"/>
-              <a:t>Validator: </a:t>
-            </a:r>
-            <a:endParaRPr lang="en-AU" cap="none" dirty="0"/>
-          </a:p>
-        </p:txBody>
-      </p:sp>
-      <p:sp>
-        <p:nvSpPr>
-          <p:cNvPr id="11" name="Rectangle 3"/>
-          <p:cNvSpPr>
-            <a:spLocks noChangeArrowheads="1"/>
-          </p:cNvSpPr>
-          <p:nvPr/>
-        </p:nvSpPr>
-        <p:spPr bwMode="auto">
-          <a:xfrm>
-            <a:off x="3021203" y="266407"/>
-            <a:ext cx="8956613" cy="1323439"/>
-          </a:xfrm>
-          <a:prstGeom prst="rect">
-            <a:avLst/>
-          </a:prstGeom>
-          <a:noFill/>
-          <a:ln>
-            <a:noFill/>
-          </a:ln>
-          <a:effectLst/>
-        </p:spPr>
-        <p:txBody>
-          <a:bodyPr vert="horz" wrap="square" lIns="91440" tIns="45720" rIns="91440" bIns="45720" numCol="1" anchor="ctr" anchorCtr="0" compatLnSpc="1">
-            <a:prstTxWarp prst="textNoShape">
-              <a:avLst/>
-            </a:prstTxWarp>
-            <a:spAutoFit/>
-          </a:bodyPr>
-          <a:lstStyle>
-            <a:lvl1pPr eaLnBrk="0" fontAlgn="base" hangingPunct="0">
-              <a:spcBef>
-                <a:spcPct val="0"/>
-              </a:spcBef>
-              <a:spcAft>
-                <a:spcPct val="0"/>
-              </a:spcAft>
-              <a:defRPr>
-                <a:solidFill>
-                  <a:schemeClr val="tx1"/>
-                </a:solidFill>
-                <a:latin typeface="Arial" panose="020B0604020202020204" pitchFamily="34" charset="0"/>
-              </a:defRPr>
-            </a:lvl1pPr>
-            <a:lvl2pPr eaLnBrk="0" fontAlgn="base" hangingPunct="0">
-              <a:spcBef>
-                <a:spcPct val="0"/>
-              </a:spcBef>
-              <a:spcAft>
-                <a:spcPct val="0"/>
-              </a:spcAft>
-              <a:defRPr>
-                <a:solidFill>
-                  <a:schemeClr val="tx1"/>
-                </a:solidFill>
-                <a:latin typeface="Arial" panose="020B0604020202020204" pitchFamily="34" charset="0"/>
-              </a:defRPr>
-            </a:lvl2pPr>
-            <a:lvl3pPr eaLnBrk="0" fontAlgn="base" hangingPunct="0">
-              <a:spcBef>
-                <a:spcPct val="0"/>
-              </a:spcBef>
-              <a:spcAft>
-                <a:spcPct val="0"/>
-              </a:spcAft>
-              <a:defRPr>
-                <a:solidFill>
-                  <a:schemeClr val="tx1"/>
-                </a:solidFill>
-                <a:latin typeface="Arial" panose="020B0604020202020204" pitchFamily="34" charset="0"/>
-              </a:defRPr>
-            </a:lvl3pPr>
-            <a:lvl4pPr eaLnBrk="0" fontAlgn="base" hangingPunct="0">
-              <a:spcBef>
-                <a:spcPct val="0"/>
-              </a:spcBef>
-              <a:spcAft>
-                <a:spcPct val="0"/>
-              </a:spcAft>
-              <a:defRPr>
-                <a:solidFill>
-                  <a:schemeClr val="tx1"/>
-                </a:solidFill>
-                <a:latin typeface="Arial" panose="020B0604020202020204" pitchFamily="34" charset="0"/>
-              </a:defRPr>
-            </a:lvl4pPr>
-            <a:lvl5pPr eaLnBrk="0" fontAlgn="base" hangingPunct="0">
-              <a:spcBef>
-                <a:spcPct val="0"/>
-              </a:spcBef>
-              <a:spcAft>
-                <a:spcPct val="0"/>
-              </a:spcAft>
-              <a:defRPr>
-                <a:solidFill>
-                  <a:schemeClr val="tx1"/>
-                </a:solidFill>
-                <a:latin typeface="Arial" panose="020B0604020202020204" pitchFamily="34" charset="0"/>
-              </a:defRPr>
-            </a:lvl5pPr>
-            <a:lvl6pPr eaLnBrk="0" fontAlgn="base" hangingPunct="0">
-              <a:spcBef>
-                <a:spcPct val="0"/>
-              </a:spcBef>
-              <a:spcAft>
-                <a:spcPct val="0"/>
-              </a:spcAft>
-              <a:defRPr>
-                <a:solidFill>
-                  <a:schemeClr val="tx1"/>
-                </a:solidFill>
-                <a:latin typeface="Arial" panose="020B0604020202020204" pitchFamily="34" charset="0"/>
-              </a:defRPr>
-            </a:lvl6pPr>
-            <a:lvl7pPr eaLnBrk="0" fontAlgn="base" hangingPunct="0">
-              <a:spcBef>
-                <a:spcPct val="0"/>
-              </a:spcBef>
-              <a:spcAft>
-                <a:spcPct val="0"/>
-              </a:spcAft>
-              <a:defRPr>
-                <a:solidFill>
-                  <a:schemeClr val="tx1"/>
-                </a:solidFill>
-                <a:latin typeface="Arial" panose="020B0604020202020204" pitchFamily="34" charset="0"/>
-              </a:defRPr>
-            </a:lvl7pPr>
-            <a:lvl8pPr eaLnBrk="0" fontAlgn="base" hangingPunct="0">
-              <a:spcBef>
-                <a:spcPct val="0"/>
-              </a:spcBef>
-              <a:spcAft>
-                <a:spcPct val="0"/>
-              </a:spcAft>
-              <a:defRPr>
-                <a:solidFill>
-                  <a:schemeClr val="tx1"/>
-                </a:solidFill>
-                <a:latin typeface="Arial" panose="020B0604020202020204" pitchFamily="34" charset="0"/>
-              </a:defRPr>
-            </a:lvl8pPr>
-            <a:lvl9pPr eaLnBrk="0" fontAlgn="base" hangingPunct="0">
-              <a:spcBef>
-                <a:spcPct val="0"/>
-              </a:spcBef>
-              <a:spcAft>
-                <a:spcPct val="0"/>
-              </a:spcAft>
-              <a:defRPr>
-                <a:solidFill>
-                  <a:schemeClr val="tx1"/>
-                </a:solidFill>
-                <a:latin typeface="Arial" panose="020B0604020202020204" pitchFamily="34" charset="0"/>
-              </a:defRPr>
-            </a:lvl9pPr>
-          </a:lstStyle>
-          <a:p>
-            <a:pPr lvl="0" defTabSz="914400"/>
-            <a:r>
-              <a:rPr lang="en-AU" altLang="en-US" sz="2000" dirty="0" smtClean="0">
-                <a:solidFill>
-                  <a:schemeClr val="bg1"/>
-                </a:solidFill>
-                <a:latin typeface="Calibri" panose="020F0502020204030204" pitchFamily="34" charset="0"/>
-              </a:rPr>
-              <a:t>A validator is a function that processes a </a:t>
-            </a:r>
-            <a:r>
-              <a:rPr lang="en-AU" altLang="en-US" sz="2000" dirty="0" err="1" smtClean="0">
-                <a:solidFill>
-                  <a:schemeClr val="bg1"/>
-                </a:solidFill>
-                <a:latin typeface="Calibri" panose="020F0502020204030204" pitchFamily="34" charset="0"/>
-              </a:rPr>
-              <a:t>FormControl</a:t>
-            </a:r>
-            <a:r>
-              <a:rPr lang="en-AU" altLang="en-US" sz="2000" dirty="0" smtClean="0">
-                <a:solidFill>
-                  <a:schemeClr val="bg1"/>
-                </a:solidFill>
-                <a:latin typeface="Calibri" panose="020F0502020204030204" pitchFamily="34" charset="0"/>
-              </a:rPr>
-              <a:t> and returns a map of errors. </a:t>
-            </a:r>
-            <a:br>
-              <a:rPr lang="en-AU" altLang="en-US" sz="2000" dirty="0" smtClean="0">
-                <a:solidFill>
-                  <a:schemeClr val="bg1"/>
-                </a:solidFill>
-                <a:latin typeface="Calibri" panose="020F0502020204030204" pitchFamily="34" charset="0"/>
-              </a:rPr>
-            </a:br>
-            <a:r>
-              <a:rPr lang="en-AU" altLang="en-US" sz="2000" dirty="0" smtClean="0">
-                <a:solidFill>
-                  <a:schemeClr val="bg1"/>
-                </a:solidFill>
-                <a:latin typeface="Calibri" panose="020F0502020204030204" pitchFamily="34" charset="0"/>
-              </a:rPr>
-              <a:t>Every time the value of a form control changes, Angular runs validation and generates either a list of validation errors, which results in an INVALID status, or null, which results in a VALID status.</a:t>
-            </a:r>
-            <a:r>
-              <a:rPr kumimoji="0" lang="en-US" altLang="en-US" sz="2000" b="0" i="0" u="none" strike="noStrike" cap="none" normalizeH="0" baseline="0" dirty="0" smtClean="0">
-                <a:ln>
-                  <a:noFill/>
-                </a:ln>
-                <a:solidFill>
-                  <a:schemeClr val="bg1"/>
-                </a:solidFill>
-                <a:effectLst/>
-                <a:latin typeface="Calibri" panose="020F0502020204030204" pitchFamily="34" charset="0"/>
-              </a:rPr>
-              <a:t> </a:t>
-            </a:r>
-          </a:p>
-        </p:txBody>
-      </p:sp>
-      <p:sp>
-        <p:nvSpPr>
-          <p:cNvPr id="12" name="TextBox 11"/>
-          <p:cNvSpPr txBox="1"/>
-          <p:nvPr/>
-        </p:nvSpPr>
-        <p:spPr>
-          <a:xfrm>
-            <a:off x="996974" y="1958631"/>
-            <a:ext cx="1779178" cy="369332"/>
-          </a:xfrm>
-          <a:prstGeom prst="rect">
-            <a:avLst/>
-          </a:prstGeom>
-          <a:noFill/>
-        </p:spPr>
-        <p:txBody>
-          <a:bodyPr wrap="square" rtlCol="0">
-            <a:spAutoFit/>
-          </a:bodyPr>
-          <a:lstStyle/>
-          <a:p>
-            <a:r>
-              <a:rPr lang="en-AU" dirty="0" smtClean="0"/>
-              <a:t>Reactive Form</a:t>
-            </a:r>
-            <a:endParaRPr lang="en-AU" dirty="0"/>
-          </a:p>
-        </p:txBody>
-      </p:sp>
-      <p:pic>
-        <p:nvPicPr>
-          <p:cNvPr id="13" name="Picture 12"/>
-          <p:cNvPicPr>
-            <a:picLocks noChangeAspect="1"/>
-          </p:cNvPicPr>
-          <p:nvPr/>
-        </p:nvPicPr>
-        <p:blipFill>
-          <a:blip r:embed="rId2"/>
-          <a:stretch>
-            <a:fillRect/>
-          </a:stretch>
-        </p:blipFill>
-        <p:spPr>
-          <a:xfrm>
-            <a:off x="1062876" y="2327963"/>
-            <a:ext cx="7115175" cy="1704975"/>
-          </a:xfrm>
-          <a:prstGeom prst="rect">
-            <a:avLst/>
-          </a:prstGeom>
-        </p:spPr>
-      </p:pic>
-      <p:pic>
-        <p:nvPicPr>
-          <p:cNvPr id="15" name="Picture 14"/>
-          <p:cNvPicPr>
-            <a:picLocks noChangeAspect="1"/>
-          </p:cNvPicPr>
-          <p:nvPr/>
-        </p:nvPicPr>
-        <p:blipFill>
-          <a:blip r:embed="rId3"/>
-          <a:stretch>
-            <a:fillRect/>
-          </a:stretch>
-        </p:blipFill>
-        <p:spPr>
-          <a:xfrm>
-            <a:off x="6177863" y="4771055"/>
-            <a:ext cx="5372100" cy="1943100"/>
-          </a:xfrm>
-          <a:prstGeom prst="rect">
-            <a:avLst/>
-          </a:prstGeom>
-        </p:spPr>
-      </p:pic>
-      <p:sp>
-        <p:nvSpPr>
-          <p:cNvPr id="16" name="TextBox 15"/>
-          <p:cNvSpPr txBox="1"/>
-          <p:nvPr/>
-        </p:nvSpPr>
-        <p:spPr>
-          <a:xfrm>
-            <a:off x="6157976" y="4384673"/>
-            <a:ext cx="3101354" cy="369332"/>
-          </a:xfrm>
-          <a:prstGeom prst="rect">
-            <a:avLst/>
-          </a:prstGeom>
-          <a:noFill/>
-        </p:spPr>
-        <p:txBody>
-          <a:bodyPr wrap="square" rtlCol="0">
-            <a:spAutoFit/>
-          </a:bodyPr>
-          <a:lstStyle/>
-          <a:p>
-            <a:r>
-              <a:rPr lang="en-AU" dirty="0" smtClean="0"/>
-              <a:t>Model Driven Form</a:t>
-            </a:r>
-            <a:endParaRPr lang="en-AU" dirty="0"/>
-          </a:p>
-        </p:txBody>
-      </p:sp>
-    </p:spTree>
-    <p:extLst>
-      <p:ext uri="{BB962C8B-B14F-4D97-AF65-F5344CB8AC3E}">
-        <p14:creationId xmlns:p14="http://schemas.microsoft.com/office/powerpoint/2010/main" val="2815170133"/>
-      </p:ext>
-    </p:extLst>
-  </p:cSld>
-  <p:clrMapOvr>
-    <a:masterClrMapping/>
-  </p:clrMapOvr>
-  <p:timing>
-    <p:tnLst>
-      <p:par>
-        <p:cTn id="1" dur="indefinite" restart="never" nodeType="tmRoot"/>
-      </p:par>
-    </p:tnLst>
-  </p:timing>
-</p:sld>
-</file>
-
-<file path=ppt/slides/slide5.xml><?xml version="1.0" encoding="utf-8"?>
-<p:sld xmlns:a="http://schemas.openxmlformats.org/drawingml/2006/main" xmlns:r="http://schemas.openxmlformats.org/officeDocument/2006/relationships" xmlns:p="http://schemas.openxmlformats.org/presentationml/2006/main">
-  <p:cSld>
-    <p:spTree>
-      <p:nvGrpSpPr>
-        <p:cNvPr id="1" name=""/>
-        <p:cNvGrpSpPr/>
-        <p:nvPr/>
-      </p:nvGrpSpPr>
-      <p:grpSpPr>
-        <a:xfrm>
-          <a:off x="0" y="0"/>
-          <a:ext cx="0" cy="0"/>
-          <a:chOff x="0" y="0"/>
-          <a:chExt cx="0" cy="0"/>
-        </a:xfrm>
-      </p:grpSpPr>
-      <p:pic>
-        <p:nvPicPr>
-          <p:cNvPr id="20" name="Picture 19"/>
-          <p:cNvPicPr>
-            <a:picLocks noChangeAspect="1"/>
-          </p:cNvPicPr>
-          <p:nvPr/>
-        </p:nvPicPr>
-        <p:blipFill>
-          <a:blip r:embed="rId2"/>
-          <a:stretch>
-            <a:fillRect/>
-          </a:stretch>
-        </p:blipFill>
-        <p:spPr>
-          <a:xfrm>
-            <a:off x="371608" y="1046203"/>
-            <a:ext cx="6143625" cy="5568780"/>
-          </a:xfrm>
-          <a:prstGeom prst="rect">
-            <a:avLst/>
-          </a:prstGeom>
-        </p:spPr>
-      </p:pic>
-      <p:sp>
-        <p:nvSpPr>
-          <p:cNvPr id="36" name="TextBox 35"/>
-          <p:cNvSpPr txBox="1"/>
-          <p:nvPr/>
-        </p:nvSpPr>
-        <p:spPr>
-          <a:xfrm>
-            <a:off x="214183" y="148282"/>
-            <a:ext cx="3822357" cy="646331"/>
-          </a:xfrm>
-          <a:prstGeom prst="rect">
-            <a:avLst/>
-          </a:prstGeom>
-          <a:noFill/>
-        </p:spPr>
-        <p:txBody>
-          <a:bodyPr wrap="square" rtlCol="0">
-            <a:spAutoFit/>
-          </a:bodyPr>
-          <a:lstStyle/>
-          <a:p>
-            <a:r>
-              <a:rPr lang="en-AU" sz="3600" b="1" dirty="0" smtClean="0"/>
-              <a:t>Custom Validator</a:t>
-            </a:r>
-            <a:endParaRPr lang="en-AU" sz="3600" b="1" dirty="0"/>
-          </a:p>
-        </p:txBody>
-      </p:sp>
-      <p:pic>
-        <p:nvPicPr>
-          <p:cNvPr id="38" name="Picture 37"/>
-          <p:cNvPicPr>
-            <a:picLocks noChangeAspect="1"/>
-          </p:cNvPicPr>
-          <p:nvPr/>
-        </p:nvPicPr>
-        <p:blipFill>
-          <a:blip r:embed="rId3"/>
-          <a:stretch>
-            <a:fillRect/>
-          </a:stretch>
-        </p:blipFill>
-        <p:spPr>
-          <a:xfrm>
-            <a:off x="6982086" y="1046203"/>
-            <a:ext cx="4686300" cy="5568780"/>
-          </a:xfrm>
-          <a:prstGeom prst="rect">
-            <a:avLst/>
-          </a:prstGeom>
-        </p:spPr>
-      </p:pic>
-      <p:sp>
-        <p:nvSpPr>
-          <p:cNvPr id="52" name="TextBox 51"/>
-          <p:cNvSpPr txBox="1"/>
-          <p:nvPr/>
-        </p:nvSpPr>
-        <p:spPr>
-          <a:xfrm>
-            <a:off x="8711502" y="218075"/>
-            <a:ext cx="3134510" cy="584775"/>
-          </a:xfrm>
-          <a:prstGeom prst="rect">
-            <a:avLst/>
-          </a:prstGeom>
-          <a:noFill/>
-        </p:spPr>
-        <p:txBody>
-          <a:bodyPr wrap="square" rtlCol="0">
-            <a:spAutoFit/>
-          </a:bodyPr>
-          <a:lstStyle/>
-          <a:p>
-            <a:pPr algn="r"/>
-            <a:r>
-              <a:rPr lang="en-AU" sz="3200" b="1" dirty="0"/>
-              <a:t>i</a:t>
-            </a:r>
-            <a:r>
-              <a:rPr lang="en-AU" sz="3200" b="1" dirty="0" smtClean="0"/>
-              <a:t>n Reactive Form</a:t>
-            </a:r>
-            <a:endParaRPr lang="en-AU" sz="3200" b="1" dirty="0"/>
-          </a:p>
-        </p:txBody>
-      </p:sp>
-    </p:spTree>
-    <p:extLst>
-      <p:ext uri="{BB962C8B-B14F-4D97-AF65-F5344CB8AC3E}">
-        <p14:creationId xmlns:p14="http://schemas.microsoft.com/office/powerpoint/2010/main" val="1426813466"/>
-      </p:ext>
-    </p:extLst>
-  </p:cSld>
-  <p:clrMapOvr>
-    <a:masterClrMapping/>
-  </p:clrMapOvr>
-  <mc:AlternateContent xmlns:mc="http://schemas.openxmlformats.org/markup-compatibility/2006" xmlns:p14="http://schemas.microsoft.com/office/powerpoint/2010/main">
-    <mc:Choice Requires="p14">
-      <p:transition spd="med" p14:dur="700">
-        <p:fade/>
-      </p:transition>
-    </mc:Choice>
-    <mc:Fallback xmlns="">
-      <p:transition spd="med">
-        <p:fade/>
-      </p:transition>
-    </mc:Fallback>
-  </mc:AlternateContent>
-  <p:timing>
-    <p:tnLst>
-      <p:par>
-        <p:cTn id="1" dur="indefinite" restart="never" nodeType="tmRoot"/>
-      </p:par>
-    </p:tnLst>
-  </p:timing>
-</p:sld>
-</file>
-
-<file path=ppt/slides/slide6.xml><?xml version="1.0" encoding="utf-8"?>
-<p:sld xmlns:a="http://schemas.openxmlformats.org/drawingml/2006/main" xmlns:r="http://schemas.openxmlformats.org/officeDocument/2006/relationships" xmlns:p="http://schemas.openxmlformats.org/presentationml/2006/main">
-  <p:cSld>
-    <p:spTree>
-      <p:nvGrpSpPr>
-        <p:cNvPr id="1" name=""/>
-        <p:cNvGrpSpPr/>
-        <p:nvPr/>
-      </p:nvGrpSpPr>
-      <p:grpSpPr>
-        <a:xfrm>
-          <a:off x="0" y="0"/>
-          <a:ext cx="0" cy="0"/>
-          <a:chOff x="0" y="0"/>
-          <a:chExt cx="0" cy="0"/>
-        </a:xfrm>
-      </p:grpSpPr>
-      <p:sp>
-        <p:nvSpPr>
-          <p:cNvPr id="4" name="TextBox 3"/>
-          <p:cNvSpPr txBox="1"/>
-          <p:nvPr/>
-        </p:nvSpPr>
-        <p:spPr>
-          <a:xfrm>
-            <a:off x="140042" y="31946"/>
-            <a:ext cx="9448802" cy="523220"/>
-          </a:xfrm>
-          <a:prstGeom prst="rect">
-            <a:avLst/>
-          </a:prstGeom>
-          <a:noFill/>
-        </p:spPr>
-        <p:txBody>
-          <a:bodyPr wrap="square" rtlCol="0">
-            <a:spAutoFit/>
-          </a:bodyPr>
-          <a:lstStyle/>
-          <a:p>
-            <a:r>
-              <a:rPr lang="en-AU" sz="2800" b="1" dirty="0"/>
-              <a:t>Accessing </a:t>
-            </a:r>
-            <a:r>
-              <a:rPr lang="en-AU" sz="2800" b="1" dirty="0" err="1" smtClean="0"/>
-              <a:t>FormControl</a:t>
-            </a:r>
-            <a:r>
-              <a:rPr lang="en-AU" sz="2800" b="1" dirty="0" smtClean="0"/>
-              <a:t> ‘</a:t>
-            </a:r>
-            <a:r>
-              <a:rPr lang="en-AU" sz="2800" b="1" dirty="0" err="1" smtClean="0"/>
-              <a:t>ValidationErrors</a:t>
-            </a:r>
-            <a:r>
-              <a:rPr lang="en-AU" sz="2800" b="1" dirty="0" smtClean="0"/>
-              <a:t>’</a:t>
-            </a:r>
-            <a:endParaRPr lang="en-AU" sz="2800" b="1" dirty="0"/>
-          </a:p>
-        </p:txBody>
-      </p:sp>
-      <p:pic>
-        <p:nvPicPr>
-          <p:cNvPr id="7" name="Picture 6"/>
-          <p:cNvPicPr>
-            <a:picLocks noChangeAspect="1"/>
-          </p:cNvPicPr>
-          <p:nvPr/>
-        </p:nvPicPr>
-        <p:blipFill>
-          <a:blip r:embed="rId2"/>
-          <a:stretch>
-            <a:fillRect/>
-          </a:stretch>
-        </p:blipFill>
-        <p:spPr>
-          <a:xfrm>
-            <a:off x="5843457" y="4728991"/>
-            <a:ext cx="5829300" cy="942975"/>
-          </a:xfrm>
-          <a:prstGeom prst="rect">
-            <a:avLst/>
-          </a:prstGeom>
-        </p:spPr>
-      </p:pic>
-      <p:pic>
-        <p:nvPicPr>
-          <p:cNvPr id="8" name="Picture 7"/>
-          <p:cNvPicPr>
-            <a:picLocks noChangeAspect="1"/>
-          </p:cNvPicPr>
-          <p:nvPr/>
-        </p:nvPicPr>
-        <p:blipFill>
-          <a:blip r:embed="rId3"/>
-          <a:stretch>
-            <a:fillRect/>
-          </a:stretch>
-        </p:blipFill>
-        <p:spPr>
-          <a:xfrm>
-            <a:off x="214182" y="5762108"/>
-            <a:ext cx="8010525" cy="962025"/>
-          </a:xfrm>
-          <a:prstGeom prst="rect">
-            <a:avLst/>
-          </a:prstGeom>
-        </p:spPr>
-      </p:pic>
-      <p:pic>
-        <p:nvPicPr>
-          <p:cNvPr id="3" name="Picture 2"/>
-          <p:cNvPicPr>
-            <a:picLocks noChangeAspect="1"/>
-          </p:cNvPicPr>
-          <p:nvPr/>
-        </p:nvPicPr>
-        <p:blipFill>
-          <a:blip r:embed="rId4"/>
-          <a:stretch>
-            <a:fillRect/>
-          </a:stretch>
-        </p:blipFill>
-        <p:spPr>
-          <a:xfrm>
-            <a:off x="518983" y="645308"/>
-            <a:ext cx="8496300" cy="3952875"/>
-          </a:xfrm>
-          <a:prstGeom prst="rect">
-            <a:avLst/>
-          </a:prstGeom>
-        </p:spPr>
-      </p:pic>
-    </p:spTree>
-    <p:extLst>
-      <p:ext uri="{BB962C8B-B14F-4D97-AF65-F5344CB8AC3E}">
-        <p14:creationId xmlns:p14="http://schemas.microsoft.com/office/powerpoint/2010/main" val="2049483848"/>
-      </p:ext>
-    </p:extLst>
-  </p:cSld>
-  <p:clrMapOvr>
-    <a:masterClrMapping/>
-  </p:clrMapOvr>
-  <p:timing>
-    <p:tnLst>
-      <p:par>
-        <p:cTn id="1" dur="indefinite" restart="never" nodeType="tmRoot"/>
-      </p:par>
-    </p:tnLst>
-  </p:timing>
-</p:sld>
-</file>
-
-<file path=ppt/slides/slide7.xml><?xml version="1.0" encoding="utf-8"?>
-<p:sld xmlns:a="http://schemas.openxmlformats.org/drawingml/2006/main" xmlns:r="http://schemas.openxmlformats.org/officeDocument/2006/relationships" xmlns:p="http://schemas.openxmlformats.org/presentationml/2006/main">
-  <p:cSld>
-    <p:spTree>
-      <p:nvGrpSpPr>
-        <p:cNvPr id="1" name=""/>
-        <p:cNvGrpSpPr/>
-        <p:nvPr/>
-      </p:nvGrpSpPr>
-      <p:grpSpPr>
-        <a:xfrm>
-          <a:off x="0" y="0"/>
-          <a:ext cx="0" cy="0"/>
-          <a:chOff x="0" y="0"/>
-          <a:chExt cx="0" cy="0"/>
-        </a:xfrm>
-      </p:grpSpPr>
-      <p:sp>
-        <p:nvSpPr>
-          <p:cNvPr id="2" name="TextBox 1"/>
-          <p:cNvSpPr txBox="1"/>
-          <p:nvPr/>
-        </p:nvSpPr>
-        <p:spPr>
-          <a:xfrm>
-            <a:off x="214183" y="148282"/>
-            <a:ext cx="8015417" cy="646331"/>
-          </a:xfrm>
-          <a:prstGeom prst="rect">
-            <a:avLst/>
-          </a:prstGeom>
-          <a:noFill/>
-        </p:spPr>
-        <p:txBody>
-          <a:bodyPr wrap="square" rtlCol="0">
-            <a:spAutoFit/>
-          </a:bodyPr>
-          <a:lstStyle/>
-          <a:p>
-            <a:r>
-              <a:rPr lang="en-AU" sz="3600" b="1" dirty="0" smtClean="0"/>
-              <a:t>Custom Validator with dependency</a:t>
-            </a:r>
-            <a:endParaRPr lang="en-AU" sz="3600" b="1" dirty="0"/>
-          </a:p>
-        </p:txBody>
-      </p:sp>
-      <p:pic>
-        <p:nvPicPr>
-          <p:cNvPr id="3" name="Picture 2"/>
-          <p:cNvPicPr>
-            <a:picLocks noChangeAspect="1"/>
-          </p:cNvPicPr>
-          <p:nvPr/>
-        </p:nvPicPr>
-        <p:blipFill>
-          <a:blip r:embed="rId2"/>
-          <a:stretch>
-            <a:fillRect/>
-          </a:stretch>
-        </p:blipFill>
-        <p:spPr>
-          <a:xfrm>
-            <a:off x="435854" y="922636"/>
-            <a:ext cx="9490741" cy="5634343"/>
-          </a:xfrm>
-          <a:prstGeom prst="rect">
-            <a:avLst/>
-          </a:prstGeom>
-        </p:spPr>
-      </p:pic>
-    </p:spTree>
-    <p:extLst>
-      <p:ext uri="{BB962C8B-B14F-4D97-AF65-F5344CB8AC3E}">
-        <p14:creationId xmlns:p14="http://schemas.microsoft.com/office/powerpoint/2010/main" val="3895582943"/>
-      </p:ext>
-    </p:extLst>
-  </p:cSld>
-  <p:clrMapOvr>
-    <a:masterClrMapping/>
-  </p:clrMapOvr>
-  <p:timing>
-    <p:tnLst>
-      <p:par>
-        <p:cTn id="1" dur="indefinite" restart="never" nodeType="tmRoot"/>
-      </p:par>
-    </p:tnLst>
-  </p:timing>
-</p:sld>
-</file>
-
-<file path=ppt/slides/slide8.xml><?xml version="1.0" encoding="utf-8"?>
-<p:sld xmlns:a="http://schemas.openxmlformats.org/drawingml/2006/main" xmlns:r="http://schemas.openxmlformats.org/officeDocument/2006/relationships" xmlns:p="http://schemas.openxmlformats.org/presentationml/2006/main">
-  <p:cSld>
-    <p:spTree>
-      <p:nvGrpSpPr>
-        <p:cNvPr id="1" name=""/>
-        <p:cNvGrpSpPr/>
-        <p:nvPr/>
-      </p:nvGrpSpPr>
-      <p:grpSpPr>
-        <a:xfrm>
-          <a:off x="0" y="0"/>
-          <a:ext cx="0" cy="0"/>
-          <a:chOff x="0" y="0"/>
-          <a:chExt cx="0" cy="0"/>
-        </a:xfrm>
-      </p:grpSpPr>
-      <p:sp>
-        <p:nvSpPr>
-          <p:cNvPr id="2" name="TextBox 1"/>
-          <p:cNvSpPr txBox="1"/>
-          <p:nvPr/>
-        </p:nvSpPr>
-        <p:spPr>
-          <a:xfrm>
-            <a:off x="214183" y="148282"/>
-            <a:ext cx="11236412" cy="584775"/>
-          </a:xfrm>
-          <a:prstGeom prst="rect">
-            <a:avLst/>
-          </a:prstGeom>
-          <a:noFill/>
-        </p:spPr>
-        <p:txBody>
-          <a:bodyPr wrap="square" rtlCol="0">
-            <a:spAutoFit/>
-          </a:bodyPr>
-          <a:lstStyle/>
-          <a:p>
-            <a:r>
-              <a:rPr lang="en-AU" sz="3200" b="1" dirty="0" smtClean="0"/>
-              <a:t>Calling Custom Validator with dependency in Reactive Form</a:t>
-            </a:r>
-            <a:endParaRPr lang="en-AU" sz="3200" b="1" dirty="0"/>
-          </a:p>
-        </p:txBody>
-      </p:sp>
-      <p:pic>
-        <p:nvPicPr>
-          <p:cNvPr id="3" name="Picture 2"/>
-          <p:cNvPicPr>
-            <a:picLocks noChangeAspect="1"/>
-          </p:cNvPicPr>
-          <p:nvPr/>
-        </p:nvPicPr>
-        <p:blipFill>
-          <a:blip r:embed="rId2"/>
-          <a:stretch>
-            <a:fillRect/>
-          </a:stretch>
-        </p:blipFill>
-        <p:spPr>
-          <a:xfrm>
-            <a:off x="555796" y="1092542"/>
-            <a:ext cx="5429250" cy="4953000"/>
-          </a:xfrm>
-          <a:prstGeom prst="rect">
-            <a:avLst/>
-          </a:prstGeom>
-        </p:spPr>
-      </p:pic>
-      <p:pic>
-        <p:nvPicPr>
-          <p:cNvPr id="4" name="Picture 3"/>
-          <p:cNvPicPr>
-            <a:picLocks noChangeAspect="1"/>
-          </p:cNvPicPr>
-          <p:nvPr/>
-        </p:nvPicPr>
-        <p:blipFill>
-          <a:blip r:embed="rId3"/>
-          <a:stretch>
-            <a:fillRect/>
-          </a:stretch>
-        </p:blipFill>
-        <p:spPr>
-          <a:xfrm>
-            <a:off x="6275559" y="2637267"/>
-            <a:ext cx="5572125" cy="1171575"/>
-          </a:xfrm>
-          <a:prstGeom prst="rect">
-            <a:avLst/>
-          </a:prstGeom>
-        </p:spPr>
-      </p:pic>
-    </p:spTree>
-    <p:extLst>
-      <p:ext uri="{BB962C8B-B14F-4D97-AF65-F5344CB8AC3E}">
-        <p14:creationId xmlns:p14="http://schemas.microsoft.com/office/powerpoint/2010/main" val="1098784061"/>
-      </p:ext>
-    </p:extLst>
-  </p:cSld>
-  <p:clrMapOvr>
-    <a:masterClrMapping/>
-  </p:clrMapOvr>
-  <p:timing>
-    <p:tnLst>
-      <p:par>
-        <p:cTn id="1" dur="indefinite" restart="never" nodeType="tmRoot"/>
-      </p:par>
-    </p:tnLst>
-  </p:timing>
-</p:sld>
-</file>
-
-<file path=ppt/slides/slide9.xml><?xml version="1.0" encoding="utf-8"?>
-<p:sld xmlns:a="http://schemas.openxmlformats.org/drawingml/2006/main" xmlns:r="http://schemas.openxmlformats.org/officeDocument/2006/relationships" xmlns:p="http://schemas.openxmlformats.org/presentationml/2006/main">
-  <p:cSld>
-    <p:spTree>
-      <p:nvGrpSpPr>
-        <p:cNvPr id="1" name=""/>
-        <p:cNvGrpSpPr/>
-        <p:nvPr/>
-      </p:nvGrpSpPr>
-      <p:grpSpPr>
-        <a:xfrm>
-          <a:off x="0" y="0"/>
-          <a:ext cx="0" cy="0"/>
-          <a:chOff x="0" y="0"/>
-          <a:chExt cx="0" cy="0"/>
-        </a:xfrm>
-      </p:grpSpPr>
-      <p:sp>
-        <p:nvSpPr>
-          <p:cNvPr id="2" name="TextBox 1"/>
-          <p:cNvSpPr txBox="1"/>
-          <p:nvPr/>
-        </p:nvSpPr>
-        <p:spPr>
-          <a:xfrm>
-            <a:off x="214183" y="148282"/>
-            <a:ext cx="8015417" cy="646331"/>
-          </a:xfrm>
-          <a:prstGeom prst="rect">
-            <a:avLst/>
-          </a:prstGeom>
-          <a:noFill/>
-        </p:spPr>
-        <p:txBody>
-          <a:bodyPr wrap="square" rtlCol="0">
-            <a:spAutoFit/>
-          </a:bodyPr>
-          <a:lstStyle/>
-          <a:p>
-            <a:r>
-              <a:rPr lang="en-AU" sz="3600" b="1" dirty="0" smtClean="0"/>
-              <a:t>Directives</a:t>
-            </a:r>
-            <a:endParaRPr lang="en-AU" sz="3600" b="1" dirty="0"/>
-          </a:p>
-        </p:txBody>
-      </p:sp>
-      <p:sp>
-        <p:nvSpPr>
-          <p:cNvPr id="3" name="Rectangle 3"/>
-          <p:cNvSpPr>
-            <a:spLocks noChangeArrowheads="1"/>
-          </p:cNvSpPr>
-          <p:nvPr/>
-        </p:nvSpPr>
-        <p:spPr bwMode="auto">
-          <a:xfrm>
-            <a:off x="706372" y="1033511"/>
-            <a:ext cx="10620656" cy="3735959"/>
-          </a:xfrm>
-          <a:prstGeom prst="rect">
-            <a:avLst/>
-          </a:prstGeom>
-          <a:noFill/>
-          <a:ln>
-            <a:noFill/>
-          </a:ln>
-          <a:effectLst/>
-        </p:spPr>
-        <p:txBody>
-          <a:bodyPr vert="horz" wrap="square" lIns="91440" tIns="45720" rIns="91440" bIns="45720" numCol="1" anchor="ctr" anchorCtr="0" compatLnSpc="1">
-            <a:prstTxWarp prst="textNoShape">
-              <a:avLst/>
-            </a:prstTxWarp>
-            <a:spAutoFit/>
-          </a:bodyPr>
-          <a:lstStyle>
-            <a:lvl1pPr eaLnBrk="0" fontAlgn="base" hangingPunct="0">
-              <a:spcBef>
-                <a:spcPct val="0"/>
-              </a:spcBef>
-              <a:spcAft>
-                <a:spcPct val="0"/>
-              </a:spcAft>
-              <a:defRPr>
-                <a:solidFill>
-                  <a:schemeClr val="tx1"/>
-                </a:solidFill>
-                <a:latin typeface="Arial" panose="020B0604020202020204" pitchFamily="34" charset="0"/>
-              </a:defRPr>
-            </a:lvl1pPr>
-            <a:lvl2pPr eaLnBrk="0" fontAlgn="base" hangingPunct="0">
-              <a:spcBef>
-                <a:spcPct val="0"/>
-              </a:spcBef>
-              <a:spcAft>
-                <a:spcPct val="0"/>
-              </a:spcAft>
-              <a:defRPr>
-                <a:solidFill>
-                  <a:schemeClr val="tx1"/>
-                </a:solidFill>
-                <a:latin typeface="Arial" panose="020B0604020202020204" pitchFamily="34" charset="0"/>
-              </a:defRPr>
-            </a:lvl2pPr>
-            <a:lvl3pPr eaLnBrk="0" fontAlgn="base" hangingPunct="0">
-              <a:spcBef>
-                <a:spcPct val="0"/>
-              </a:spcBef>
-              <a:spcAft>
-                <a:spcPct val="0"/>
-              </a:spcAft>
-              <a:defRPr>
-                <a:solidFill>
-                  <a:schemeClr val="tx1"/>
-                </a:solidFill>
-                <a:latin typeface="Arial" panose="020B0604020202020204" pitchFamily="34" charset="0"/>
-              </a:defRPr>
-            </a:lvl3pPr>
-            <a:lvl4pPr eaLnBrk="0" fontAlgn="base" hangingPunct="0">
-              <a:spcBef>
-                <a:spcPct val="0"/>
-              </a:spcBef>
-              <a:spcAft>
-                <a:spcPct val="0"/>
-              </a:spcAft>
-              <a:defRPr>
-                <a:solidFill>
-                  <a:schemeClr val="tx1"/>
-                </a:solidFill>
-                <a:latin typeface="Arial" panose="020B0604020202020204" pitchFamily="34" charset="0"/>
-              </a:defRPr>
-            </a:lvl4pPr>
-            <a:lvl5pPr eaLnBrk="0" fontAlgn="base" hangingPunct="0">
-              <a:spcBef>
-                <a:spcPct val="0"/>
-              </a:spcBef>
-              <a:spcAft>
-                <a:spcPct val="0"/>
-              </a:spcAft>
-              <a:defRPr>
-                <a:solidFill>
-                  <a:schemeClr val="tx1"/>
-                </a:solidFill>
-                <a:latin typeface="Arial" panose="020B0604020202020204" pitchFamily="34" charset="0"/>
-              </a:defRPr>
-            </a:lvl5pPr>
-            <a:lvl6pPr eaLnBrk="0" fontAlgn="base" hangingPunct="0">
-              <a:spcBef>
-                <a:spcPct val="0"/>
-              </a:spcBef>
-              <a:spcAft>
-                <a:spcPct val="0"/>
-              </a:spcAft>
-              <a:defRPr>
-                <a:solidFill>
-                  <a:schemeClr val="tx1"/>
-                </a:solidFill>
-                <a:latin typeface="Arial" panose="020B0604020202020204" pitchFamily="34" charset="0"/>
-              </a:defRPr>
-            </a:lvl6pPr>
-            <a:lvl7pPr eaLnBrk="0" fontAlgn="base" hangingPunct="0">
-              <a:spcBef>
-                <a:spcPct val="0"/>
-              </a:spcBef>
-              <a:spcAft>
-                <a:spcPct val="0"/>
-              </a:spcAft>
-              <a:defRPr>
-                <a:solidFill>
-                  <a:schemeClr val="tx1"/>
-                </a:solidFill>
-                <a:latin typeface="Arial" panose="020B0604020202020204" pitchFamily="34" charset="0"/>
-              </a:defRPr>
-            </a:lvl7pPr>
-            <a:lvl8pPr eaLnBrk="0" fontAlgn="base" hangingPunct="0">
-              <a:spcBef>
-                <a:spcPct val="0"/>
-              </a:spcBef>
-              <a:spcAft>
-                <a:spcPct val="0"/>
-              </a:spcAft>
-              <a:defRPr>
-                <a:solidFill>
-                  <a:schemeClr val="tx1"/>
-                </a:solidFill>
-                <a:latin typeface="Arial" panose="020B0604020202020204" pitchFamily="34" charset="0"/>
-              </a:defRPr>
-            </a:lvl8pPr>
-            <a:lvl9pPr eaLnBrk="0" fontAlgn="base" hangingPunct="0">
-              <a:spcBef>
-                <a:spcPct val="0"/>
-              </a:spcBef>
-              <a:spcAft>
-                <a:spcPct val="0"/>
-              </a:spcAft>
-              <a:defRPr>
-                <a:solidFill>
-                  <a:schemeClr val="tx1"/>
-                </a:solidFill>
-                <a:latin typeface="Arial" panose="020B0604020202020204" pitchFamily="34" charset="0"/>
-              </a:defRPr>
-            </a:lvl9pPr>
-          </a:lstStyle>
-          <a:p>
-            <a:pPr marL="342900" indent="-342900" defTabSz="914400">
-              <a:lnSpc>
-                <a:spcPct val="150000"/>
-              </a:lnSpc>
-              <a:buFont typeface="Arial" panose="020B0604020202020204" pitchFamily="34" charset="0"/>
-              <a:buChar char="•"/>
-            </a:pPr>
-            <a:r>
-              <a:rPr lang="en-AU" altLang="en-US" sz="2000" dirty="0" smtClean="0">
-                <a:latin typeface="Calibri" panose="020F0502020204030204" pitchFamily="34" charset="0"/>
-              </a:rPr>
-              <a:t>Components -  </a:t>
-            </a:r>
-            <a:r>
-              <a:rPr lang="en-AU" sz="2000" dirty="0"/>
-              <a:t>directives with a template</a:t>
-            </a:r>
-            <a:r>
-              <a:rPr lang="en-AU" altLang="en-US" sz="2000" dirty="0" smtClean="0">
-                <a:latin typeface="Calibri" panose="020F0502020204030204" pitchFamily="34" charset="0"/>
-              </a:rPr>
-              <a:t> </a:t>
-            </a:r>
-            <a:br>
-              <a:rPr lang="en-AU" altLang="en-US" sz="2000" dirty="0" smtClean="0">
-                <a:latin typeface="Calibri" panose="020F0502020204030204" pitchFamily="34" charset="0"/>
-              </a:rPr>
-            </a:br>
-            <a:r>
-              <a:rPr lang="en-AU" altLang="en-US" sz="2000" dirty="0" smtClean="0">
-                <a:latin typeface="Calibri" panose="020F0502020204030204" pitchFamily="34" charset="0"/>
-              </a:rPr>
-              <a:t>&lt;</a:t>
-            </a:r>
-            <a:r>
-              <a:rPr lang="en-AU" altLang="en-US" sz="2000" dirty="0" smtClean="0">
-                <a:solidFill>
-                  <a:srgbClr val="FF0000"/>
-                </a:solidFill>
-                <a:latin typeface="Calibri" panose="020F0502020204030204" pitchFamily="34" charset="0"/>
-              </a:rPr>
-              <a:t>my-custom-component-</a:t>
-            </a:r>
-            <a:r>
-              <a:rPr lang="en-AU" altLang="en-US" sz="2000" dirty="0" err="1" smtClean="0">
-                <a:solidFill>
-                  <a:srgbClr val="FF0000"/>
-                </a:solidFill>
-                <a:latin typeface="Calibri" panose="020F0502020204030204" pitchFamily="34" charset="0"/>
-              </a:rPr>
-              <a:t>dir</a:t>
-            </a:r>
-            <a:r>
-              <a:rPr lang="en-AU" altLang="en-US" sz="2000" dirty="0" smtClean="0">
-                <a:latin typeface="Calibri" panose="020F0502020204030204" pitchFamily="34" charset="0"/>
-              </a:rPr>
-              <a:t>&gt;&lt;/</a:t>
-            </a:r>
-            <a:r>
-              <a:rPr lang="en-AU" altLang="en-US" sz="2000" dirty="0" smtClean="0">
-                <a:solidFill>
-                  <a:srgbClr val="FF0000"/>
-                </a:solidFill>
-                <a:latin typeface="Calibri" panose="020F0502020204030204" pitchFamily="34" charset="0"/>
-              </a:rPr>
-              <a:t>my-custom-component-</a:t>
-            </a:r>
-            <a:r>
-              <a:rPr lang="en-AU" altLang="en-US" sz="2000" dirty="0" err="1" smtClean="0">
-                <a:solidFill>
-                  <a:srgbClr val="FF0000"/>
-                </a:solidFill>
-                <a:latin typeface="Calibri" panose="020F0502020204030204" pitchFamily="34" charset="0"/>
-              </a:rPr>
-              <a:t>dir</a:t>
-            </a:r>
-            <a:r>
-              <a:rPr lang="en-AU" altLang="en-US" sz="2000" dirty="0" smtClean="0">
-                <a:latin typeface="Calibri" panose="020F0502020204030204" pitchFamily="34" charset="0"/>
-              </a:rPr>
-              <a:t>&gt;</a:t>
-            </a:r>
-            <a:br>
-              <a:rPr lang="en-AU" altLang="en-US" sz="2000" dirty="0" smtClean="0">
-                <a:latin typeface="Calibri" panose="020F0502020204030204" pitchFamily="34" charset="0"/>
-              </a:rPr>
-            </a:br>
-            <a:endParaRPr lang="en-AU" altLang="en-US" sz="2000" dirty="0" smtClean="0">
-              <a:latin typeface="Calibri" panose="020F0502020204030204" pitchFamily="34" charset="0"/>
-            </a:endParaRPr>
-          </a:p>
-          <a:p>
-            <a:pPr marL="342900" indent="-342900" defTabSz="914400">
-              <a:lnSpc>
-                <a:spcPct val="150000"/>
-              </a:lnSpc>
-              <a:buFont typeface="Arial" panose="020B0604020202020204" pitchFamily="34" charset="0"/>
-              <a:buChar char="•"/>
-            </a:pPr>
-            <a:r>
-              <a:rPr kumimoji="0" lang="en-AU" altLang="en-US" sz="2000" b="0" i="0" u="none" strike="noStrike" cap="none" normalizeH="0" baseline="0" dirty="0" smtClean="0">
-                <a:ln>
-                  <a:noFill/>
-                </a:ln>
-                <a:effectLst/>
-                <a:latin typeface="Calibri" panose="020F0502020204030204" pitchFamily="34" charset="0"/>
-              </a:rPr>
-              <a:t>Structural Directives - </a:t>
-            </a:r>
-            <a:r>
-              <a:rPr lang="en-AU" sz="2000" dirty="0"/>
-              <a:t>change the DOM layout by adding and removing DOM elements</a:t>
-            </a:r>
-            <a:r>
-              <a:rPr lang="en-AU" sz="2000" dirty="0" smtClean="0"/>
-              <a:t>.</a:t>
-            </a:r>
-            <a:br>
-              <a:rPr lang="en-AU" sz="2000" dirty="0" smtClean="0"/>
-            </a:br>
-            <a:r>
-              <a:rPr lang="en-AU" sz="2000" dirty="0"/>
-              <a:t>&lt;p </a:t>
-            </a:r>
-            <a:r>
-              <a:rPr lang="en-AU" sz="2000" dirty="0">
-                <a:solidFill>
-                  <a:srgbClr val="FF0000"/>
-                </a:solidFill>
-              </a:rPr>
-              <a:t>*</a:t>
-            </a:r>
-            <a:r>
-              <a:rPr lang="en-AU" sz="2000" dirty="0" err="1">
-                <a:solidFill>
-                  <a:srgbClr val="FF0000"/>
-                </a:solidFill>
-              </a:rPr>
-              <a:t>ngIf</a:t>
-            </a:r>
-            <a:r>
-              <a:rPr lang="en-AU" sz="2000" dirty="0"/>
-              <a:t>="form1.controls['amount1'].</a:t>
-            </a:r>
-            <a:r>
-              <a:rPr lang="en-AU" sz="2000" dirty="0" err="1"/>
-              <a:t>errors.pattern</a:t>
-            </a:r>
-            <a:r>
-              <a:rPr lang="en-AU" sz="2000" dirty="0"/>
-              <a:t>"&gt;Invalid Amount&lt;/p</a:t>
-            </a:r>
-            <a:r>
-              <a:rPr lang="en-AU" sz="2000" dirty="0" smtClean="0"/>
-              <a:t>&gt;</a:t>
-            </a:r>
-            <a:br>
-              <a:rPr lang="en-AU" sz="2000" dirty="0" smtClean="0"/>
-            </a:br>
-            <a:r>
-              <a:rPr lang="en-AU" sz="2000" dirty="0"/>
-              <a:t>&lt;</a:t>
-            </a:r>
-            <a:r>
-              <a:rPr lang="en-AU" sz="2000" dirty="0" err="1"/>
-              <a:t>ul</a:t>
-            </a:r>
-            <a:r>
-              <a:rPr lang="en-AU" sz="2000" dirty="0"/>
-              <a:t>&gt; &lt;li </a:t>
-            </a:r>
-            <a:r>
-              <a:rPr lang="en-AU" sz="2000" dirty="0">
-                <a:solidFill>
-                  <a:srgbClr val="FF0000"/>
-                </a:solidFill>
-              </a:rPr>
-              <a:t>*</a:t>
-            </a:r>
-            <a:r>
-              <a:rPr lang="en-AU" sz="2000" dirty="0" err="1">
-                <a:solidFill>
-                  <a:srgbClr val="FF0000"/>
-                </a:solidFill>
-              </a:rPr>
-              <a:t>ngFor</a:t>
-            </a:r>
-            <a:r>
-              <a:rPr lang="en-AU" sz="2000" dirty="0"/>
-              <a:t>="let hero of heroes"&gt;{{hero.name}}&lt;/li&gt; &lt;/</a:t>
-            </a:r>
-            <a:r>
-              <a:rPr lang="en-AU" sz="2000" dirty="0" err="1"/>
-              <a:t>ul</a:t>
-            </a:r>
-            <a:r>
-              <a:rPr lang="en-AU" sz="2000" dirty="0"/>
-              <a:t>&gt;</a:t>
-            </a:r>
-          </a:p>
-          <a:p>
-            <a:pPr marL="342900" lvl="0" indent="-342900" defTabSz="914400">
-              <a:lnSpc>
-                <a:spcPct val="150000"/>
-              </a:lnSpc>
-              <a:buFont typeface="Arial" panose="020B0604020202020204" pitchFamily="34" charset="0"/>
-              <a:buChar char="•"/>
-            </a:pPr>
-            <a:endParaRPr kumimoji="0" lang="en-AU" altLang="en-US" sz="2000" b="0" i="0" u="none" strike="noStrike" cap="none" normalizeH="0" baseline="0" dirty="0" smtClean="0">
-              <a:ln>
-                <a:noFill/>
-              </a:ln>
-              <a:effectLst/>
-              <a:latin typeface="Calibri" panose="020F0502020204030204" pitchFamily="34" charset="0"/>
-            </a:endParaRPr>
-          </a:p>
-          <a:p>
-            <a:pPr marL="342900" lvl="0" indent="-342900" defTabSz="914400">
-              <a:lnSpc>
-                <a:spcPct val="150000"/>
-              </a:lnSpc>
-              <a:buFont typeface="Arial" panose="020B0604020202020204" pitchFamily="34" charset="0"/>
-              <a:buChar char="•"/>
-            </a:pPr>
-            <a:r>
-              <a:rPr lang="en-AU" altLang="en-US" sz="2000" dirty="0" smtClean="0">
-                <a:latin typeface="Calibri" panose="020F0502020204030204" pitchFamily="34" charset="0"/>
-              </a:rPr>
-              <a:t>Attribute Directives - </a:t>
-            </a:r>
-            <a:r>
-              <a:rPr lang="en-AU" sz="2000" dirty="0"/>
-              <a:t>change the appearance or </a:t>
-            </a:r>
-            <a:r>
-              <a:rPr lang="en-AU" sz="2000" dirty="0" err="1"/>
-              <a:t>behavior</a:t>
-            </a:r>
-            <a:r>
-              <a:rPr lang="en-AU" sz="2000" dirty="0"/>
-              <a:t> of an element, component</a:t>
-            </a:r>
-            <a:endParaRPr kumimoji="0" lang="en-US" altLang="en-US" sz="2000" b="0" i="0" u="none" strike="noStrike" cap="none" normalizeH="0" baseline="0" dirty="0" smtClean="0">
-              <a:ln>
-                <a:noFill/>
-              </a:ln>
-              <a:effectLst/>
-              <a:latin typeface="Calibri" panose="020F0502020204030204" pitchFamily="34" charset="0"/>
-            </a:endParaRPr>
-          </a:p>
-        </p:txBody>
-      </p:sp>
-    </p:spTree>
-    <p:extLst>
-      <p:ext uri="{BB962C8B-B14F-4D97-AF65-F5344CB8AC3E}">
-        <p14:creationId xmlns:p14="http://schemas.microsoft.com/office/powerpoint/2010/main" val="669798153"/>
-      </p:ext>
-    </p:extLst>
-  </p:cSld>
-  <p:clrMapOvr>
-    <a:masterClrMapping/>
-  </p:clrMapOvr>
-  <p:timing>
-    <p:tnLst>
-      <p:par>
-        <p:cTn id="1" dur="indefinite" restart="never" nodeType="tmRoot"/>
-      </p:par>
-    </p:tnLst>
   </p:timing>
 </p:sld>
 </file>
@@ -7072,6 +9879,267 @@
 </a:theme>
 </file>
 
+<file path=ppt/theme/theme2.xml><?xml version="1.0" encoding="utf-8"?>
+<a:theme xmlns:a="http://schemas.openxmlformats.org/drawingml/2006/main" name="Office Theme">
+  <a:themeElements>
+    <a:clrScheme name="Office">
+      <a:dk1>
+        <a:sysClr val="windowText" lastClr="000000"/>
+      </a:dk1>
+      <a:lt1>
+        <a:sysClr val="window" lastClr="FFFFFF"/>
+      </a:lt1>
+      <a:dk2>
+        <a:srgbClr val="44546A"/>
+      </a:dk2>
+      <a:lt2>
+        <a:srgbClr val="E7E6E6"/>
+      </a:lt2>
+      <a:accent1>
+        <a:srgbClr val="5B9BD5"/>
+      </a:accent1>
+      <a:accent2>
+        <a:srgbClr val="ED7D31"/>
+      </a:accent2>
+      <a:accent3>
+        <a:srgbClr val="A5A5A5"/>
+      </a:accent3>
+      <a:accent4>
+        <a:srgbClr val="FFC000"/>
+      </a:accent4>
+      <a:accent5>
+        <a:srgbClr val="4472C4"/>
+      </a:accent5>
+      <a:accent6>
+        <a:srgbClr val="70AD47"/>
+      </a:accent6>
+      <a:hlink>
+        <a:srgbClr val="0563C1"/>
+      </a:hlink>
+      <a:folHlink>
+        <a:srgbClr val="954F72"/>
+      </a:folHlink>
+    </a:clrScheme>
+    <a:fontScheme name="Office">
+      <a:majorFont>
+        <a:latin typeface="Calibri Light" panose="020F0302020204030204"/>
+        <a:ea typeface=""/>
+        <a:cs typeface=""/>
+        <a:font script="Jpan" typeface="ＭＳ Ｐゴシック"/>
+        <a:font script="Hang" typeface="맑은 고딕"/>
+        <a:font script="Hans" typeface="宋体"/>
+        <a:font script="Hant" typeface="新細明體"/>
+        <a:font script="Arab" typeface="Times New Roman"/>
+        <a:font script="Hebr" typeface="Times New Roman"/>
+        <a:font script="Thai" typeface="Angsana New"/>
+        <a:font script="Ethi" typeface="Nyala"/>
+        <a:font script="Beng" typeface="Vrinda"/>
+        <a:font script="Gujr" typeface="Shruti"/>
+        <a:font script="Khmr" typeface="MoolBoran"/>
+        <a:font script="Knda" typeface="Tunga"/>
+        <a:font script="Guru" typeface="Raavi"/>
+        <a:font script="Cans" typeface="Euphemia"/>
+        <a:font script="Cher" typeface="Plantagenet Cherokee"/>
+        <a:font script="Yiii" typeface="Microsoft Yi Baiti"/>
+        <a:font script="Tibt" typeface="Microsoft Himalaya"/>
+        <a:font script="Thaa" typeface="MV Boli"/>
+        <a:font script="Deva" typeface="Mangal"/>
+        <a:font script="Telu" typeface="Gautami"/>
+        <a:font script="Taml" typeface="Latha"/>
+        <a:font script="Syrc" typeface="Estrangelo Edessa"/>
+        <a:font script="Orya" typeface="Kalinga"/>
+        <a:font script="Mlym" typeface="Kartika"/>
+        <a:font script="Laoo" typeface="DokChampa"/>
+        <a:font script="Sinh" typeface="Iskoola Pota"/>
+        <a:font script="Mong" typeface="Mongolian Baiti"/>
+        <a:font script="Viet" typeface="Times New Roman"/>
+        <a:font script="Uigh" typeface="Microsoft Uighur"/>
+        <a:font script="Geor" typeface="Sylfaen"/>
+      </a:majorFont>
+      <a:minorFont>
+        <a:latin typeface="Calibri" panose="020F0502020204030204"/>
+        <a:ea typeface=""/>
+        <a:cs typeface=""/>
+        <a:font script="Jpan" typeface="ＭＳ Ｐゴシック"/>
+        <a:font script="Hang" typeface="맑은 고딕"/>
+        <a:font script="Hans" typeface="宋体"/>
+        <a:font script="Hant" typeface="新細明體"/>
+        <a:font script="Arab" typeface="Arial"/>
+        <a:font script="Hebr" typeface="Arial"/>
+        <a:font script="Thai" typeface="Cordia New"/>
+        <a:font script="Ethi" typeface="Nyala"/>
+        <a:font script="Beng" typeface="Vrinda"/>
+        <a:font script="Gujr" typeface="Shruti"/>
+        <a:font script="Khmr" typeface="DaunPenh"/>
+        <a:font script="Knda" typeface="Tunga"/>
+        <a:font script="Guru" typeface="Raavi"/>
+        <a:font script="Cans" typeface="Euphemia"/>
+        <a:font script="Cher" typeface="Plantagenet Cherokee"/>
+        <a:font script="Yiii" typeface="Microsoft Yi Baiti"/>
+        <a:font script="Tibt" typeface="Microsoft Himalaya"/>
+        <a:font script="Thaa" typeface="MV Boli"/>
+        <a:font script="Deva" typeface="Mangal"/>
+        <a:font script="Telu" typeface="Gautami"/>
+        <a:font script="Taml" typeface="Latha"/>
+        <a:font script="Syrc" typeface="Estrangelo Edessa"/>
+        <a:font script="Orya" typeface="Kalinga"/>
+        <a:font script="Mlym" typeface="Kartika"/>
+        <a:font script="Laoo" typeface="DokChampa"/>
+        <a:font script="Sinh" typeface="Iskoola Pota"/>
+        <a:font script="Mong" typeface="Mongolian Baiti"/>
+        <a:font script="Viet" typeface="Arial"/>
+        <a:font script="Uigh" typeface="Microsoft Uighur"/>
+        <a:font script="Geor" typeface="Sylfaen"/>
+      </a:minorFont>
+    </a:fontScheme>
+    <a:fmtScheme name="Office">
+      <a:fillStyleLst>
+        <a:solidFill>
+          <a:schemeClr val="phClr"/>
+        </a:solidFill>
+        <a:gradFill rotWithShape="1">
+          <a:gsLst>
+            <a:gs pos="0">
+              <a:schemeClr val="phClr">
+                <a:lumMod val="110000"/>
+                <a:satMod val="105000"/>
+                <a:tint val="67000"/>
+              </a:schemeClr>
+            </a:gs>
+            <a:gs pos="50000">
+              <a:schemeClr val="phClr">
+                <a:lumMod val="105000"/>
+                <a:satMod val="103000"/>
+                <a:tint val="73000"/>
+              </a:schemeClr>
+            </a:gs>
+            <a:gs pos="100000">
+              <a:schemeClr val="phClr">
+                <a:lumMod val="105000"/>
+                <a:satMod val="109000"/>
+                <a:tint val="81000"/>
+              </a:schemeClr>
+            </a:gs>
+          </a:gsLst>
+          <a:lin ang="5400000" scaled="0"/>
+        </a:gradFill>
+        <a:gradFill rotWithShape="1">
+          <a:gsLst>
+            <a:gs pos="0">
+              <a:schemeClr val="phClr">
+                <a:satMod val="103000"/>
+                <a:lumMod val="102000"/>
+                <a:tint val="94000"/>
+              </a:schemeClr>
+            </a:gs>
+            <a:gs pos="50000">
+              <a:schemeClr val="phClr">
+                <a:satMod val="110000"/>
+                <a:lumMod val="100000"/>
+                <a:shade val="100000"/>
+              </a:schemeClr>
+            </a:gs>
+            <a:gs pos="100000">
+              <a:schemeClr val="phClr">
+                <a:lumMod val="99000"/>
+                <a:satMod val="120000"/>
+                <a:shade val="78000"/>
+              </a:schemeClr>
+            </a:gs>
+          </a:gsLst>
+          <a:lin ang="5400000" scaled="0"/>
+        </a:gradFill>
+      </a:fillStyleLst>
+      <a:lnStyleLst>
+        <a:ln w="6350" cap="flat" cmpd="sng" algn="ctr">
+          <a:solidFill>
+            <a:schemeClr val="phClr"/>
+          </a:solidFill>
+          <a:prstDash val="solid"/>
+          <a:miter lim="800000"/>
+        </a:ln>
+        <a:ln w="12700" cap="flat" cmpd="sng" algn="ctr">
+          <a:solidFill>
+            <a:schemeClr val="phClr"/>
+          </a:solidFill>
+          <a:prstDash val="solid"/>
+          <a:miter lim="800000"/>
+        </a:ln>
+        <a:ln w="19050" cap="flat" cmpd="sng" algn="ctr">
+          <a:solidFill>
+            <a:schemeClr val="phClr"/>
+          </a:solidFill>
+          <a:prstDash val="solid"/>
+          <a:miter lim="800000"/>
+        </a:ln>
+      </a:lnStyleLst>
+      <a:effectStyleLst>
+        <a:effectStyle>
+          <a:effectLst/>
+        </a:effectStyle>
+        <a:effectStyle>
+          <a:effectLst/>
+        </a:effectStyle>
+        <a:effectStyle>
+          <a:effectLst>
+            <a:outerShdw blurRad="57150" dist="19050" dir="5400000" algn="ctr" rotWithShape="0">
+              <a:srgbClr val="000000">
+                <a:alpha val="63000"/>
+              </a:srgbClr>
+            </a:outerShdw>
+          </a:effectLst>
+        </a:effectStyle>
+      </a:effectStyleLst>
+      <a:bgFillStyleLst>
+        <a:solidFill>
+          <a:schemeClr val="phClr"/>
+        </a:solidFill>
+        <a:solidFill>
+          <a:schemeClr val="phClr">
+            <a:tint val="95000"/>
+            <a:satMod val="170000"/>
+          </a:schemeClr>
+        </a:solidFill>
+        <a:gradFill rotWithShape="1">
+          <a:gsLst>
+            <a:gs pos="0">
+              <a:schemeClr val="phClr">
+                <a:tint val="93000"/>
+                <a:satMod val="150000"/>
+                <a:shade val="98000"/>
+                <a:lumMod val="102000"/>
+              </a:schemeClr>
+            </a:gs>
+            <a:gs pos="50000">
+              <a:schemeClr val="phClr">
+                <a:tint val="98000"/>
+                <a:satMod val="130000"/>
+                <a:shade val="90000"/>
+                <a:lumMod val="103000"/>
+              </a:schemeClr>
+            </a:gs>
+            <a:gs pos="100000">
+              <a:schemeClr val="phClr">
+                <a:shade val="63000"/>
+                <a:satMod val="120000"/>
+              </a:schemeClr>
+            </a:gs>
+          </a:gsLst>
+          <a:lin ang="5400000" scaled="0"/>
+        </a:gradFill>
+      </a:bgFillStyleLst>
+    </a:fmtScheme>
+  </a:themeElements>
+  <a:objectDefaults/>
+  <a:extraClrSchemeLst/>
+  <a:extLst>
+    <a:ext uri="{05A4C25C-085E-4340-85A3-A5531E510DB2}">
+      <thm15:themeFamily xmlns:thm15="http://schemas.microsoft.com/office/thememl/2012/main" name="Office Theme" id="{62F939B6-93AF-4DB8-9C6B-D6C7DFDC589F}" vid="{4A3C46E8-61CC-4603-A589-7422A47A8E4A}"/>
+    </a:ext>
+  </a:extLst>
+</a:theme>
+</file>
+
 <file path=customXml/item1.xml><?xml version="1.0" encoding="utf-8"?>
 <Control xmlns="http://schemas.microsoft.com/VisualStudio/2011/storyboarding/control">
   <Id Name="86b66992-fc9c-426e-aab6-dfc6a8793bea" Revision="1" Stencil="System.MyShapes" StencilVersion="1.0"/>

--- a/Custom Validator & Directive.pptx
+++ b/Custom Validator & Directive.pptx
@@ -5,7 +5,7 @@
     <p:sldMasterId id="2147483648" r:id="rId2"/>
   </p:sldMasterIdLst>
   <p:notesMasterIdLst>
-    <p:notesMasterId r:id="rId16"/>
+    <p:notesMasterId r:id="rId15"/>
   </p:notesMasterIdLst>
   <p:sldIdLst>
     <p:sldId id="256" r:id="rId3"/>
@@ -19,8 +19,7 @@
     <p:sldId id="266" r:id="rId11"/>
     <p:sldId id="265" r:id="rId12"/>
     <p:sldId id="267" r:id="rId13"/>
-    <p:sldId id="268" r:id="rId14"/>
-    <p:sldId id="272" r:id="rId15"/>
+    <p:sldId id="272" r:id="rId14"/>
   </p:sldIdLst>
   <p:sldSz cx="12192000" cy="6858000"/>
   <p:notesSz cx="6858000" cy="9144000"/>
@@ -254,7 +253,7 @@
           <a:p>
             <a:fld id="{EE109A66-D011-40DD-AD8B-04F92BD515AF}" type="datetimeFigureOut">
               <a:rPr lang="en-AU" smtClean="0"/>
-              <a:t>7/10/2017</a:t>
+              <a:t>10/10/2017</a:t>
             </a:fld>
             <a:endParaRPr lang="en-AU"/>
           </a:p>
@@ -782,7 +781,7 @@
           <a:p>
             <a:fld id="{E8537BA8-6A8F-4130-83C4-4F82A5AD1C67}" type="datetime1">
               <a:rPr lang="en-US" smtClean="0"/>
-              <a:t>10/7/2017</a:t>
+              <a:t>10/10/2017</a:t>
             </a:fld>
             <a:endParaRPr lang="en-US" dirty="0"/>
           </a:p>
@@ -947,7 +946,7 @@
           <a:p>
             <a:fld id="{6748436A-B790-4851-BD44-7ECED3ADBB3C}" type="datetime1">
               <a:rPr lang="en-US" smtClean="0"/>
-              <a:t>10/7/2017</a:t>
+              <a:t>10/10/2017</a:t>
             </a:fld>
             <a:endParaRPr lang="en-US" dirty="0"/>
           </a:p>
@@ -1165,7 +1164,7 @@
           <a:p>
             <a:fld id="{BE9AA015-55B8-4A2B-8A6B-CF101FF90EF7}" type="datetime1">
               <a:rPr lang="en-US" smtClean="0"/>
-              <a:t>10/7/2017</a:t>
+              <a:t>10/10/2017</a:t>
             </a:fld>
             <a:endParaRPr lang="en-US" dirty="0"/>
           </a:p>
@@ -1340,7 +1339,7 @@
           <a:p>
             <a:fld id="{9A8B12E1-1130-4BBF-B584-0ADF5964A8B3}" type="datetime1">
               <a:rPr lang="en-US" smtClean="0"/>
-              <a:t>10/7/2017</a:t>
+              <a:t>10/10/2017</a:t>
             </a:fld>
             <a:endParaRPr lang="en-US" dirty="0"/>
           </a:p>
@@ -1641,7 +1640,7 @@
           <a:p>
             <a:fld id="{92A3A080-08D4-4491-8B19-B23336A173C2}" type="datetime1">
               <a:rPr lang="en-US" smtClean="0"/>
-              <a:t>10/7/2017</a:t>
+              <a:t>10/10/2017</a:t>
             </a:fld>
             <a:endParaRPr lang="en-US" dirty="0"/>
           </a:p>
@@ -1941,7 +1940,7 @@
           <a:p>
             <a:fld id="{C5AD1B90-CA4C-467D-B721-481A4F0E7945}" type="datetime1">
               <a:rPr lang="en-US" smtClean="0"/>
-              <a:t>10/7/2017</a:t>
+              <a:t>10/10/2017</a:t>
             </a:fld>
             <a:endParaRPr lang="en-US" dirty="0"/>
           </a:p>
@@ -2358,7 +2357,7 @@
           <a:p>
             <a:fld id="{D47C2297-E751-4F08-8EB8-7656A210BE26}" type="datetime1">
               <a:rPr lang="en-US" smtClean="0"/>
-              <a:t>10/7/2017</a:t>
+              <a:t>10/10/2017</a:t>
             </a:fld>
             <a:endParaRPr lang="en-US" dirty="0"/>
           </a:p>
@@ -2471,7 +2470,7 @@
           <a:p>
             <a:fld id="{5CE70E67-5149-47C5-BAE4-E4AC4511191B}" type="datetime1">
               <a:rPr lang="en-US" smtClean="0"/>
-              <a:t>10/7/2017</a:t>
+              <a:t>10/10/2017</a:t>
             </a:fld>
             <a:endParaRPr lang="en-US" dirty="0"/>
           </a:p>
@@ -2561,7 +2560,7 @@
           <a:p>
             <a:fld id="{146EAA39-025D-4779-9805-3BB8C9483DA8}" type="datetime1">
               <a:rPr lang="en-US" smtClean="0"/>
-              <a:t>10/7/2017</a:t>
+              <a:t>10/10/2017</a:t>
             </a:fld>
             <a:endParaRPr lang="en-US" dirty="0"/>
           </a:p>
@@ -2829,7 +2828,7 @@
           <a:p>
             <a:fld id="{FC81F383-D035-4A34-B5B8-C5BBA644D78D}" type="datetime1">
               <a:rPr lang="en-US" smtClean="0"/>
-              <a:t>10/7/2017</a:t>
+              <a:t>10/10/2017</a:t>
             </a:fld>
             <a:endParaRPr lang="en-US" dirty="0"/>
           </a:p>
@@ -3089,7 +3088,7 @@
           <a:p>
             <a:fld id="{2B3B2E31-5EC0-459C-AAB3-A562F1CDFAA3}" type="datetime1">
               <a:rPr lang="en-US" smtClean="0"/>
-              <a:t>10/7/2017</a:t>
+              <a:t>10/10/2017</a:t>
             </a:fld>
             <a:endParaRPr lang="en-US" dirty="0"/>
           </a:p>
@@ -3333,7 +3332,7 @@
           <a:p>
             <a:fld id="{CB85F239-AFD7-4D60-9835-27F1985ACEE8}" type="datetime1">
               <a:rPr lang="en-US" smtClean="0"/>
-              <a:t>10/7/2017</a:t>
+              <a:t>10/10/2017</a:t>
             </a:fld>
             <a:endParaRPr lang="en-US" dirty="0"/>
           </a:p>
@@ -3844,11 +3843,7 @@
           <a:p>
             <a:r>
               <a:rPr lang="en-AU" sz="3600" b="1" smtClean="0"/>
-              <a:t>Timmy </a:t>
-            </a:r>
-            <a:r>
-              <a:rPr lang="en-AU" sz="3600" b="1" smtClean="0"/>
-              <a:t>K Tom</a:t>
+              <a:t>Timmy K Tom</a:t>
             </a:r>
             <a:r>
               <a:rPr lang="en-AU" sz="3600" b="1" dirty="0" smtClean="0"/>
@@ -3985,15 +3980,15 @@
           <a:p>
             <a:r>
               <a:rPr lang="en-AU" sz="2800" b="1" dirty="0" smtClean="0"/>
-              <a:t>Custom Directive using Custom Validator </a:t>
+              <a:t>Custom Directive </a:t>
             </a:r>
             <a:r>
               <a:rPr lang="en-AU" sz="2800" b="1" dirty="0" smtClean="0"/>
-              <a:t>with </a:t>
+              <a:t>for </a:t>
             </a:r>
             <a:r>
               <a:rPr lang="en-AU" sz="2800" b="1" dirty="0" smtClean="0"/>
-              <a:t>dependency</a:t>
+              <a:t>Custom Validator with dependency</a:t>
             </a:r>
             <a:endParaRPr lang="en-AU" sz="2800" b="1" dirty="0"/>
           </a:p>
@@ -4897,11 +4892,7 @@
           <a:p>
             <a:r>
               <a:rPr lang="en-AU" sz="2800" b="1" dirty="0" smtClean="0"/>
-              <a:t>Using </a:t>
-            </a:r>
-            <a:r>
-              <a:rPr lang="en-AU" sz="2800" b="1" dirty="0" smtClean="0"/>
-              <a:t>Custom Directive</a:t>
+              <a:t>Using Custom Directive</a:t>
             </a:r>
             <a:endParaRPr lang="en-AU" sz="2800" b="1" dirty="0"/>
           </a:p>
@@ -4955,7 +4946,15 @@
           <a:p>
             <a:r>
               <a:rPr lang="en-AU" dirty="0" smtClean="0"/>
-              <a:t>Add Directives to App/Shared module declarations</a:t>
+              <a:t>Add Directives to </a:t>
+            </a:r>
+            <a:r>
+              <a:rPr lang="en-AU" dirty="0" err="1" smtClean="0"/>
+              <a:t>NgModule</a:t>
+            </a:r>
+            <a:r>
+              <a:rPr lang="en-AU" dirty="0" smtClean="0"/>
+              <a:t> declarations</a:t>
             </a:r>
             <a:endParaRPr lang="en-AU" dirty="0"/>
           </a:p>
@@ -5170,7 +5169,7 @@
                             </p:stCondLst>
                             <p:childTnLst>
                               <p:par>
-                                <p:cTn id="5" presetID="53" presetClass="entr" presetSubtype="16" fill="hold" nodeType="clickEffect">
+                                <p:cTn id="5" presetID="10" presetClass="entr" presetSubtype="0" fill="hold" grpId="0" nodeType="clickEffect">
                                   <p:stCondLst>
                                     <p:cond delay="0"/>
                                   </p:stCondLst>
@@ -5178,6 +5177,41 @@
                                     <p:set>
                                       <p:cBhvr>
                                         <p:cTn id="6" dur="1" fill="hold">
+                                          <p:stCondLst>
+                                            <p:cond delay="0"/>
+                                          </p:stCondLst>
+                                        </p:cTn>
+                                        <p:tgtEl>
+                                          <p:spTgt spid="4"/>
+                                        </p:tgtEl>
+                                        <p:attrNameLst>
+                                          <p:attrName>style.visibility</p:attrName>
+                                        </p:attrNameLst>
+                                      </p:cBhvr>
+                                      <p:to>
+                                        <p:strVal val="visible"/>
+                                      </p:to>
+                                    </p:set>
+                                    <p:animEffect transition="in" filter="fade">
+                                      <p:cBhvr>
+                                        <p:cTn id="7" dur="500"/>
+                                        <p:tgtEl>
+                                          <p:spTgt spid="4"/>
+                                        </p:tgtEl>
+                                      </p:cBhvr>
+                                    </p:animEffect>
+                                  </p:childTnLst>
+                                </p:cTn>
+                              </p:par>
+                              <p:par>
+                                <p:cTn id="8" presetID="53" presetClass="entr" presetSubtype="16" fill="hold" nodeType="withEffect">
+                                  <p:stCondLst>
+                                    <p:cond delay="0"/>
+                                  </p:stCondLst>
+                                  <p:childTnLst>
+                                    <p:set>
+                                      <p:cBhvr>
+                                        <p:cTn id="9" dur="1" fill="hold">
                                           <p:stCondLst>
                                             <p:cond delay="0"/>
                                           </p:stCondLst>
@@ -5195,7 +5229,7 @@
                                     </p:set>
                                     <p:anim calcmode="lin" valueType="num">
                                       <p:cBhvr>
-                                        <p:cTn id="7" dur="500" fill="hold"/>
+                                        <p:cTn id="10" dur="500" fill="hold"/>
                                         <p:tgtEl>
                                           <p:spTgt spid="3"/>
                                         </p:tgtEl>
@@ -5218,7 +5252,7 @@
                                     </p:anim>
                                     <p:anim calcmode="lin" valueType="num">
                                       <p:cBhvr>
-                                        <p:cTn id="8" dur="500" fill="hold"/>
+                                        <p:cTn id="11" dur="500" fill="hold"/>
                                         <p:tgtEl>
                                           <p:spTgt spid="3"/>
                                         </p:tgtEl>
@@ -5241,7 +5275,7 @@
                                     </p:anim>
                                     <p:animEffect transition="in" filter="fade">
                                       <p:cBhvr>
-                                        <p:cTn id="9" dur="500"/>
+                                        <p:cTn id="12" dur="500"/>
                                         <p:tgtEl>
                                           <p:spTgt spid="3"/>
                                         </p:tgtEl>
@@ -5257,26 +5291,26 @@
                     </p:cTn>
                   </p:par>
                   <p:par>
-                    <p:cTn id="10" fill="hold">
+                    <p:cTn id="13" fill="hold">
                       <p:stCondLst>
                         <p:cond delay="indefinite"/>
                       </p:stCondLst>
                       <p:childTnLst>
                         <p:par>
-                          <p:cTn id="11" fill="hold">
+                          <p:cTn id="14" fill="hold">
                             <p:stCondLst>
                               <p:cond delay="0"/>
                             </p:stCondLst>
                             <p:childTnLst>
                               <p:par>
-                                <p:cTn id="12" presetID="10" presetClass="entr" presetSubtype="0" fill="hold" nodeType="clickEffect">
+                                <p:cTn id="15" presetID="10" presetClass="entr" presetSubtype="0" fill="hold" nodeType="clickEffect">
                                   <p:stCondLst>
                                     <p:cond delay="0"/>
                                   </p:stCondLst>
                                   <p:childTnLst>
                                     <p:set>
                                       <p:cBhvr>
-                                        <p:cTn id="13" dur="1" fill="hold">
+                                        <p:cTn id="16" dur="1" fill="hold">
                                           <p:stCondLst>
                                             <p:cond delay="0"/>
                                           </p:stCondLst>
@@ -5294,7 +5328,7 @@
                                     </p:set>
                                     <p:animEffect transition="in" filter="fade">
                                       <p:cBhvr>
-                                        <p:cTn id="14" dur="500"/>
+                                        <p:cTn id="17" dur="500"/>
                                         <p:tgtEl>
                                           <p:spTgt spid="6"/>
                                         </p:tgtEl>
@@ -5304,14 +5338,14 @@
                                 </p:cTn>
                               </p:par>
                               <p:par>
-                                <p:cTn id="15" presetID="10" presetClass="entr" presetSubtype="0" fill="hold" nodeType="withEffect">
+                                <p:cTn id="18" presetID="10" presetClass="entr" presetSubtype="0" fill="hold" nodeType="withEffect">
                                   <p:stCondLst>
                                     <p:cond delay="0"/>
                                   </p:stCondLst>
                                   <p:childTnLst>
                                     <p:set>
                                       <p:cBhvr>
-                                        <p:cTn id="16" dur="1" fill="hold">
+                                        <p:cTn id="19" dur="1" fill="hold">
                                           <p:stCondLst>
                                             <p:cond delay="0"/>
                                           </p:stCondLst>
@@ -5329,7 +5363,7 @@
                                     </p:set>
                                     <p:animEffect transition="in" filter="fade">
                                       <p:cBhvr>
-                                        <p:cTn id="17" dur="500"/>
+                                        <p:cTn id="20" dur="500"/>
                                         <p:tgtEl>
                                           <p:spTgt spid="7"/>
                                         </p:tgtEl>
@@ -5339,14 +5373,14 @@
                                 </p:cTn>
                               </p:par>
                               <p:par>
-                                <p:cTn id="18" presetID="10" presetClass="entr" presetSubtype="0" fill="hold" grpId="0" nodeType="withEffect">
+                                <p:cTn id="21" presetID="10" presetClass="entr" presetSubtype="0" fill="hold" grpId="0" nodeType="withEffect">
                                   <p:stCondLst>
                                     <p:cond delay="0"/>
                                   </p:stCondLst>
                                   <p:childTnLst>
                                     <p:set>
                                       <p:cBhvr>
-                                        <p:cTn id="19" dur="1" fill="hold">
+                                        <p:cTn id="22" dur="1" fill="hold">
                                           <p:stCondLst>
                                             <p:cond delay="0"/>
                                           </p:stCondLst>
@@ -5364,7 +5398,7 @@
                                     </p:set>
                                     <p:animEffect transition="in" filter="fade">
                                       <p:cBhvr>
-                                        <p:cTn id="20" dur="500"/>
+                                        <p:cTn id="23" dur="500"/>
                                         <p:tgtEl>
                                           <p:spTgt spid="8"/>
                                         </p:tgtEl>
@@ -5373,33 +5407,15 @@
                                   </p:childTnLst>
                                 </p:cTn>
                               </p:par>
-                            </p:childTnLst>
-                          </p:cTn>
-                        </p:par>
-                      </p:childTnLst>
-                    </p:cTn>
-                  </p:par>
-                  <p:par>
-                    <p:cTn id="21" fill="hold">
-                      <p:stCondLst>
-                        <p:cond delay="indefinite"/>
-                      </p:stCondLst>
-                      <p:childTnLst>
-                        <p:par>
-                          <p:cTn id="22" fill="hold">
-                            <p:stCondLst>
-                              <p:cond delay="0"/>
-                            </p:stCondLst>
-                            <p:childTnLst>
                               <p:par>
-                                <p:cTn id="23" presetID="22" presetClass="entr" presetSubtype="2" fill="hold" nodeType="clickEffect">
+                                <p:cTn id="24" presetID="22" presetClass="entr" presetSubtype="2" fill="hold" nodeType="withEffect">
                                   <p:stCondLst>
-                                    <p:cond delay="0"/>
+                                    <p:cond delay="250"/>
                                   </p:stCondLst>
                                   <p:childTnLst>
                                     <p:set>
                                       <p:cBhvr>
-                                        <p:cTn id="24" dur="1" fill="hold">
+                                        <p:cTn id="25" dur="1" fill="hold">
                                           <p:stCondLst>
                                             <p:cond delay="0"/>
                                           </p:stCondLst>
@@ -5417,7 +5433,7 @@
                                     </p:set>
                                     <p:animEffect transition="in" filter="wipe(right)">
                                       <p:cBhvr>
-                                        <p:cTn id="25" dur="500"/>
+                                        <p:cTn id="26" dur="500"/>
                                         <p:tgtEl>
                                           <p:spTgt spid="10"/>
                                         </p:tgtEl>
@@ -5427,14 +5443,14 @@
                                 </p:cTn>
                               </p:par>
                               <p:par>
-                                <p:cTn id="26" presetID="22" presetClass="entr" presetSubtype="2" fill="hold" nodeType="withEffect">
+                                <p:cTn id="27" presetID="22" presetClass="entr" presetSubtype="2" fill="hold" nodeType="withEffect">
                                   <p:stCondLst>
-                                    <p:cond delay="0"/>
+                                    <p:cond delay="250"/>
                                   </p:stCondLst>
                                   <p:childTnLst>
                                     <p:set>
                                       <p:cBhvr>
-                                        <p:cTn id="27" dur="1" fill="hold">
+                                        <p:cTn id="28" dur="1" fill="hold">
                                           <p:stCondLst>
                                             <p:cond delay="0"/>
                                           </p:stCondLst>
@@ -5452,7 +5468,7 @@
                                     </p:set>
                                     <p:animEffect transition="in" filter="wipe(right)">
                                       <p:cBhvr>
-                                        <p:cTn id="28" dur="500"/>
+                                        <p:cTn id="29" dur="500"/>
                                         <p:tgtEl>
                                           <p:spTgt spid="12"/>
                                         </p:tgtEl>
@@ -5489,6 +5505,7 @@
       </p:par>
     </p:tnLst>
     <p:bldLst>
+      <p:bldP spid="4" grpId="0"/>
       <p:bldP spid="8" grpId="0"/>
     </p:bldLst>
   </p:timing>
@@ -5514,66 +5531,6 @@
       </p:grpSpPr>
       <p:sp>
         <p:nvSpPr>
-          <p:cNvPr id="2" name="Slide Number Placeholder 1"/>
-          <p:cNvSpPr>
-            <a:spLocks noGrp="1"/>
-          </p:cNvSpPr>
-          <p:nvPr>
-            <p:ph type="sldNum" sz="quarter" idx="12"/>
-          </p:nvPr>
-        </p:nvSpPr>
-        <p:spPr/>
-        <p:txBody>
-          <a:bodyPr/>
-          <a:lstStyle/>
-          <a:p>
-            <a:fld id="{4FAB73BC-B049-4115-A692-8D63A059BFB8}" type="slidenum">
-              <a:rPr lang="en-US" smtClean="0"/>
-              <a:t>12</a:t>
-            </a:fld>
-            <a:endParaRPr lang="en-US" dirty="0"/>
-          </a:p>
-        </p:txBody>
-      </p:sp>
-    </p:spTree>
-    <p:extLst>
-      <p:ext uri="{BB962C8B-B14F-4D97-AF65-F5344CB8AC3E}">
-        <p14:creationId xmlns:p14="http://schemas.microsoft.com/office/powerpoint/2010/main" val="4193378494"/>
-      </p:ext>
-    </p:extLst>
-  </p:cSld>
-  <p:clrMapOvr>
-    <a:masterClrMapping/>
-  </p:clrMapOvr>
-  <p:timing>
-    <p:tnLst>
-      <p:par>
-        <p:cTn id="1" dur="indefinite" restart="never" nodeType="tmRoot"/>
-      </p:par>
-    </p:tnLst>
-  </p:timing>
-</p:sld>
-</file>
-
-<file path=ppt/slides/slide13.xml><?xml version="1.0" encoding="utf-8"?>
-<p:sld xmlns:a="http://schemas.openxmlformats.org/drawingml/2006/main" xmlns:r="http://schemas.openxmlformats.org/officeDocument/2006/relationships" xmlns:p="http://schemas.openxmlformats.org/presentationml/2006/main">
-  <p:cSld>
-    <p:spTree>
-      <p:nvGrpSpPr>
-        <p:cNvPr id="1" name=""/>
-        <p:cNvGrpSpPr/>
-        <p:nvPr/>
-      </p:nvGrpSpPr>
-      <p:grpSpPr>
-        <a:xfrm>
-          <a:off x="0" y="0"/>
-          <a:ext cx="0" cy="0"/>
-          <a:chOff x="0" y="0"/>
-          <a:chExt cx="0" cy="0"/>
-        </a:xfrm>
-      </p:grpSpPr>
-      <p:sp>
-        <p:nvSpPr>
           <p:cNvPr id="10" name="TextBox 9"/>
           <p:cNvSpPr txBox="1"/>
           <p:nvPr/>
@@ -5604,64 +5561,6 @@
             <a:endParaRPr lang="en-AU" sz="5400" b="1" dirty="0">
               <a:latin typeface="Calibri" panose="020F0502020204030204" pitchFamily="34" charset="0"/>
             </a:endParaRPr>
-          </a:p>
-        </p:txBody>
-      </p:sp>
-      <p:sp>
-        <p:nvSpPr>
-          <p:cNvPr id="2" name="TextBox 1"/>
-          <p:cNvSpPr txBox="1"/>
-          <p:nvPr/>
-        </p:nvSpPr>
-        <p:spPr>
-          <a:xfrm>
-            <a:off x="861237" y="4614531"/>
-            <a:ext cx="6315739" cy="369332"/>
-          </a:xfrm>
-          <a:prstGeom prst="rect">
-            <a:avLst/>
-          </a:prstGeom>
-          <a:noFill/>
-        </p:spPr>
-        <p:txBody>
-          <a:bodyPr wrap="square" rtlCol="0">
-            <a:spAutoFit/>
-          </a:bodyPr>
-          <a:lstStyle/>
-          <a:p>
-            <a:r>
-              <a:rPr lang="en-AU" dirty="0"/>
-              <a:t>https://angular.io/guide/form-validation</a:t>
-            </a:r>
-          </a:p>
-        </p:txBody>
-      </p:sp>
-      <p:sp>
-        <p:nvSpPr>
-          <p:cNvPr id="3" name="TextBox 2"/>
-          <p:cNvSpPr txBox="1"/>
-          <p:nvPr/>
-        </p:nvSpPr>
-        <p:spPr>
-          <a:xfrm>
-            <a:off x="861237" y="5305647"/>
-            <a:ext cx="10823944" cy="646331"/>
-          </a:xfrm>
-          <a:prstGeom prst="rect">
-            <a:avLst/>
-          </a:prstGeom>
-          <a:noFill/>
-        </p:spPr>
-        <p:txBody>
-          <a:bodyPr wrap="square" rtlCol="0">
-            <a:spAutoFit/>
-          </a:bodyPr>
-          <a:lstStyle/>
-          <a:p>
-            <a:r>
-              <a:rPr lang="en-AU" dirty="0"/>
-              <a:t>https://blog.thoughtram.io/angular/2016/03/14/custom-validators-in-angular-2.html#custom-validators-with-dependencies</a:t>
-            </a:r>
           </a:p>
         </p:txBody>
       </p:sp>
@@ -5682,9 +5581,38 @@
           <a:p>
             <a:fld id="{4FAB73BC-B049-4115-A692-8D63A059BFB8}" type="slidenum">
               <a:rPr lang="en-US" smtClean="0"/>
-              <a:t>13</a:t>
+              <a:t>12</a:t>
             </a:fld>
             <a:endParaRPr lang="en-US" dirty="0"/>
+          </a:p>
+        </p:txBody>
+      </p:sp>
+      <p:sp>
+        <p:nvSpPr>
+          <p:cNvPr id="5" name="TextBox 4"/>
+          <p:cNvSpPr txBox="1"/>
+          <p:nvPr/>
+        </p:nvSpPr>
+        <p:spPr>
+          <a:xfrm>
+            <a:off x="1646733" y="4308389"/>
+            <a:ext cx="9012194" cy="523220"/>
+          </a:xfrm>
+          <a:prstGeom prst="rect">
+            <a:avLst/>
+          </a:prstGeom>
+          <a:noFill/>
+        </p:spPr>
+        <p:txBody>
+          <a:bodyPr wrap="square" rtlCol="0">
+            <a:spAutoFit/>
+          </a:bodyPr>
+          <a:lstStyle/>
+          <a:p>
+            <a:r>
+              <a:rPr lang="en-AU" sz="2800" dirty="0"/>
+              <a:t>https://github.com/timmyktom/angular_validator_directive</a:t>
+            </a:r>
           </a:p>
         </p:txBody>
       </p:sp>
@@ -5735,7 +5663,7 @@
         </p:nvSpPr>
         <p:spPr>
           <a:xfrm>
-            <a:off x="1029924" y="1416907"/>
+            <a:off x="1161730" y="1952366"/>
             <a:ext cx="9784080" cy="2290119"/>
           </a:xfrm>
           <a:prstGeom prst="rect">
@@ -6008,15 +5936,7 @@
             </a:pPr>
             <a:r>
               <a:rPr lang="en-AU" dirty="0" smtClean="0"/>
-              <a:t>Custom Validator with </a:t>
-            </a:r>
-            <a:r>
-              <a:rPr lang="en-AU" dirty="0" smtClean="0"/>
-              <a:t>arguments </a:t>
-            </a:r>
-            <a:r>
-              <a:rPr lang="en-AU" dirty="0" smtClean="0"/>
-              <a:t>and use it in a Reactive Form</a:t>
+              <a:t>Custom Validator with arguments and use it in a Reactive Form</a:t>
             </a:r>
           </a:p>
           <a:p>
@@ -6027,28 +5947,13 @@
             </a:pPr>
             <a:r>
               <a:rPr lang="en-AU" dirty="0" smtClean="0"/>
-              <a:t>Custom Validator Directive for Model driven Form</a:t>
-            </a:r>
-          </a:p>
-          <a:p>
-            <a:pPr>
-              <a:spcAft>
-                <a:spcPts val="1200"/>
-              </a:spcAft>
-            </a:pPr>
+              <a:t>Custom Validator Directive for Model driven </a:t>
+            </a:r>
             <a:r>
               <a:rPr lang="en-AU" dirty="0" smtClean="0"/>
-              <a:t>Multi Providers &amp; </a:t>
-            </a:r>
-            <a:r>
-              <a:rPr lang="en-AU" dirty="0"/>
-              <a:t>Forward References in </a:t>
-            </a:r>
-            <a:r>
-              <a:rPr lang="en-AU" dirty="0" smtClean="0"/>
-              <a:t>Angular</a:t>
-            </a:r>
-            <a:endParaRPr lang="en-AU" dirty="0"/>
+              <a:t>Form</a:t>
+            </a:r>
+            <a:endParaRPr lang="en-AU" dirty="0" smtClean="0"/>
           </a:p>
         </p:txBody>
       </p:sp>
@@ -6843,11 +6748,7 @@
             <a:pPr algn="r"/>
             <a:r>
               <a:rPr lang="en-AU" sz="3200" b="1" dirty="0" smtClean="0"/>
-              <a:t>Use with </a:t>
-            </a:r>
-            <a:r>
-              <a:rPr lang="en-AU" sz="3200" b="1" dirty="0" smtClean="0"/>
-              <a:t>Reactive Form</a:t>
+              <a:t>Use with Reactive Form</a:t>
             </a:r>
             <a:endParaRPr lang="en-AU" sz="3200" b="1" dirty="0"/>
           </a:p>
@@ -7322,11 +7223,7 @@
           <a:p>
             <a:r>
               <a:rPr lang="en-AU" sz="3600" b="1" dirty="0" smtClean="0"/>
-              <a:t>Custom Validator with </a:t>
-            </a:r>
-            <a:r>
-              <a:rPr lang="en-AU" sz="3600" b="1" dirty="0" smtClean="0"/>
-              <a:t>arguments</a:t>
+              <a:t>Custom Validator with arguments</a:t>
             </a:r>
             <a:endParaRPr lang="en-AU" sz="3600" b="1" dirty="0"/>
           </a:p>
@@ -7521,15 +7418,7 @@
           <a:p>
             <a:r>
               <a:rPr lang="en-AU" sz="3200" b="1" dirty="0" smtClean="0"/>
-              <a:t>Calling Custom Validator with </a:t>
-            </a:r>
-            <a:r>
-              <a:rPr lang="en-AU" sz="3200" b="1" dirty="0" smtClean="0"/>
-              <a:t>arguments </a:t>
-            </a:r>
-            <a:r>
-              <a:rPr lang="en-AU" sz="3200" b="1" dirty="0" smtClean="0"/>
-              <a:t>in Reactive Form</a:t>
+              <a:t>Calling Custom Validator with arguments in Reactive Form</a:t>
             </a:r>
             <a:endParaRPr lang="en-AU" sz="3200" b="1" dirty="0"/>
           </a:p>
@@ -8177,7 +8066,15 @@
           <a:p>
             <a:r>
               <a:rPr lang="en-AU" sz="2800" b="1" dirty="0" smtClean="0"/>
-              <a:t>Custom Directive using Custom Validator without dependency</a:t>
+              <a:t>Custom Directive </a:t>
+            </a:r>
+            <a:r>
+              <a:rPr lang="en-AU" sz="2800" b="1" dirty="0" smtClean="0"/>
+              <a:t>for </a:t>
+            </a:r>
+            <a:r>
+              <a:rPr lang="en-AU" sz="2800" b="1" dirty="0" smtClean="0"/>
+              <a:t>Custom Validator without dependency</a:t>
             </a:r>
             <a:endParaRPr lang="en-AU" sz="2800" b="1" dirty="0"/>
           </a:p>

--- a/Custom Validator & Directive.pptx
+++ b/Custom Validator & Directive.pptx
@@ -253,7 +253,7 @@
           <a:p>
             <a:fld id="{EE109A66-D011-40DD-AD8B-04F92BD515AF}" type="datetimeFigureOut">
               <a:rPr lang="en-AU" smtClean="0"/>
-              <a:t>10/10/2017</a:t>
+              <a:t>3/11/2017</a:t>
             </a:fld>
             <a:endParaRPr lang="en-AU"/>
           </a:p>
@@ -781,7 +781,7 @@
           <a:p>
             <a:fld id="{E8537BA8-6A8F-4130-83C4-4F82A5AD1C67}" type="datetime1">
               <a:rPr lang="en-US" smtClean="0"/>
-              <a:t>10/10/2017</a:t>
+              <a:t>11/3/2017</a:t>
             </a:fld>
             <a:endParaRPr lang="en-US" dirty="0"/>
           </a:p>
@@ -946,7 +946,7 @@
           <a:p>
             <a:fld id="{6748436A-B790-4851-BD44-7ECED3ADBB3C}" type="datetime1">
               <a:rPr lang="en-US" smtClean="0"/>
-              <a:t>10/10/2017</a:t>
+              <a:t>11/3/2017</a:t>
             </a:fld>
             <a:endParaRPr lang="en-US" dirty="0"/>
           </a:p>
@@ -1164,7 +1164,7 @@
           <a:p>
             <a:fld id="{BE9AA015-55B8-4A2B-8A6B-CF101FF90EF7}" type="datetime1">
               <a:rPr lang="en-US" smtClean="0"/>
-              <a:t>10/10/2017</a:t>
+              <a:t>11/3/2017</a:t>
             </a:fld>
             <a:endParaRPr lang="en-US" dirty="0"/>
           </a:p>
@@ -1339,7 +1339,7 @@
           <a:p>
             <a:fld id="{9A8B12E1-1130-4BBF-B584-0ADF5964A8B3}" type="datetime1">
               <a:rPr lang="en-US" smtClean="0"/>
-              <a:t>10/10/2017</a:t>
+              <a:t>11/3/2017</a:t>
             </a:fld>
             <a:endParaRPr lang="en-US" dirty="0"/>
           </a:p>
@@ -1640,7 +1640,7 @@
           <a:p>
             <a:fld id="{92A3A080-08D4-4491-8B19-B23336A173C2}" type="datetime1">
               <a:rPr lang="en-US" smtClean="0"/>
-              <a:t>10/10/2017</a:t>
+              <a:t>11/3/2017</a:t>
             </a:fld>
             <a:endParaRPr lang="en-US" dirty="0"/>
           </a:p>
@@ -1940,7 +1940,7 @@
           <a:p>
             <a:fld id="{C5AD1B90-CA4C-467D-B721-481A4F0E7945}" type="datetime1">
               <a:rPr lang="en-US" smtClean="0"/>
-              <a:t>10/10/2017</a:t>
+              <a:t>11/3/2017</a:t>
             </a:fld>
             <a:endParaRPr lang="en-US" dirty="0"/>
           </a:p>
@@ -2357,7 +2357,7 @@
           <a:p>
             <a:fld id="{D47C2297-E751-4F08-8EB8-7656A210BE26}" type="datetime1">
               <a:rPr lang="en-US" smtClean="0"/>
-              <a:t>10/10/2017</a:t>
+              <a:t>11/3/2017</a:t>
             </a:fld>
             <a:endParaRPr lang="en-US" dirty="0"/>
           </a:p>
@@ -2470,7 +2470,7 @@
           <a:p>
             <a:fld id="{5CE70E67-5149-47C5-BAE4-E4AC4511191B}" type="datetime1">
               <a:rPr lang="en-US" smtClean="0"/>
-              <a:t>10/10/2017</a:t>
+              <a:t>11/3/2017</a:t>
             </a:fld>
             <a:endParaRPr lang="en-US" dirty="0"/>
           </a:p>
@@ -2560,7 +2560,7 @@
           <a:p>
             <a:fld id="{146EAA39-025D-4779-9805-3BB8C9483DA8}" type="datetime1">
               <a:rPr lang="en-US" smtClean="0"/>
-              <a:t>10/10/2017</a:t>
+              <a:t>11/3/2017</a:t>
             </a:fld>
             <a:endParaRPr lang="en-US" dirty="0"/>
           </a:p>
@@ -2828,7 +2828,7 @@
           <a:p>
             <a:fld id="{FC81F383-D035-4A34-B5B8-C5BBA644D78D}" type="datetime1">
               <a:rPr lang="en-US" smtClean="0"/>
-              <a:t>10/10/2017</a:t>
+              <a:t>11/3/2017</a:t>
             </a:fld>
             <a:endParaRPr lang="en-US" dirty="0"/>
           </a:p>
@@ -3088,7 +3088,7 @@
           <a:p>
             <a:fld id="{2B3B2E31-5EC0-459C-AAB3-A562F1CDFAA3}" type="datetime1">
               <a:rPr lang="en-US" smtClean="0"/>
-              <a:t>10/10/2017</a:t>
+              <a:t>11/3/2017</a:t>
             </a:fld>
             <a:endParaRPr lang="en-US" dirty="0"/>
           </a:p>
@@ -3332,7 +3332,7 @@
           <a:p>
             <a:fld id="{CB85F239-AFD7-4D60-9835-27F1985ACEE8}" type="datetime1">
               <a:rPr lang="en-US" smtClean="0"/>
-              <a:t>10/10/2017</a:t>
+              <a:t>11/3/2017</a:t>
             </a:fld>
             <a:endParaRPr lang="en-US" dirty="0"/>
           </a:p>
@@ -3980,15 +3980,7 @@
           <a:p>
             <a:r>
               <a:rPr lang="en-AU" sz="2800" b="1" dirty="0" smtClean="0"/>
-              <a:t>Custom Directive </a:t>
-            </a:r>
-            <a:r>
-              <a:rPr lang="en-AU" sz="2800" b="1" dirty="0" smtClean="0"/>
-              <a:t>for </a:t>
-            </a:r>
-            <a:r>
-              <a:rPr lang="en-AU" sz="2800" b="1" dirty="0" smtClean="0"/>
-              <a:t>Custom Validator with dependency</a:t>
+              <a:t>Custom Directive for Custom Validator with dependency</a:t>
             </a:r>
             <a:endParaRPr lang="en-AU" sz="2800" b="1" dirty="0"/>
           </a:p>
@@ -5595,8 +5587,8 @@
         </p:nvSpPr>
         <p:spPr>
           <a:xfrm>
-            <a:off x="1646733" y="4308389"/>
-            <a:ext cx="9012194" cy="523220"/>
+            <a:off x="1861751" y="4006637"/>
+            <a:ext cx="10018847" cy="1815882"/>
           </a:xfrm>
           <a:prstGeom prst="rect">
             <a:avLst/>
@@ -5610,9 +5602,47 @@
           <a:lstStyle/>
           <a:p>
             <a:r>
+              <a:rPr lang="en-AU" sz="2800" dirty="0">
+                <a:hlinkClick r:id="rId2"/>
+              </a:rPr>
+              <a:t>https://</a:t>
+            </a:r>
+            <a:r>
+              <a:rPr lang="en-AU" sz="2800" dirty="0" smtClean="0">
+                <a:hlinkClick r:id="rId2"/>
+              </a:rPr>
+              <a:t>github.com/timmyktom/angular_validator_directive</a:t>
+            </a:r>
+            <a:r>
               <a:rPr lang="en-AU" sz="2800" dirty="0"/>
-              <a:t>https://github.com/timmyktom/angular_validator_directive</a:t>
-            </a:r>
+              <a:t/>
+            </a:r>
+            <a:br>
+              <a:rPr lang="en-AU" sz="2800" dirty="0"/>
+            </a:br>
+            <a:r>
+              <a:rPr lang="en-AU" sz="2800" dirty="0"/>
+              <a:t/>
+            </a:r>
+            <a:br>
+              <a:rPr lang="en-AU" sz="2800" dirty="0"/>
+            </a:br>
+            <a:r>
+              <a:rPr lang="en-AU" sz="2800" dirty="0">
+                <a:hlinkClick r:id="rId3"/>
+              </a:rPr>
+              <a:t>https://www.meetup.com/en-AU/ng-sydney/events/243754025</a:t>
+            </a:r>
+            <a:r>
+              <a:rPr lang="en-AU" sz="2800" dirty="0" smtClean="0">
+                <a:hlinkClick r:id="rId3"/>
+              </a:rPr>
+              <a:t>/</a:t>
+            </a:r>
+            <a:endParaRPr lang="en-AU" sz="2800" dirty="0" smtClean="0"/>
+          </a:p>
+          <a:p>
+            <a:endParaRPr lang="en-AU" sz="2800" dirty="0"/>
           </a:p>
         </p:txBody>
       </p:sp>
@@ -5947,13 +5977,8 @@
             </a:pPr>
             <a:r>
               <a:rPr lang="en-AU" dirty="0" smtClean="0"/>
-              <a:t>Custom Validator Directive for Model driven </a:t>
-            </a:r>
-            <a:r>
-              <a:rPr lang="en-AU" dirty="0" smtClean="0"/>
-              <a:t>Form</a:t>
-            </a:r>
-            <a:endParaRPr lang="en-AU" dirty="0" smtClean="0"/>
+              <a:t>Custom Validator Directive for Model driven Form</a:t>
+            </a:r>
           </a:p>
         </p:txBody>
       </p:sp>
@@ -8066,15 +8091,7 @@
           <a:p>
             <a:r>
               <a:rPr lang="en-AU" sz="2800" b="1" dirty="0" smtClean="0"/>
-              <a:t>Custom Directive </a:t>
-            </a:r>
-            <a:r>
-              <a:rPr lang="en-AU" sz="2800" b="1" dirty="0" smtClean="0"/>
-              <a:t>for </a:t>
-            </a:r>
-            <a:r>
-              <a:rPr lang="en-AU" sz="2800" b="1" dirty="0" smtClean="0"/>
-              <a:t>Custom Validator without dependency</a:t>
+              <a:t>Custom Directive for Custom Validator without dependency</a:t>
             </a:r>
             <a:endParaRPr lang="en-AU" sz="2800" b="1" dirty="0"/>
           </a:p>
